--- a/Presentacion _CreditScore_Tatiana_Garita.pptx
+++ b/Presentacion _CreditScore_Tatiana_Garita.pptx
@@ -14,8 +14,7 @@
     <p:sldId id="277" r:id="rId8"/>
     <p:sldId id="278" r:id="rId9"/>
     <p:sldId id="279" r:id="rId10"/>
-    <p:sldId id="273" r:id="rId11"/>
-    <p:sldId id="272" r:id="rId12"/>
+    <p:sldId id="272" r:id="rId11"/>
   </p:sldIdLst>
   <p:sldSz cx="12192000" cy="6858000"/>
   <p:notesSz cx="6858000" cy="9144000"/>
@@ -120,6 +119,4516 @@
     </p:ext>
   </p:extLst>
 </p:presentation>
+</file>
+
+<file path=ppt/diagrams/colors1.xml><?xml version="1.0" encoding="utf-8"?>
+<dgm:colorsDef xmlns:dgm="http://schemas.openxmlformats.org/drawingml/2006/diagram" xmlns:a="http://schemas.openxmlformats.org/drawingml/2006/main" uniqueId="urn:microsoft.com/office/officeart/2005/8/colors/colorful1">
+  <dgm:title val=""/>
+  <dgm:desc val=""/>
+  <dgm:catLst>
+    <dgm:cat type="colorful" pri="10100"/>
+  </dgm:catLst>
+  <dgm:styleLbl name="node0">
+    <dgm:fillClrLst meth="repeat">
+      <a:schemeClr val="accent1"/>
+    </dgm:fillClrLst>
+    <dgm:linClrLst meth="repeat">
+      <a:schemeClr val="lt1"/>
+    </dgm:linClrLst>
+    <dgm:effectClrLst/>
+    <dgm:txLinClrLst/>
+    <dgm:txFillClrLst/>
+    <dgm:txEffectClrLst/>
+  </dgm:styleLbl>
+  <dgm:styleLbl name="node1">
+    <dgm:fillClrLst meth="repeat">
+      <a:schemeClr val="accent2"/>
+      <a:schemeClr val="accent3"/>
+      <a:schemeClr val="accent4"/>
+      <a:schemeClr val="accent5"/>
+      <a:schemeClr val="accent6"/>
+    </dgm:fillClrLst>
+    <dgm:linClrLst meth="repeat">
+      <a:schemeClr val="lt1"/>
+    </dgm:linClrLst>
+    <dgm:effectClrLst/>
+    <dgm:txLinClrLst/>
+    <dgm:txFillClrLst/>
+    <dgm:txEffectClrLst/>
+  </dgm:styleLbl>
+  <dgm:styleLbl name="alignNode1">
+    <dgm:fillClrLst meth="repeat">
+      <a:schemeClr val="accent2"/>
+      <a:schemeClr val="accent3"/>
+      <a:schemeClr val="accent4"/>
+      <a:schemeClr val="accent5"/>
+      <a:schemeClr val="accent6"/>
+    </dgm:fillClrLst>
+    <dgm:linClrLst meth="repeat">
+      <a:schemeClr val="accent2"/>
+      <a:schemeClr val="accent3"/>
+      <a:schemeClr val="accent4"/>
+      <a:schemeClr val="accent5"/>
+      <a:schemeClr val="accent6"/>
+    </dgm:linClrLst>
+    <dgm:effectClrLst/>
+    <dgm:txLinClrLst/>
+    <dgm:txFillClrLst/>
+    <dgm:txEffectClrLst/>
+  </dgm:styleLbl>
+  <dgm:styleLbl name="lnNode1">
+    <dgm:fillClrLst meth="repeat">
+      <a:schemeClr val="accent2"/>
+      <a:schemeClr val="accent3"/>
+      <a:schemeClr val="accent4"/>
+      <a:schemeClr val="accent5"/>
+      <a:schemeClr val="accent6"/>
+    </dgm:fillClrLst>
+    <dgm:linClrLst meth="repeat">
+      <a:schemeClr val="lt1"/>
+    </dgm:linClrLst>
+    <dgm:effectClrLst/>
+    <dgm:txLinClrLst/>
+    <dgm:txFillClrLst/>
+    <dgm:txEffectClrLst/>
+  </dgm:styleLbl>
+  <dgm:styleLbl name="vennNode1">
+    <dgm:fillClrLst meth="repeat">
+      <a:schemeClr val="accent2">
+        <a:alpha val="50000"/>
+      </a:schemeClr>
+      <a:schemeClr val="accent3">
+        <a:alpha val="50000"/>
+      </a:schemeClr>
+      <a:schemeClr val="accent4">
+        <a:alpha val="50000"/>
+      </a:schemeClr>
+      <a:schemeClr val="accent5">
+        <a:alpha val="50000"/>
+      </a:schemeClr>
+      <a:schemeClr val="accent6">
+        <a:alpha val="50000"/>
+      </a:schemeClr>
+    </dgm:fillClrLst>
+    <dgm:linClrLst meth="repeat">
+      <a:schemeClr val="lt1"/>
+    </dgm:linClrLst>
+    <dgm:effectClrLst/>
+    <dgm:txLinClrLst/>
+    <dgm:txFillClrLst/>
+    <dgm:txEffectClrLst/>
+  </dgm:styleLbl>
+  <dgm:styleLbl name="node2">
+    <dgm:fillClrLst>
+      <a:schemeClr val="accent2"/>
+    </dgm:fillClrLst>
+    <dgm:linClrLst meth="repeat">
+      <a:schemeClr val="lt1"/>
+    </dgm:linClrLst>
+    <dgm:effectClrLst/>
+    <dgm:txLinClrLst/>
+    <dgm:txFillClrLst/>
+    <dgm:txEffectClrLst/>
+  </dgm:styleLbl>
+  <dgm:styleLbl name="node3">
+    <dgm:fillClrLst>
+      <a:schemeClr val="accent3"/>
+    </dgm:fillClrLst>
+    <dgm:linClrLst meth="repeat">
+      <a:schemeClr val="lt1"/>
+    </dgm:linClrLst>
+    <dgm:effectClrLst/>
+    <dgm:txLinClrLst/>
+    <dgm:txFillClrLst/>
+    <dgm:txEffectClrLst/>
+  </dgm:styleLbl>
+  <dgm:styleLbl name="node4">
+    <dgm:fillClrLst>
+      <a:schemeClr val="accent4"/>
+    </dgm:fillClrLst>
+    <dgm:linClrLst meth="repeat">
+      <a:schemeClr val="lt1"/>
+    </dgm:linClrLst>
+    <dgm:effectClrLst/>
+    <dgm:txLinClrLst/>
+    <dgm:txFillClrLst/>
+    <dgm:txEffectClrLst/>
+  </dgm:styleLbl>
+  <dgm:styleLbl name="fgImgPlace1">
+    <dgm:fillClrLst meth="repeat">
+      <a:schemeClr val="accent2">
+        <a:tint val="50000"/>
+      </a:schemeClr>
+      <a:schemeClr val="accent3">
+        <a:tint val="50000"/>
+      </a:schemeClr>
+      <a:schemeClr val="accent4">
+        <a:tint val="50000"/>
+      </a:schemeClr>
+      <a:schemeClr val="accent5">
+        <a:tint val="50000"/>
+      </a:schemeClr>
+      <a:schemeClr val="accent6">
+        <a:tint val="50000"/>
+      </a:schemeClr>
+    </dgm:fillClrLst>
+    <dgm:linClrLst meth="repeat">
+      <a:schemeClr val="lt1"/>
+    </dgm:linClrLst>
+    <dgm:effectClrLst/>
+    <dgm:txLinClrLst/>
+    <dgm:txFillClrLst meth="repeat">
+      <a:schemeClr val="lt1"/>
+    </dgm:txFillClrLst>
+    <dgm:txEffectClrLst/>
+  </dgm:styleLbl>
+  <dgm:styleLbl name="alignImgPlace1">
+    <dgm:fillClrLst>
+      <a:schemeClr val="accent1">
+        <a:tint val="50000"/>
+      </a:schemeClr>
+      <a:schemeClr val="accent2">
+        <a:tint val="20000"/>
+      </a:schemeClr>
+    </dgm:fillClrLst>
+    <dgm:linClrLst meth="repeat">
+      <a:schemeClr val="lt1"/>
+    </dgm:linClrLst>
+    <dgm:effectClrLst/>
+    <dgm:txLinClrLst/>
+    <dgm:txFillClrLst meth="repeat">
+      <a:schemeClr val="lt1"/>
+    </dgm:txFillClrLst>
+    <dgm:txEffectClrLst/>
+  </dgm:styleLbl>
+  <dgm:styleLbl name="bgImgPlace1">
+    <dgm:fillClrLst>
+      <a:schemeClr val="accent1">
+        <a:tint val="50000"/>
+      </a:schemeClr>
+      <a:schemeClr val="accent2">
+        <a:tint val="20000"/>
+      </a:schemeClr>
+    </dgm:fillClrLst>
+    <dgm:linClrLst meth="repeat">
+      <a:schemeClr val="lt1"/>
+    </dgm:linClrLst>
+    <dgm:effectClrLst/>
+    <dgm:txLinClrLst/>
+    <dgm:txFillClrLst meth="repeat">
+      <a:schemeClr val="lt1"/>
+    </dgm:txFillClrLst>
+    <dgm:txEffectClrLst/>
+  </dgm:styleLbl>
+  <dgm:styleLbl name="sibTrans2D1">
+    <dgm:fillClrLst meth="repeat">
+      <a:schemeClr val="accent2"/>
+      <a:schemeClr val="accent3"/>
+      <a:schemeClr val="accent4"/>
+      <a:schemeClr val="accent5"/>
+      <a:schemeClr val="accent6"/>
+    </dgm:fillClrLst>
+    <dgm:linClrLst meth="cycle">
+      <a:schemeClr val="lt1"/>
+    </dgm:linClrLst>
+    <dgm:effectClrLst/>
+    <dgm:txLinClrLst/>
+    <dgm:txFillClrLst/>
+    <dgm:txEffectClrLst/>
+  </dgm:styleLbl>
+  <dgm:styleLbl name="fgSibTrans2D1">
+    <dgm:fillClrLst meth="repeat">
+      <a:schemeClr val="accent2"/>
+      <a:schemeClr val="accent3"/>
+      <a:schemeClr val="accent4"/>
+      <a:schemeClr val="accent5"/>
+      <a:schemeClr val="accent6"/>
+    </dgm:fillClrLst>
+    <dgm:linClrLst meth="cycle">
+      <a:schemeClr val="lt1"/>
+    </dgm:linClrLst>
+    <dgm:effectClrLst/>
+    <dgm:txLinClrLst/>
+    <dgm:txFillClrLst meth="repeat">
+      <a:schemeClr val="lt1"/>
+    </dgm:txFillClrLst>
+    <dgm:txEffectClrLst/>
+  </dgm:styleLbl>
+  <dgm:styleLbl name="bgSibTrans2D1">
+    <dgm:fillClrLst meth="repeat">
+      <a:schemeClr val="accent2"/>
+      <a:schemeClr val="accent3"/>
+      <a:schemeClr val="accent4"/>
+      <a:schemeClr val="accent5"/>
+      <a:schemeClr val="accent6"/>
+    </dgm:fillClrLst>
+    <dgm:linClrLst meth="cycle">
+      <a:schemeClr val="lt1"/>
+    </dgm:linClrLst>
+    <dgm:effectClrLst/>
+    <dgm:txLinClrLst/>
+    <dgm:txFillClrLst meth="repeat">
+      <a:schemeClr val="lt1"/>
+    </dgm:txFillClrLst>
+    <dgm:txEffectClrLst/>
+  </dgm:styleLbl>
+  <dgm:styleLbl name="sibTrans1D1">
+    <dgm:fillClrLst meth="repeat">
+      <a:schemeClr val="accent2"/>
+      <a:schemeClr val="accent3"/>
+      <a:schemeClr val="accent4"/>
+      <a:schemeClr val="accent5"/>
+      <a:schemeClr val="accent6"/>
+    </dgm:fillClrLst>
+    <dgm:linClrLst meth="repeat">
+      <a:schemeClr val="accent2"/>
+      <a:schemeClr val="accent3"/>
+      <a:schemeClr val="accent4"/>
+      <a:schemeClr val="accent5"/>
+      <a:schemeClr val="accent6"/>
+    </dgm:linClrLst>
+    <dgm:effectClrLst/>
+    <dgm:txLinClrLst/>
+    <dgm:txFillClrLst meth="repeat">
+      <a:schemeClr val="tx1"/>
+    </dgm:txFillClrLst>
+    <dgm:txEffectClrLst/>
+  </dgm:styleLbl>
+  <dgm:styleLbl name="callout">
+    <dgm:fillClrLst meth="repeat">
+      <a:schemeClr val="accent2"/>
+    </dgm:fillClrLst>
+    <dgm:linClrLst meth="repeat">
+      <a:schemeClr val="accent2">
+        <a:tint val="50000"/>
+      </a:schemeClr>
+    </dgm:linClrLst>
+    <dgm:effectClrLst/>
+    <dgm:txLinClrLst/>
+    <dgm:txFillClrLst meth="repeat">
+      <a:schemeClr val="tx1"/>
+    </dgm:txFillClrLst>
+    <dgm:txEffectClrLst/>
+  </dgm:styleLbl>
+  <dgm:styleLbl name="asst0">
+    <dgm:fillClrLst meth="repeat">
+      <a:schemeClr val="accent1"/>
+    </dgm:fillClrLst>
+    <dgm:linClrLst meth="repeat">
+      <a:schemeClr val="lt1"/>
+    </dgm:linClrLst>
+    <dgm:effectClrLst/>
+    <dgm:txLinClrLst/>
+    <dgm:txFillClrLst/>
+    <dgm:txEffectClrLst/>
+  </dgm:styleLbl>
+  <dgm:styleLbl name="asst1">
+    <dgm:fillClrLst meth="repeat">
+      <a:schemeClr val="accent2"/>
+    </dgm:fillClrLst>
+    <dgm:linClrLst meth="repeat">
+      <a:schemeClr val="lt1"/>
+    </dgm:linClrLst>
+    <dgm:effectClrLst/>
+    <dgm:txLinClrLst/>
+    <dgm:txFillClrLst/>
+    <dgm:txEffectClrLst/>
+  </dgm:styleLbl>
+  <dgm:styleLbl name="asst2">
+    <dgm:fillClrLst>
+      <a:schemeClr val="accent3"/>
+    </dgm:fillClrLst>
+    <dgm:linClrLst meth="repeat">
+      <a:schemeClr val="lt1"/>
+    </dgm:linClrLst>
+    <dgm:effectClrLst/>
+    <dgm:txLinClrLst/>
+    <dgm:txFillClrLst/>
+    <dgm:txEffectClrLst/>
+  </dgm:styleLbl>
+  <dgm:styleLbl name="asst3">
+    <dgm:fillClrLst>
+      <a:schemeClr val="accent4"/>
+    </dgm:fillClrLst>
+    <dgm:linClrLst meth="repeat">
+      <a:schemeClr val="lt1"/>
+    </dgm:linClrLst>
+    <dgm:effectClrLst/>
+    <dgm:txLinClrLst/>
+    <dgm:txFillClrLst/>
+    <dgm:txEffectClrLst/>
+  </dgm:styleLbl>
+  <dgm:styleLbl name="asst4">
+    <dgm:fillClrLst>
+      <a:schemeClr val="accent5"/>
+    </dgm:fillClrLst>
+    <dgm:linClrLst meth="repeat">
+      <a:schemeClr val="lt1"/>
+    </dgm:linClrLst>
+    <dgm:effectClrLst/>
+    <dgm:txLinClrLst/>
+    <dgm:txFillClrLst/>
+    <dgm:txEffectClrLst/>
+  </dgm:styleLbl>
+  <dgm:styleLbl name="parChTrans2D1">
+    <dgm:fillClrLst meth="repeat">
+      <a:schemeClr val="accent2"/>
+    </dgm:fillClrLst>
+    <dgm:linClrLst meth="repeat">
+      <a:schemeClr val="lt1"/>
+    </dgm:linClrLst>
+    <dgm:effectClrLst/>
+    <dgm:txLinClrLst/>
+    <dgm:txFillClrLst meth="repeat">
+      <a:schemeClr val="lt1"/>
+    </dgm:txFillClrLst>
+    <dgm:txEffectClrLst/>
+  </dgm:styleLbl>
+  <dgm:styleLbl name="parChTrans2D2">
+    <dgm:fillClrLst meth="repeat">
+      <a:schemeClr val="accent3"/>
+    </dgm:fillClrLst>
+    <dgm:linClrLst meth="repeat">
+      <a:schemeClr val="lt1"/>
+    </dgm:linClrLst>
+    <dgm:effectClrLst/>
+    <dgm:txLinClrLst/>
+    <dgm:txFillClrLst/>
+    <dgm:txEffectClrLst/>
+  </dgm:styleLbl>
+  <dgm:styleLbl name="parChTrans2D3">
+    <dgm:fillClrLst meth="repeat">
+      <a:schemeClr val="accent4"/>
+    </dgm:fillClrLst>
+    <dgm:linClrLst meth="repeat">
+      <a:schemeClr val="lt1"/>
+    </dgm:linClrLst>
+    <dgm:effectClrLst/>
+    <dgm:txLinClrLst/>
+    <dgm:txFillClrLst/>
+    <dgm:txEffectClrLst/>
+  </dgm:styleLbl>
+  <dgm:styleLbl name="parChTrans2D4">
+    <dgm:fillClrLst meth="repeat">
+      <a:schemeClr val="accent5"/>
+    </dgm:fillClrLst>
+    <dgm:linClrLst meth="repeat">
+      <a:schemeClr val="lt1"/>
+    </dgm:linClrLst>
+    <dgm:effectClrLst/>
+    <dgm:txLinClrLst/>
+    <dgm:txFillClrLst meth="repeat">
+      <a:schemeClr val="lt1"/>
+    </dgm:txFillClrLst>
+    <dgm:txEffectClrLst/>
+  </dgm:styleLbl>
+  <dgm:styleLbl name="parChTrans1D1">
+    <dgm:fillClrLst meth="repeat">
+      <a:schemeClr val="accent2"/>
+    </dgm:fillClrLst>
+    <dgm:linClrLst meth="repeat">
+      <a:schemeClr val="accent1"/>
+    </dgm:linClrLst>
+    <dgm:effectClrLst/>
+    <dgm:txLinClrLst/>
+    <dgm:txFillClrLst meth="repeat">
+      <a:schemeClr val="tx1"/>
+    </dgm:txFillClrLst>
+    <dgm:txEffectClrLst/>
+  </dgm:styleLbl>
+  <dgm:styleLbl name="parChTrans1D2">
+    <dgm:fillClrLst meth="repeat">
+      <a:schemeClr val="accent3">
+        <a:tint val="90000"/>
+      </a:schemeClr>
+    </dgm:fillClrLst>
+    <dgm:linClrLst meth="repeat">
+      <a:schemeClr val="accent2"/>
+    </dgm:linClrLst>
+    <dgm:effectClrLst/>
+    <dgm:txLinClrLst/>
+    <dgm:txFillClrLst meth="repeat">
+      <a:schemeClr val="tx1"/>
+    </dgm:txFillClrLst>
+    <dgm:txEffectClrLst/>
+  </dgm:styleLbl>
+  <dgm:styleLbl name="parChTrans1D3">
+    <dgm:fillClrLst meth="repeat">
+      <a:schemeClr val="accent4">
+        <a:tint val="70000"/>
+      </a:schemeClr>
+    </dgm:fillClrLst>
+    <dgm:linClrLst meth="repeat">
+      <a:schemeClr val="accent3"/>
+    </dgm:linClrLst>
+    <dgm:effectClrLst/>
+    <dgm:txLinClrLst/>
+    <dgm:txFillClrLst meth="repeat">
+      <a:schemeClr val="tx1"/>
+    </dgm:txFillClrLst>
+    <dgm:txEffectClrLst/>
+  </dgm:styleLbl>
+  <dgm:styleLbl name="parChTrans1D4">
+    <dgm:fillClrLst meth="repeat">
+      <a:schemeClr val="accent5">
+        <a:tint val="50000"/>
+      </a:schemeClr>
+    </dgm:fillClrLst>
+    <dgm:linClrLst meth="repeat">
+      <a:schemeClr val="accent4"/>
+    </dgm:linClrLst>
+    <dgm:effectClrLst/>
+    <dgm:txLinClrLst/>
+    <dgm:txFillClrLst meth="repeat">
+      <a:schemeClr val="tx1"/>
+    </dgm:txFillClrLst>
+    <dgm:txEffectClrLst/>
+  </dgm:styleLbl>
+  <dgm:styleLbl name="fgAcc1">
+    <dgm:fillClrLst meth="repeat">
+      <a:schemeClr val="lt1">
+        <a:alpha val="90000"/>
+      </a:schemeClr>
+    </dgm:fillClrLst>
+    <dgm:linClrLst meth="repeat">
+      <a:schemeClr val="accent2"/>
+      <a:schemeClr val="accent3"/>
+      <a:schemeClr val="accent4"/>
+      <a:schemeClr val="accent5"/>
+      <a:schemeClr val="accent6"/>
+    </dgm:linClrLst>
+    <dgm:effectClrLst/>
+    <dgm:txLinClrLst/>
+    <dgm:txFillClrLst meth="repeat">
+      <a:schemeClr val="dk1"/>
+    </dgm:txFillClrLst>
+    <dgm:txEffectClrLst/>
+  </dgm:styleLbl>
+  <dgm:styleLbl name="conFgAcc1">
+    <dgm:fillClrLst meth="repeat">
+      <a:schemeClr val="lt1">
+        <a:alpha val="90000"/>
+      </a:schemeClr>
+    </dgm:fillClrLst>
+    <dgm:linClrLst meth="repeat">
+      <a:schemeClr val="accent2"/>
+      <a:schemeClr val="accent3"/>
+      <a:schemeClr val="accent4"/>
+      <a:schemeClr val="accent5"/>
+      <a:schemeClr val="accent6"/>
+    </dgm:linClrLst>
+    <dgm:effectClrLst/>
+    <dgm:txLinClrLst/>
+    <dgm:txFillClrLst meth="repeat">
+      <a:schemeClr val="dk1"/>
+    </dgm:txFillClrLst>
+    <dgm:txEffectClrLst/>
+  </dgm:styleLbl>
+  <dgm:styleLbl name="alignAcc1">
+    <dgm:fillClrLst meth="repeat">
+      <a:schemeClr val="lt1">
+        <a:alpha val="90000"/>
+      </a:schemeClr>
+    </dgm:fillClrLst>
+    <dgm:linClrLst meth="repeat">
+      <a:schemeClr val="accent2"/>
+      <a:schemeClr val="accent3"/>
+      <a:schemeClr val="accent4"/>
+      <a:schemeClr val="accent5"/>
+      <a:schemeClr val="accent6"/>
+    </dgm:linClrLst>
+    <dgm:effectClrLst/>
+    <dgm:txLinClrLst/>
+    <dgm:txFillClrLst meth="repeat">
+      <a:schemeClr val="dk1"/>
+    </dgm:txFillClrLst>
+    <dgm:txEffectClrLst/>
+  </dgm:styleLbl>
+  <dgm:styleLbl name="trAlignAcc1">
+    <dgm:fillClrLst meth="repeat">
+      <a:schemeClr val="lt1">
+        <a:alpha val="40000"/>
+      </a:schemeClr>
+    </dgm:fillClrLst>
+    <dgm:linClrLst meth="repeat">
+      <a:schemeClr val="accent1"/>
+    </dgm:linClrLst>
+    <dgm:effectClrLst/>
+    <dgm:txLinClrLst/>
+    <dgm:txFillClrLst meth="repeat">
+      <a:schemeClr val="dk1"/>
+    </dgm:txFillClrLst>
+    <dgm:txEffectClrLst/>
+  </dgm:styleLbl>
+  <dgm:styleLbl name="bgAcc1">
+    <dgm:fillClrLst meth="repeat">
+      <a:schemeClr val="lt1">
+        <a:alpha val="90000"/>
+      </a:schemeClr>
+    </dgm:fillClrLst>
+    <dgm:linClrLst meth="repeat">
+      <a:schemeClr val="accent2"/>
+      <a:schemeClr val="accent3"/>
+      <a:schemeClr val="accent4"/>
+      <a:schemeClr val="accent5"/>
+      <a:schemeClr val="accent6"/>
+    </dgm:linClrLst>
+    <dgm:effectClrLst/>
+    <dgm:txLinClrLst/>
+    <dgm:txFillClrLst meth="repeat">
+      <a:schemeClr val="dk1"/>
+    </dgm:txFillClrLst>
+    <dgm:txEffectClrLst/>
+  </dgm:styleLbl>
+  <dgm:styleLbl name="solidFgAcc1">
+    <dgm:fillClrLst meth="repeat">
+      <a:schemeClr val="lt1"/>
+    </dgm:fillClrLst>
+    <dgm:linClrLst meth="repeat">
+      <a:schemeClr val="accent2"/>
+      <a:schemeClr val="accent3"/>
+      <a:schemeClr val="accent4"/>
+      <a:schemeClr val="accent5"/>
+      <a:schemeClr val="accent6"/>
+    </dgm:linClrLst>
+    <dgm:effectClrLst/>
+    <dgm:txLinClrLst/>
+    <dgm:txFillClrLst meth="repeat">
+      <a:schemeClr val="dk1"/>
+    </dgm:txFillClrLst>
+    <dgm:txEffectClrLst/>
+  </dgm:styleLbl>
+  <dgm:styleLbl name="solidAlignAcc1">
+    <dgm:fillClrLst meth="repeat">
+      <a:schemeClr val="lt1"/>
+    </dgm:fillClrLst>
+    <dgm:linClrLst meth="repeat">
+      <a:schemeClr val="accent2"/>
+      <a:schemeClr val="accent3"/>
+      <a:schemeClr val="accent4"/>
+      <a:schemeClr val="accent5"/>
+      <a:schemeClr val="accent6"/>
+    </dgm:linClrLst>
+    <dgm:effectClrLst/>
+    <dgm:txLinClrLst/>
+    <dgm:txFillClrLst meth="repeat">
+      <a:schemeClr val="dk1"/>
+    </dgm:txFillClrLst>
+    <dgm:txEffectClrLst/>
+  </dgm:styleLbl>
+  <dgm:styleLbl name="solidBgAcc1">
+    <dgm:fillClrLst meth="repeat">
+      <a:schemeClr val="lt1"/>
+    </dgm:fillClrLst>
+    <dgm:linClrLst meth="repeat">
+      <a:schemeClr val="accent2"/>
+      <a:schemeClr val="accent3"/>
+      <a:schemeClr val="accent4"/>
+      <a:schemeClr val="accent5"/>
+      <a:schemeClr val="accent6"/>
+    </dgm:linClrLst>
+    <dgm:effectClrLst/>
+    <dgm:txLinClrLst/>
+    <dgm:txFillClrLst meth="repeat">
+      <a:schemeClr val="dk1"/>
+    </dgm:txFillClrLst>
+    <dgm:txEffectClrLst/>
+  </dgm:styleLbl>
+  <dgm:styleLbl name="fgAccFollowNode1">
+    <dgm:fillClrLst meth="repeat">
+      <a:schemeClr val="accent2">
+        <a:tint val="40000"/>
+        <a:alpha val="90000"/>
+      </a:schemeClr>
+      <a:schemeClr val="accent3">
+        <a:tint val="40000"/>
+        <a:alpha val="90000"/>
+      </a:schemeClr>
+      <a:schemeClr val="accent4">
+        <a:tint val="40000"/>
+        <a:alpha val="90000"/>
+      </a:schemeClr>
+      <a:schemeClr val="accent5">
+        <a:tint val="40000"/>
+        <a:alpha val="90000"/>
+      </a:schemeClr>
+      <a:schemeClr val="accent6">
+        <a:tint val="40000"/>
+        <a:alpha val="90000"/>
+      </a:schemeClr>
+    </dgm:fillClrLst>
+    <dgm:linClrLst meth="repeat">
+      <a:schemeClr val="accent2">
+        <a:tint val="40000"/>
+        <a:alpha val="90000"/>
+      </a:schemeClr>
+      <a:schemeClr val="accent3">
+        <a:tint val="40000"/>
+        <a:alpha val="90000"/>
+      </a:schemeClr>
+      <a:schemeClr val="accent4">
+        <a:tint val="40000"/>
+        <a:alpha val="90000"/>
+      </a:schemeClr>
+      <a:schemeClr val="accent5">
+        <a:tint val="40000"/>
+        <a:alpha val="90000"/>
+      </a:schemeClr>
+      <a:schemeClr val="accent6">
+        <a:tint val="40000"/>
+        <a:alpha val="90000"/>
+      </a:schemeClr>
+    </dgm:linClrLst>
+    <dgm:effectClrLst/>
+    <dgm:txLinClrLst/>
+    <dgm:txFillClrLst meth="repeat">
+      <a:schemeClr val="dk1"/>
+    </dgm:txFillClrLst>
+    <dgm:txEffectClrLst/>
+  </dgm:styleLbl>
+  <dgm:styleLbl name="alignAccFollowNode1">
+    <dgm:fillClrLst meth="repeat">
+      <a:schemeClr val="accent2">
+        <a:tint val="40000"/>
+        <a:alpha val="90000"/>
+      </a:schemeClr>
+      <a:schemeClr val="accent3">
+        <a:tint val="40000"/>
+        <a:alpha val="90000"/>
+      </a:schemeClr>
+      <a:schemeClr val="accent4">
+        <a:tint val="40000"/>
+        <a:alpha val="90000"/>
+      </a:schemeClr>
+      <a:schemeClr val="accent5">
+        <a:tint val="40000"/>
+        <a:alpha val="90000"/>
+      </a:schemeClr>
+      <a:schemeClr val="accent6">
+        <a:tint val="40000"/>
+        <a:alpha val="90000"/>
+      </a:schemeClr>
+    </dgm:fillClrLst>
+    <dgm:linClrLst meth="repeat">
+      <a:schemeClr val="accent2">
+        <a:tint val="40000"/>
+        <a:alpha val="90000"/>
+      </a:schemeClr>
+      <a:schemeClr val="accent3">
+        <a:tint val="40000"/>
+        <a:alpha val="90000"/>
+      </a:schemeClr>
+      <a:schemeClr val="accent4">
+        <a:tint val="40000"/>
+        <a:alpha val="90000"/>
+      </a:schemeClr>
+      <a:schemeClr val="accent5">
+        <a:tint val="40000"/>
+        <a:alpha val="90000"/>
+      </a:schemeClr>
+      <a:schemeClr val="accent6">
+        <a:tint val="40000"/>
+        <a:alpha val="90000"/>
+      </a:schemeClr>
+    </dgm:linClrLst>
+    <dgm:effectClrLst/>
+    <dgm:txLinClrLst/>
+    <dgm:txFillClrLst meth="repeat">
+      <a:schemeClr val="dk1"/>
+    </dgm:txFillClrLst>
+    <dgm:txEffectClrLst/>
+  </dgm:styleLbl>
+  <dgm:styleLbl name="bgAccFollowNode1">
+    <dgm:fillClrLst meth="repeat">
+      <a:schemeClr val="accent2">
+        <a:tint val="40000"/>
+        <a:alpha val="90000"/>
+      </a:schemeClr>
+      <a:schemeClr val="accent3">
+        <a:tint val="40000"/>
+        <a:alpha val="90000"/>
+      </a:schemeClr>
+      <a:schemeClr val="accent4">
+        <a:tint val="40000"/>
+        <a:alpha val="90000"/>
+      </a:schemeClr>
+      <a:schemeClr val="accent5">
+        <a:tint val="40000"/>
+        <a:alpha val="90000"/>
+      </a:schemeClr>
+      <a:schemeClr val="accent6">
+        <a:tint val="40000"/>
+        <a:alpha val="90000"/>
+      </a:schemeClr>
+    </dgm:fillClrLst>
+    <dgm:linClrLst meth="repeat">
+      <a:schemeClr val="accent2">
+        <a:tint val="40000"/>
+        <a:alpha val="90000"/>
+      </a:schemeClr>
+      <a:schemeClr val="accent3">
+        <a:tint val="40000"/>
+        <a:alpha val="90000"/>
+      </a:schemeClr>
+      <a:schemeClr val="accent4">
+        <a:tint val="40000"/>
+        <a:alpha val="90000"/>
+      </a:schemeClr>
+      <a:schemeClr val="accent5">
+        <a:tint val="40000"/>
+        <a:alpha val="90000"/>
+      </a:schemeClr>
+      <a:schemeClr val="accent6">
+        <a:tint val="40000"/>
+        <a:alpha val="90000"/>
+      </a:schemeClr>
+    </dgm:linClrLst>
+    <dgm:effectClrLst/>
+    <dgm:txLinClrLst/>
+    <dgm:txFillClrLst meth="repeat">
+      <a:schemeClr val="dk1"/>
+    </dgm:txFillClrLst>
+    <dgm:txEffectClrLst/>
+  </dgm:styleLbl>
+  <dgm:styleLbl name="fgAcc0">
+    <dgm:fillClrLst meth="repeat">
+      <a:schemeClr val="lt1">
+        <a:alpha val="90000"/>
+      </a:schemeClr>
+    </dgm:fillClrLst>
+    <dgm:linClrLst>
+      <a:schemeClr val="accent1"/>
+    </dgm:linClrLst>
+    <dgm:effectClrLst/>
+    <dgm:txLinClrLst/>
+    <dgm:txFillClrLst meth="repeat">
+      <a:schemeClr val="dk1"/>
+    </dgm:txFillClrLst>
+    <dgm:txEffectClrLst/>
+  </dgm:styleLbl>
+  <dgm:styleLbl name="fgAcc2">
+    <dgm:fillClrLst meth="repeat">
+      <a:schemeClr val="lt1">
+        <a:alpha val="90000"/>
+      </a:schemeClr>
+    </dgm:fillClrLst>
+    <dgm:linClrLst>
+      <a:schemeClr val="accent2"/>
+    </dgm:linClrLst>
+    <dgm:effectClrLst/>
+    <dgm:txLinClrLst/>
+    <dgm:txFillClrLst meth="repeat">
+      <a:schemeClr val="dk1"/>
+    </dgm:txFillClrLst>
+    <dgm:txEffectClrLst/>
+  </dgm:styleLbl>
+  <dgm:styleLbl name="fgAcc3">
+    <dgm:fillClrLst meth="repeat">
+      <a:schemeClr val="lt1">
+        <a:alpha val="90000"/>
+      </a:schemeClr>
+    </dgm:fillClrLst>
+    <dgm:linClrLst>
+      <a:schemeClr val="accent3"/>
+    </dgm:linClrLst>
+    <dgm:effectClrLst/>
+    <dgm:txLinClrLst/>
+    <dgm:txFillClrLst meth="repeat">
+      <a:schemeClr val="dk1"/>
+    </dgm:txFillClrLst>
+    <dgm:txEffectClrLst/>
+  </dgm:styleLbl>
+  <dgm:styleLbl name="fgAcc4">
+    <dgm:fillClrLst meth="repeat">
+      <a:schemeClr val="lt1">
+        <a:alpha val="90000"/>
+      </a:schemeClr>
+    </dgm:fillClrLst>
+    <dgm:linClrLst>
+      <a:schemeClr val="accent4"/>
+    </dgm:linClrLst>
+    <dgm:effectClrLst/>
+    <dgm:txLinClrLst/>
+    <dgm:txFillClrLst meth="repeat">
+      <a:schemeClr val="dk1"/>
+    </dgm:txFillClrLst>
+    <dgm:txEffectClrLst/>
+  </dgm:styleLbl>
+  <dgm:styleLbl name="bgShp">
+    <dgm:fillClrLst meth="repeat">
+      <a:schemeClr val="accent2">
+        <a:tint val="40000"/>
+      </a:schemeClr>
+    </dgm:fillClrLst>
+    <dgm:linClrLst meth="repeat">
+      <a:schemeClr val="dk1"/>
+    </dgm:linClrLst>
+    <dgm:effectClrLst/>
+    <dgm:txLinClrLst/>
+    <dgm:txFillClrLst meth="repeat">
+      <a:schemeClr val="dk1"/>
+    </dgm:txFillClrLst>
+    <dgm:txEffectClrLst/>
+  </dgm:styleLbl>
+  <dgm:styleLbl name="dkBgShp">
+    <dgm:fillClrLst meth="repeat">
+      <a:schemeClr val="accent2">
+        <a:shade val="90000"/>
+      </a:schemeClr>
+    </dgm:fillClrLst>
+    <dgm:linClrLst meth="repeat">
+      <a:schemeClr val="dk1"/>
+    </dgm:linClrLst>
+    <dgm:effectClrLst/>
+    <dgm:txLinClrLst/>
+    <dgm:txFillClrLst meth="repeat">
+      <a:schemeClr val="lt1"/>
+    </dgm:txFillClrLst>
+    <dgm:txEffectClrLst/>
+  </dgm:styleLbl>
+  <dgm:styleLbl name="trBgShp">
+    <dgm:fillClrLst meth="repeat">
+      <a:schemeClr val="accent1">
+        <a:tint val="50000"/>
+        <a:alpha val="40000"/>
+      </a:schemeClr>
+    </dgm:fillClrLst>
+    <dgm:linClrLst meth="repeat">
+      <a:schemeClr val="accent2"/>
+    </dgm:linClrLst>
+    <dgm:effectClrLst/>
+    <dgm:txLinClrLst/>
+    <dgm:txFillClrLst meth="repeat">
+      <a:schemeClr val="lt1"/>
+    </dgm:txFillClrLst>
+    <dgm:txEffectClrLst/>
+  </dgm:styleLbl>
+  <dgm:styleLbl name="fgShp">
+    <dgm:fillClrLst meth="repeat">
+      <a:schemeClr val="accent2">
+        <a:tint val="40000"/>
+      </a:schemeClr>
+    </dgm:fillClrLst>
+    <dgm:linClrLst meth="repeat">
+      <a:schemeClr val="lt1"/>
+    </dgm:linClrLst>
+    <dgm:effectClrLst/>
+    <dgm:txLinClrLst/>
+    <dgm:txFillClrLst meth="repeat">
+      <a:schemeClr val="dk1"/>
+    </dgm:txFillClrLst>
+    <dgm:txEffectClrLst/>
+  </dgm:styleLbl>
+  <dgm:styleLbl name="revTx">
+    <dgm:fillClrLst meth="repeat">
+      <a:schemeClr val="lt1">
+        <a:alpha val="0"/>
+      </a:schemeClr>
+    </dgm:fillClrLst>
+    <dgm:linClrLst meth="repeat">
+      <a:schemeClr val="dk1">
+        <a:alpha val="0"/>
+      </a:schemeClr>
+    </dgm:linClrLst>
+    <dgm:effectClrLst/>
+    <dgm:txLinClrLst/>
+    <dgm:txFillClrLst meth="repeat">
+      <a:schemeClr val="tx1"/>
+    </dgm:txFillClrLst>
+    <dgm:txEffectClrLst/>
+  </dgm:styleLbl>
+</dgm:colorsDef>
+</file>
+
+<file path=ppt/diagrams/data1.xml><?xml version="1.0" encoding="utf-8"?>
+<dgm:dataModel xmlns:dgm="http://schemas.openxmlformats.org/drawingml/2006/diagram" xmlns:a="http://schemas.openxmlformats.org/drawingml/2006/main">
+  <dgm:ptLst>
+    <dgm:pt modelId="{D94AB8D0-B031-4C4F-A739-613D458D0556}" type="doc">
+      <dgm:prSet loTypeId="urn:microsoft.com/office/officeart/2005/8/layout/lProcess3" loCatId="process" qsTypeId="urn:microsoft.com/office/officeart/2005/8/quickstyle/simple1" qsCatId="simple" csTypeId="urn:microsoft.com/office/officeart/2005/8/colors/colorful1" csCatId="colorful" phldr="1"/>
+      <dgm:spPr/>
+      <dgm:t>
+        <a:bodyPr/>
+        <a:lstStyle/>
+        <a:p>
+          <a:endParaRPr lang="es-CR"/>
+        </a:p>
+      </dgm:t>
+    </dgm:pt>
+    <dgm:pt modelId="{A9556643-76ED-4AAC-8748-E5444BB44001}">
+      <dgm:prSet phldrT="[Texto]"/>
+      <dgm:spPr/>
+      <dgm:t>
+        <a:bodyPr/>
+        <a:lstStyle/>
+        <a:p>
+          <a:r>
+            <a:rPr lang="es-CR" dirty="0"/>
+            <a:t>Objetivo</a:t>
+          </a:r>
+        </a:p>
+      </dgm:t>
+    </dgm:pt>
+    <dgm:pt modelId="{958D6204-205C-4734-8801-7BA5C1E12FD5}" type="parTrans" cxnId="{06E46419-1DAC-4F12-A3F0-4F60D7A00820}">
+      <dgm:prSet/>
+      <dgm:spPr/>
+      <dgm:t>
+        <a:bodyPr/>
+        <a:lstStyle/>
+        <a:p>
+          <a:endParaRPr lang="es-CR"/>
+        </a:p>
+      </dgm:t>
+    </dgm:pt>
+    <dgm:pt modelId="{810DE354-E89C-4FC0-8BA2-F9C26A8F077D}" type="sibTrans" cxnId="{06E46419-1DAC-4F12-A3F0-4F60D7A00820}">
+      <dgm:prSet/>
+      <dgm:spPr/>
+      <dgm:t>
+        <a:bodyPr/>
+        <a:lstStyle/>
+        <a:p>
+          <a:endParaRPr lang="es-CR"/>
+        </a:p>
+      </dgm:t>
+    </dgm:pt>
+    <dgm:pt modelId="{DA12EF5A-BED0-4114-A1A5-F09EEE9AFDC9}">
+      <dgm:prSet phldrT="[Texto]"/>
+      <dgm:spPr/>
+      <dgm:t>
+        <a:bodyPr/>
+        <a:lstStyle/>
+        <a:p>
+          <a:r>
+            <a:rPr lang="es-CR" dirty="0"/>
+            <a:t>Mejor predicción</a:t>
+          </a:r>
+        </a:p>
+      </dgm:t>
+    </dgm:pt>
+    <dgm:pt modelId="{1DFC8F7B-BFCA-4EF0-98A6-A23F1FB5CB4F}" type="parTrans" cxnId="{A21CEF55-629C-422D-8C70-11ACF632C790}">
+      <dgm:prSet/>
+      <dgm:spPr/>
+      <dgm:t>
+        <a:bodyPr/>
+        <a:lstStyle/>
+        <a:p>
+          <a:endParaRPr lang="es-CR"/>
+        </a:p>
+      </dgm:t>
+    </dgm:pt>
+    <dgm:pt modelId="{F6602323-1E34-4595-9A0D-601075FCB8B0}" type="sibTrans" cxnId="{A21CEF55-629C-422D-8C70-11ACF632C790}">
+      <dgm:prSet/>
+      <dgm:spPr/>
+      <dgm:t>
+        <a:bodyPr/>
+        <a:lstStyle/>
+        <a:p>
+          <a:endParaRPr lang="es-CR"/>
+        </a:p>
+      </dgm:t>
+    </dgm:pt>
+    <dgm:pt modelId="{8912C197-525C-4E53-8513-D6EA67519B87}">
+      <dgm:prSet phldrT="[Texto]"/>
+      <dgm:spPr/>
+      <dgm:t>
+        <a:bodyPr/>
+        <a:lstStyle/>
+        <a:p>
+          <a:r>
+            <a:rPr lang="es-CR" dirty="0" err="1"/>
+            <a:t>Credit</a:t>
+          </a:r>
+          <a:r>
+            <a:rPr lang="es-CR" dirty="0"/>
+            <a:t> Score</a:t>
+          </a:r>
+        </a:p>
+      </dgm:t>
+    </dgm:pt>
+    <dgm:pt modelId="{64642A67-7609-49D2-BDF0-14DB9CB8C317}" type="parTrans" cxnId="{3F4B77F9-A3CE-4EE5-B9A2-99B84C2608A4}">
+      <dgm:prSet/>
+      <dgm:spPr/>
+      <dgm:t>
+        <a:bodyPr/>
+        <a:lstStyle/>
+        <a:p>
+          <a:endParaRPr lang="es-CR"/>
+        </a:p>
+      </dgm:t>
+    </dgm:pt>
+    <dgm:pt modelId="{584B9A18-AF3A-4610-A268-2DCC737FD3D3}" type="sibTrans" cxnId="{3F4B77F9-A3CE-4EE5-B9A2-99B84C2608A4}">
+      <dgm:prSet/>
+      <dgm:spPr/>
+      <dgm:t>
+        <a:bodyPr/>
+        <a:lstStyle/>
+        <a:p>
+          <a:endParaRPr lang="es-CR"/>
+        </a:p>
+      </dgm:t>
+    </dgm:pt>
+    <dgm:pt modelId="{F0433F11-210C-4DCD-8E45-6F4E6C473AA1}">
+      <dgm:prSet phldrT="[Texto]"/>
+      <dgm:spPr/>
+      <dgm:t>
+        <a:bodyPr/>
+        <a:lstStyle/>
+        <a:p>
+          <a:r>
+            <a:rPr lang="es-CR" dirty="0"/>
+            <a:t>Data</a:t>
+          </a:r>
+        </a:p>
+      </dgm:t>
+    </dgm:pt>
+    <dgm:pt modelId="{F8255939-606B-4F9C-B659-BBD2CC853352}" type="parTrans" cxnId="{B03F3F34-5743-4D42-80BC-6DA2B0FCF68D}">
+      <dgm:prSet/>
+      <dgm:spPr/>
+      <dgm:t>
+        <a:bodyPr/>
+        <a:lstStyle/>
+        <a:p>
+          <a:endParaRPr lang="es-CR"/>
+        </a:p>
+      </dgm:t>
+    </dgm:pt>
+    <dgm:pt modelId="{A0B3F79B-E922-4B54-9CE2-3C8FEC8299D0}" type="sibTrans" cxnId="{B03F3F34-5743-4D42-80BC-6DA2B0FCF68D}">
+      <dgm:prSet/>
+      <dgm:spPr/>
+      <dgm:t>
+        <a:bodyPr/>
+        <a:lstStyle/>
+        <a:p>
+          <a:endParaRPr lang="es-CR"/>
+        </a:p>
+      </dgm:t>
+    </dgm:pt>
+    <dgm:pt modelId="{6E9750A6-9214-40C1-B00A-485212941A5D}">
+      <dgm:prSet phldrT="[Texto]"/>
+      <dgm:spPr/>
+      <dgm:t>
+        <a:bodyPr/>
+        <a:lstStyle/>
+        <a:p>
+          <a:r>
+            <a:rPr lang="es-CR" dirty="0"/>
+            <a:t>Muestra 30 mil clientes y 24 variables</a:t>
+          </a:r>
+        </a:p>
+      </dgm:t>
+    </dgm:pt>
+    <dgm:pt modelId="{797AC3E1-19D7-4506-ADCF-748E2596CB20}" type="parTrans" cxnId="{4B6C4626-5146-41C3-BFFC-66C40148B90B}">
+      <dgm:prSet/>
+      <dgm:spPr/>
+      <dgm:t>
+        <a:bodyPr/>
+        <a:lstStyle/>
+        <a:p>
+          <a:endParaRPr lang="es-CR"/>
+        </a:p>
+      </dgm:t>
+    </dgm:pt>
+    <dgm:pt modelId="{A7FB7B99-FFBB-4382-B826-E7B1932A87EE}" type="sibTrans" cxnId="{4B6C4626-5146-41C3-BFFC-66C40148B90B}">
+      <dgm:prSet/>
+      <dgm:spPr/>
+      <dgm:t>
+        <a:bodyPr/>
+        <a:lstStyle/>
+        <a:p>
+          <a:endParaRPr lang="es-CR"/>
+        </a:p>
+      </dgm:t>
+    </dgm:pt>
+    <dgm:pt modelId="{3731A19A-ECE8-460B-8CB7-2E71EEB94D95}">
+      <dgm:prSet phldrT="[Texto]"/>
+      <dgm:spPr/>
+      <dgm:t>
+        <a:bodyPr/>
+        <a:lstStyle/>
+        <a:p>
+          <a:r>
+            <a:rPr lang="es-CR" dirty="0"/>
+            <a:t>Manipulación por medio de Python</a:t>
+          </a:r>
+        </a:p>
+      </dgm:t>
+    </dgm:pt>
+    <dgm:pt modelId="{82896068-B10D-4F59-A8F6-0D11244F18B9}" type="parTrans" cxnId="{7691B35F-2DC4-4ADF-8F7F-8DD928764DF5}">
+      <dgm:prSet/>
+      <dgm:spPr/>
+      <dgm:t>
+        <a:bodyPr/>
+        <a:lstStyle/>
+        <a:p>
+          <a:endParaRPr lang="es-CR"/>
+        </a:p>
+      </dgm:t>
+    </dgm:pt>
+    <dgm:pt modelId="{1285CB22-BA22-4629-92E1-AA392E595962}" type="sibTrans" cxnId="{7691B35F-2DC4-4ADF-8F7F-8DD928764DF5}">
+      <dgm:prSet/>
+      <dgm:spPr/>
+      <dgm:t>
+        <a:bodyPr/>
+        <a:lstStyle/>
+        <a:p>
+          <a:endParaRPr lang="es-CR"/>
+        </a:p>
+      </dgm:t>
+    </dgm:pt>
+    <dgm:pt modelId="{8669D5D1-A065-4EB8-957A-94E094EAD7B2}">
+      <dgm:prSet phldrT="[Texto]"/>
+      <dgm:spPr/>
+      <dgm:t>
+        <a:bodyPr/>
+        <a:lstStyle/>
+        <a:p>
+          <a:r>
+            <a:rPr lang="es-CR" dirty="0"/>
+            <a:t>Modelo predictivo</a:t>
+          </a:r>
+        </a:p>
+      </dgm:t>
+    </dgm:pt>
+    <dgm:pt modelId="{39680ED2-1BDF-4C03-BA3E-0EE34455F4CD}" type="parTrans" cxnId="{D560BF4B-3B81-4774-B6AD-B735BAB0A6CD}">
+      <dgm:prSet/>
+      <dgm:spPr/>
+      <dgm:t>
+        <a:bodyPr/>
+        <a:lstStyle/>
+        <a:p>
+          <a:endParaRPr lang="es-CR"/>
+        </a:p>
+      </dgm:t>
+    </dgm:pt>
+    <dgm:pt modelId="{0595470E-7B27-4858-8B65-8E0F709ACDC3}" type="sibTrans" cxnId="{D560BF4B-3B81-4774-B6AD-B735BAB0A6CD}">
+      <dgm:prSet/>
+      <dgm:spPr/>
+      <dgm:t>
+        <a:bodyPr/>
+        <a:lstStyle/>
+        <a:p>
+          <a:endParaRPr lang="es-CR"/>
+        </a:p>
+      </dgm:t>
+    </dgm:pt>
+    <dgm:pt modelId="{62B786AB-22E3-43F0-9810-FA2E00260834}">
+      <dgm:prSet phldrT="[Texto]"/>
+      <dgm:spPr/>
+      <dgm:t>
+        <a:bodyPr/>
+        <a:lstStyle/>
+        <a:p>
+          <a:r>
+            <a:rPr lang="es-CR" dirty="0"/>
+            <a:t>Prueba de diferentes algoritmos </a:t>
+          </a:r>
+        </a:p>
+      </dgm:t>
+    </dgm:pt>
+    <dgm:pt modelId="{27E6E860-FEE3-4115-A3C0-56C845FA5C75}" type="parTrans" cxnId="{D7EBC29C-1623-4D5A-9EA3-0B29885A69FE}">
+      <dgm:prSet/>
+      <dgm:spPr/>
+      <dgm:t>
+        <a:bodyPr/>
+        <a:lstStyle/>
+        <a:p>
+          <a:endParaRPr lang="es-CR"/>
+        </a:p>
+      </dgm:t>
+    </dgm:pt>
+    <dgm:pt modelId="{27CD164C-099F-4440-9BF1-1B1612B88D65}" type="sibTrans" cxnId="{D7EBC29C-1623-4D5A-9EA3-0B29885A69FE}">
+      <dgm:prSet/>
+      <dgm:spPr/>
+      <dgm:t>
+        <a:bodyPr/>
+        <a:lstStyle/>
+        <a:p>
+          <a:endParaRPr lang="es-CR"/>
+        </a:p>
+      </dgm:t>
+    </dgm:pt>
+    <dgm:pt modelId="{7D4B38B0-4946-47A2-BE15-003180EE8FBF}">
+      <dgm:prSet phldrT="[Texto]"/>
+      <dgm:spPr/>
+      <dgm:t>
+        <a:bodyPr/>
+        <a:lstStyle/>
+        <a:p>
+          <a:r>
+            <a:rPr lang="es-CR" dirty="0"/>
+            <a:t>Selección modelo con mejor predicción</a:t>
+          </a:r>
+        </a:p>
+      </dgm:t>
+    </dgm:pt>
+    <dgm:pt modelId="{280D6282-7F09-4D9B-96BC-C0A1B8DAE627}" type="parTrans" cxnId="{69500046-9C26-4B67-8D5A-3EBD36CD9948}">
+      <dgm:prSet/>
+      <dgm:spPr/>
+      <dgm:t>
+        <a:bodyPr/>
+        <a:lstStyle/>
+        <a:p>
+          <a:endParaRPr lang="es-CR"/>
+        </a:p>
+      </dgm:t>
+    </dgm:pt>
+    <dgm:pt modelId="{B712C5EE-594A-461F-8204-909DD1DA0C79}" type="sibTrans" cxnId="{69500046-9C26-4B67-8D5A-3EBD36CD9948}">
+      <dgm:prSet/>
+      <dgm:spPr/>
+      <dgm:t>
+        <a:bodyPr/>
+        <a:lstStyle/>
+        <a:p>
+          <a:endParaRPr lang="es-CR"/>
+        </a:p>
+      </dgm:t>
+    </dgm:pt>
+    <dgm:pt modelId="{5C6C2334-F9F8-4B53-8301-403E669AA155}">
+      <dgm:prSet phldrT="[Texto]"/>
+      <dgm:spPr/>
+      <dgm:t>
+        <a:bodyPr/>
+        <a:lstStyle/>
+        <a:p>
+          <a:r>
+            <a:rPr lang="es-CR" dirty="0"/>
+            <a:t>Recomendaciones</a:t>
+          </a:r>
+        </a:p>
+      </dgm:t>
+    </dgm:pt>
+    <dgm:pt modelId="{3EAB2A2F-1CF0-4A10-B06A-8B257E6D70EC}" type="parTrans" cxnId="{8EC559C6-3BD0-4711-BDBF-06AEA9930262}">
+      <dgm:prSet/>
+      <dgm:spPr/>
+      <dgm:t>
+        <a:bodyPr/>
+        <a:lstStyle/>
+        <a:p>
+          <a:endParaRPr lang="es-CR"/>
+        </a:p>
+      </dgm:t>
+    </dgm:pt>
+    <dgm:pt modelId="{C7137DEF-B2BC-429D-90E2-0DA66E4BDC63}" type="sibTrans" cxnId="{8EC559C6-3BD0-4711-BDBF-06AEA9930262}">
+      <dgm:prSet/>
+      <dgm:spPr/>
+      <dgm:t>
+        <a:bodyPr/>
+        <a:lstStyle/>
+        <a:p>
+          <a:endParaRPr lang="es-CR"/>
+        </a:p>
+      </dgm:t>
+    </dgm:pt>
+    <dgm:pt modelId="{23161A30-12FD-43E3-B42F-4D35C1EFFD3F}">
+      <dgm:prSet phldrT="[Texto]"/>
+      <dgm:spPr/>
+      <dgm:t>
+        <a:bodyPr/>
+        <a:lstStyle/>
+        <a:p>
+          <a:r>
+            <a:rPr lang="es-CR" dirty="0"/>
+            <a:t>Principales hallazgos</a:t>
+          </a:r>
+        </a:p>
+      </dgm:t>
+    </dgm:pt>
+    <dgm:pt modelId="{BF785E1E-944B-4B27-85B4-E11C28F57776}" type="parTrans" cxnId="{80410126-A7E5-4967-A824-F882135A2CCD}">
+      <dgm:prSet/>
+      <dgm:spPr/>
+      <dgm:t>
+        <a:bodyPr/>
+        <a:lstStyle/>
+        <a:p>
+          <a:endParaRPr lang="es-CR"/>
+        </a:p>
+      </dgm:t>
+    </dgm:pt>
+    <dgm:pt modelId="{8ED42E87-8E3C-4150-99BC-6E73F7B4A7C7}" type="sibTrans" cxnId="{80410126-A7E5-4967-A824-F882135A2CCD}">
+      <dgm:prSet/>
+      <dgm:spPr/>
+      <dgm:t>
+        <a:bodyPr/>
+        <a:lstStyle/>
+        <a:p>
+          <a:endParaRPr lang="es-CR"/>
+        </a:p>
+      </dgm:t>
+    </dgm:pt>
+    <dgm:pt modelId="{3C5A2748-4EEF-4A69-8546-421E9F5C8C7B}">
+      <dgm:prSet phldrT="[Texto]"/>
+      <dgm:spPr/>
+      <dgm:t>
+        <a:bodyPr/>
+        <a:lstStyle/>
+        <a:p>
+          <a:r>
+            <a:rPr lang="es-CR" dirty="0"/>
+            <a:t>Mejora en el modelo y características </a:t>
+          </a:r>
+        </a:p>
+      </dgm:t>
+    </dgm:pt>
+    <dgm:pt modelId="{D7885FAD-F687-463E-A5A9-08E4FB1254D5}" type="parTrans" cxnId="{792E97FF-C0ED-4DC0-A8CD-A23B2377C3BC}">
+      <dgm:prSet/>
+      <dgm:spPr/>
+      <dgm:t>
+        <a:bodyPr/>
+        <a:lstStyle/>
+        <a:p>
+          <a:endParaRPr lang="es-CR"/>
+        </a:p>
+      </dgm:t>
+    </dgm:pt>
+    <dgm:pt modelId="{883C1817-1C76-4EDB-AD7E-D3CA9BB6359E}" type="sibTrans" cxnId="{792E97FF-C0ED-4DC0-A8CD-A23B2377C3BC}">
+      <dgm:prSet/>
+      <dgm:spPr/>
+      <dgm:t>
+        <a:bodyPr/>
+        <a:lstStyle/>
+        <a:p>
+          <a:endParaRPr lang="es-CR"/>
+        </a:p>
+      </dgm:t>
+    </dgm:pt>
+    <dgm:pt modelId="{F1E41A84-ABE5-48EE-B415-C0B13598552B}">
+      <dgm:prSet phldrT="[Texto]"/>
+      <dgm:spPr/>
+      <dgm:t>
+        <a:bodyPr/>
+        <a:lstStyle/>
+        <a:p>
+          <a:r>
+            <a:rPr lang="es-CR" dirty="0"/>
+            <a:t>Producción</a:t>
+          </a:r>
+        </a:p>
+      </dgm:t>
+    </dgm:pt>
+    <dgm:pt modelId="{0D11955B-64F5-48E0-BF3B-7F015DACD71C}" type="parTrans" cxnId="{86D2480C-CBA8-4A7B-9B2F-64A01BA0B6DA}">
+      <dgm:prSet/>
+      <dgm:spPr/>
+      <dgm:t>
+        <a:bodyPr/>
+        <a:lstStyle/>
+        <a:p>
+          <a:endParaRPr lang="es-CR"/>
+        </a:p>
+      </dgm:t>
+    </dgm:pt>
+    <dgm:pt modelId="{7A300E1C-6B89-4610-8778-99A620F96F39}" type="sibTrans" cxnId="{86D2480C-CBA8-4A7B-9B2F-64A01BA0B6DA}">
+      <dgm:prSet/>
+      <dgm:spPr/>
+      <dgm:t>
+        <a:bodyPr/>
+        <a:lstStyle/>
+        <a:p>
+          <a:endParaRPr lang="es-CR"/>
+        </a:p>
+      </dgm:t>
+    </dgm:pt>
+    <dgm:pt modelId="{5C08BBE0-3288-4384-A101-93C7C7982383}">
+      <dgm:prSet phldrT="[Texto]"/>
+      <dgm:spPr/>
+      <dgm:t>
+        <a:bodyPr/>
+        <a:lstStyle/>
+        <a:p>
+          <a:r>
+            <a:rPr lang="es-CR" dirty="0"/>
+            <a:t>Implementación de la solución</a:t>
+          </a:r>
+        </a:p>
+      </dgm:t>
+    </dgm:pt>
+    <dgm:pt modelId="{DC974659-C1ED-454D-B8AA-E62AC6F9013A}" type="parTrans" cxnId="{733ECBE5-4751-4407-81A5-045B7F138FEF}">
+      <dgm:prSet/>
+      <dgm:spPr/>
+      <dgm:t>
+        <a:bodyPr/>
+        <a:lstStyle/>
+        <a:p>
+          <a:endParaRPr lang="es-CR"/>
+        </a:p>
+      </dgm:t>
+    </dgm:pt>
+    <dgm:pt modelId="{A6C5F36F-8139-4C6C-B11B-FA3764E425D8}" type="sibTrans" cxnId="{733ECBE5-4751-4407-81A5-045B7F138FEF}">
+      <dgm:prSet/>
+      <dgm:spPr/>
+      <dgm:t>
+        <a:bodyPr/>
+        <a:lstStyle/>
+        <a:p>
+          <a:endParaRPr lang="es-CR"/>
+        </a:p>
+      </dgm:t>
+    </dgm:pt>
+    <dgm:pt modelId="{065EC8D8-9C7C-427C-A4D2-13B9CFE81DDC}">
+      <dgm:prSet phldrT="[Texto]"/>
+      <dgm:spPr/>
+      <dgm:t>
+        <a:bodyPr/>
+        <a:lstStyle/>
+        <a:p>
+          <a:r>
+            <a:rPr lang="es-CR" dirty="0"/>
+            <a:t>Si no se logra un buen modelo se devuelve al punto anterior</a:t>
+          </a:r>
+        </a:p>
+      </dgm:t>
+    </dgm:pt>
+    <dgm:pt modelId="{507D76FA-929E-40EA-9AAE-7AFBD7ED2654}" type="parTrans" cxnId="{4530A9F1-1CC9-48D6-9599-9D881E397074}">
+      <dgm:prSet/>
+      <dgm:spPr/>
+      <dgm:t>
+        <a:bodyPr/>
+        <a:lstStyle/>
+        <a:p>
+          <a:endParaRPr lang="es-CR"/>
+        </a:p>
+      </dgm:t>
+    </dgm:pt>
+    <dgm:pt modelId="{18C3A9A1-A698-48FF-A2C4-773377488AB9}" type="sibTrans" cxnId="{4530A9F1-1CC9-48D6-9599-9D881E397074}">
+      <dgm:prSet/>
+      <dgm:spPr/>
+      <dgm:t>
+        <a:bodyPr/>
+        <a:lstStyle/>
+        <a:p>
+          <a:endParaRPr lang="es-CR"/>
+        </a:p>
+      </dgm:t>
+    </dgm:pt>
+    <dgm:pt modelId="{ED3898E1-9BE2-4673-B1FC-877C0A1B8617}">
+      <dgm:prSet phldrT="[Texto]"/>
+      <dgm:spPr/>
+      <dgm:t>
+        <a:bodyPr/>
+        <a:lstStyle/>
+        <a:p>
+          <a:r>
+            <a:rPr lang="es-CR" dirty="0"/>
+            <a:t>Revisión de Data: Datos limpios permiten mejores modelos</a:t>
+          </a:r>
+        </a:p>
+      </dgm:t>
+    </dgm:pt>
+    <dgm:pt modelId="{52AEBEA7-BE51-4ED7-BB9B-AF082AAAE2BA}" type="parTrans" cxnId="{56305E3F-1C8F-4B68-9D0E-0AD3AF87E168}">
+      <dgm:prSet/>
+      <dgm:spPr/>
+      <dgm:t>
+        <a:bodyPr/>
+        <a:lstStyle/>
+        <a:p>
+          <a:endParaRPr lang="es-CR"/>
+        </a:p>
+      </dgm:t>
+    </dgm:pt>
+    <dgm:pt modelId="{E0A5288C-88B3-4570-B3E2-15F89534FE4C}" type="sibTrans" cxnId="{56305E3F-1C8F-4B68-9D0E-0AD3AF87E168}">
+      <dgm:prSet/>
+      <dgm:spPr/>
+      <dgm:t>
+        <a:bodyPr/>
+        <a:lstStyle/>
+        <a:p>
+          <a:endParaRPr lang="es-CR"/>
+        </a:p>
+      </dgm:t>
+    </dgm:pt>
+    <dgm:pt modelId="{A774DBA4-7A80-4301-9A7E-0AD21BCB6AE9}">
+      <dgm:prSet phldrT="[Texto]"/>
+      <dgm:spPr/>
+      <dgm:t>
+        <a:bodyPr/>
+        <a:lstStyle/>
+        <a:p>
+          <a:r>
+            <a:rPr lang="es-CR" dirty="0"/>
+            <a:t>Importante tener conocimiento del negocio</a:t>
+          </a:r>
+        </a:p>
+      </dgm:t>
+    </dgm:pt>
+    <dgm:pt modelId="{101AD8BD-0AEE-4C4E-9552-1A5BBCB213C3}" type="parTrans" cxnId="{A525E8D5-D5C0-4E85-A18B-F91F5EB2D073}">
+      <dgm:prSet/>
+      <dgm:spPr/>
+      <dgm:t>
+        <a:bodyPr/>
+        <a:lstStyle/>
+        <a:p>
+          <a:endParaRPr lang="es-CR"/>
+        </a:p>
+      </dgm:t>
+    </dgm:pt>
+    <dgm:pt modelId="{C58EE546-B570-4C5B-8EF4-D3AFBAA7F1F6}" type="sibTrans" cxnId="{A525E8D5-D5C0-4E85-A18B-F91F5EB2D073}">
+      <dgm:prSet/>
+      <dgm:spPr/>
+      <dgm:t>
+        <a:bodyPr/>
+        <a:lstStyle/>
+        <a:p>
+          <a:endParaRPr lang="es-CR"/>
+        </a:p>
+      </dgm:t>
+    </dgm:pt>
+    <dgm:pt modelId="{F872335B-C7BC-4F85-8754-8FCE51A1A7DA}" type="pres">
+      <dgm:prSet presAssocID="{D94AB8D0-B031-4C4F-A739-613D458D0556}" presName="Name0" presStyleCnt="0">
+        <dgm:presLayoutVars>
+          <dgm:chPref val="3"/>
+          <dgm:dir/>
+          <dgm:animLvl val="lvl"/>
+          <dgm:resizeHandles/>
+        </dgm:presLayoutVars>
+      </dgm:prSet>
+      <dgm:spPr/>
+    </dgm:pt>
+    <dgm:pt modelId="{A7845629-B1F3-4D67-9A00-CC69E12A209B}" type="pres">
+      <dgm:prSet presAssocID="{A9556643-76ED-4AAC-8748-E5444BB44001}" presName="horFlow" presStyleCnt="0"/>
+      <dgm:spPr/>
+    </dgm:pt>
+    <dgm:pt modelId="{941081E7-6D31-48D4-B430-2B43995A5293}" type="pres">
+      <dgm:prSet presAssocID="{A9556643-76ED-4AAC-8748-E5444BB44001}" presName="bigChev" presStyleLbl="node1" presStyleIdx="0" presStyleCnt="5"/>
+      <dgm:spPr/>
+    </dgm:pt>
+    <dgm:pt modelId="{71E1D65D-63DA-4482-A552-7A8D14675208}" type="pres">
+      <dgm:prSet presAssocID="{1DFC8F7B-BFCA-4EF0-98A6-A23F1FB5CB4F}" presName="parTrans" presStyleCnt="0"/>
+      <dgm:spPr/>
+    </dgm:pt>
+    <dgm:pt modelId="{09D9CB32-9C15-42E1-B8D8-DCA577A4D44F}" type="pres">
+      <dgm:prSet presAssocID="{DA12EF5A-BED0-4114-A1A5-F09EEE9AFDC9}" presName="node" presStyleLbl="alignAccFollowNode1" presStyleIdx="0" presStyleCnt="12">
+        <dgm:presLayoutVars>
+          <dgm:bulletEnabled val="1"/>
+        </dgm:presLayoutVars>
+      </dgm:prSet>
+      <dgm:spPr/>
+    </dgm:pt>
+    <dgm:pt modelId="{E5441ED2-E62A-4DA4-B976-239AABDAF6C5}" type="pres">
+      <dgm:prSet presAssocID="{F6602323-1E34-4595-9A0D-601075FCB8B0}" presName="sibTrans" presStyleCnt="0"/>
+      <dgm:spPr/>
+    </dgm:pt>
+    <dgm:pt modelId="{648A168F-1284-4B2C-915B-B94FB90FF3B2}" type="pres">
+      <dgm:prSet presAssocID="{8912C197-525C-4E53-8513-D6EA67519B87}" presName="node" presStyleLbl="alignAccFollowNode1" presStyleIdx="1" presStyleCnt="12">
+        <dgm:presLayoutVars>
+          <dgm:bulletEnabled val="1"/>
+        </dgm:presLayoutVars>
+      </dgm:prSet>
+      <dgm:spPr/>
+    </dgm:pt>
+    <dgm:pt modelId="{85F525DC-E2F0-4FFA-A171-F666BB31FD27}" type="pres">
+      <dgm:prSet presAssocID="{584B9A18-AF3A-4610-A268-2DCC737FD3D3}" presName="sibTrans" presStyleCnt="0"/>
+      <dgm:spPr/>
+    </dgm:pt>
+    <dgm:pt modelId="{83714D3E-3B18-4DC0-8E40-A2BBB2D76ADE}" type="pres">
+      <dgm:prSet presAssocID="{A774DBA4-7A80-4301-9A7E-0AD21BCB6AE9}" presName="node" presStyleLbl="alignAccFollowNode1" presStyleIdx="2" presStyleCnt="12">
+        <dgm:presLayoutVars>
+          <dgm:bulletEnabled val="1"/>
+        </dgm:presLayoutVars>
+      </dgm:prSet>
+      <dgm:spPr/>
+    </dgm:pt>
+    <dgm:pt modelId="{AFC35478-5472-40EA-8024-41BD97B3B253}" type="pres">
+      <dgm:prSet presAssocID="{A9556643-76ED-4AAC-8748-E5444BB44001}" presName="vSp" presStyleCnt="0"/>
+      <dgm:spPr/>
+    </dgm:pt>
+    <dgm:pt modelId="{9CCC8575-7223-4969-A9EC-F688B2F5D340}" type="pres">
+      <dgm:prSet presAssocID="{F0433F11-210C-4DCD-8E45-6F4E6C473AA1}" presName="horFlow" presStyleCnt="0"/>
+      <dgm:spPr/>
+    </dgm:pt>
+    <dgm:pt modelId="{504CA94F-B630-42C6-85B6-11C7F3681D10}" type="pres">
+      <dgm:prSet presAssocID="{F0433F11-210C-4DCD-8E45-6F4E6C473AA1}" presName="bigChev" presStyleLbl="node1" presStyleIdx="1" presStyleCnt="5"/>
+      <dgm:spPr/>
+    </dgm:pt>
+    <dgm:pt modelId="{98EF268B-E6C5-4A27-93C0-C7AF5C806222}" type="pres">
+      <dgm:prSet presAssocID="{797AC3E1-19D7-4506-ADCF-748E2596CB20}" presName="parTrans" presStyleCnt="0"/>
+      <dgm:spPr/>
+    </dgm:pt>
+    <dgm:pt modelId="{DCACF4CD-C008-47BD-8D39-3C072D0CF917}" type="pres">
+      <dgm:prSet presAssocID="{6E9750A6-9214-40C1-B00A-485212941A5D}" presName="node" presStyleLbl="alignAccFollowNode1" presStyleIdx="3" presStyleCnt="12">
+        <dgm:presLayoutVars>
+          <dgm:bulletEnabled val="1"/>
+        </dgm:presLayoutVars>
+      </dgm:prSet>
+      <dgm:spPr/>
+    </dgm:pt>
+    <dgm:pt modelId="{7F0B106E-0924-44F0-89E2-5395BD92B960}" type="pres">
+      <dgm:prSet presAssocID="{A7FB7B99-FFBB-4382-B826-E7B1932A87EE}" presName="sibTrans" presStyleCnt="0"/>
+      <dgm:spPr/>
+    </dgm:pt>
+    <dgm:pt modelId="{87853A26-CDE3-4CDB-87AC-DE6B8120ECD2}" type="pres">
+      <dgm:prSet presAssocID="{3731A19A-ECE8-460B-8CB7-2E71EEB94D95}" presName="node" presStyleLbl="alignAccFollowNode1" presStyleIdx="4" presStyleCnt="12">
+        <dgm:presLayoutVars>
+          <dgm:bulletEnabled val="1"/>
+        </dgm:presLayoutVars>
+      </dgm:prSet>
+      <dgm:spPr/>
+    </dgm:pt>
+    <dgm:pt modelId="{6B363D03-885E-40F8-83E1-46F0184CADAC}" type="pres">
+      <dgm:prSet presAssocID="{1285CB22-BA22-4629-92E1-AA392E595962}" presName="sibTrans" presStyleCnt="0"/>
+      <dgm:spPr/>
+    </dgm:pt>
+    <dgm:pt modelId="{A29FAAD1-2CB7-4F2C-8B56-2FDC864CA704}" type="pres">
+      <dgm:prSet presAssocID="{ED3898E1-9BE2-4673-B1FC-877C0A1B8617}" presName="node" presStyleLbl="alignAccFollowNode1" presStyleIdx="5" presStyleCnt="12">
+        <dgm:presLayoutVars>
+          <dgm:bulletEnabled val="1"/>
+        </dgm:presLayoutVars>
+      </dgm:prSet>
+      <dgm:spPr/>
+    </dgm:pt>
+    <dgm:pt modelId="{166EC420-865F-4EB5-A383-A6C6DD785B52}" type="pres">
+      <dgm:prSet presAssocID="{F0433F11-210C-4DCD-8E45-6F4E6C473AA1}" presName="vSp" presStyleCnt="0"/>
+      <dgm:spPr/>
+    </dgm:pt>
+    <dgm:pt modelId="{752CBCF6-3B04-43BB-8250-6EC785FEC62A}" type="pres">
+      <dgm:prSet presAssocID="{8669D5D1-A065-4EB8-957A-94E094EAD7B2}" presName="horFlow" presStyleCnt="0"/>
+      <dgm:spPr/>
+    </dgm:pt>
+    <dgm:pt modelId="{ED28110E-C45E-4BEA-BE7E-08B96B3B8E31}" type="pres">
+      <dgm:prSet presAssocID="{8669D5D1-A065-4EB8-957A-94E094EAD7B2}" presName="bigChev" presStyleLbl="node1" presStyleIdx="2" presStyleCnt="5"/>
+      <dgm:spPr/>
+    </dgm:pt>
+    <dgm:pt modelId="{A80603D9-1A02-40BD-B58A-29F0BB1653AD}" type="pres">
+      <dgm:prSet presAssocID="{27E6E860-FEE3-4115-A3C0-56C845FA5C75}" presName="parTrans" presStyleCnt="0"/>
+      <dgm:spPr/>
+    </dgm:pt>
+    <dgm:pt modelId="{0AB3F169-EC68-4F73-9658-C2E22CA85B86}" type="pres">
+      <dgm:prSet presAssocID="{62B786AB-22E3-43F0-9810-FA2E00260834}" presName="node" presStyleLbl="alignAccFollowNode1" presStyleIdx="6" presStyleCnt="12">
+        <dgm:presLayoutVars>
+          <dgm:bulletEnabled val="1"/>
+        </dgm:presLayoutVars>
+      </dgm:prSet>
+      <dgm:spPr/>
+    </dgm:pt>
+    <dgm:pt modelId="{F7F18F70-1FCF-4CC9-AEA4-EF7AFDAAF43D}" type="pres">
+      <dgm:prSet presAssocID="{27CD164C-099F-4440-9BF1-1B1612B88D65}" presName="sibTrans" presStyleCnt="0"/>
+      <dgm:spPr/>
+    </dgm:pt>
+    <dgm:pt modelId="{36018777-06DF-4826-95A6-070ED4757696}" type="pres">
+      <dgm:prSet presAssocID="{7D4B38B0-4946-47A2-BE15-003180EE8FBF}" presName="node" presStyleLbl="alignAccFollowNode1" presStyleIdx="7" presStyleCnt="12">
+        <dgm:presLayoutVars>
+          <dgm:bulletEnabled val="1"/>
+        </dgm:presLayoutVars>
+      </dgm:prSet>
+      <dgm:spPr/>
+    </dgm:pt>
+    <dgm:pt modelId="{FD34E0A1-9A83-4B50-A6DD-134977B9CC9E}" type="pres">
+      <dgm:prSet presAssocID="{B712C5EE-594A-461F-8204-909DD1DA0C79}" presName="sibTrans" presStyleCnt="0"/>
+      <dgm:spPr/>
+    </dgm:pt>
+    <dgm:pt modelId="{7F7FBBB9-A800-4DAE-9692-D736F875CA45}" type="pres">
+      <dgm:prSet presAssocID="{065EC8D8-9C7C-427C-A4D2-13B9CFE81DDC}" presName="node" presStyleLbl="alignAccFollowNode1" presStyleIdx="8" presStyleCnt="12">
+        <dgm:presLayoutVars>
+          <dgm:bulletEnabled val="1"/>
+        </dgm:presLayoutVars>
+      </dgm:prSet>
+      <dgm:spPr/>
+    </dgm:pt>
+    <dgm:pt modelId="{428A7BD7-313E-4E80-91BA-4495C53917C6}" type="pres">
+      <dgm:prSet presAssocID="{8669D5D1-A065-4EB8-957A-94E094EAD7B2}" presName="vSp" presStyleCnt="0"/>
+      <dgm:spPr/>
+    </dgm:pt>
+    <dgm:pt modelId="{63ECF105-07BF-4D46-B506-322EE04DECC6}" type="pres">
+      <dgm:prSet presAssocID="{5C6C2334-F9F8-4B53-8301-403E669AA155}" presName="horFlow" presStyleCnt="0"/>
+      <dgm:spPr/>
+    </dgm:pt>
+    <dgm:pt modelId="{5163C766-AD7C-44ED-BA02-DA049959BFC1}" type="pres">
+      <dgm:prSet presAssocID="{5C6C2334-F9F8-4B53-8301-403E669AA155}" presName="bigChev" presStyleLbl="node1" presStyleIdx="3" presStyleCnt="5"/>
+      <dgm:spPr/>
+    </dgm:pt>
+    <dgm:pt modelId="{83361CC0-738E-4CA2-8CB6-B5B00575E061}" type="pres">
+      <dgm:prSet presAssocID="{BF785E1E-944B-4B27-85B4-E11C28F57776}" presName="parTrans" presStyleCnt="0"/>
+      <dgm:spPr/>
+    </dgm:pt>
+    <dgm:pt modelId="{18C81BFA-919A-484A-BE71-8FB7DC12576F}" type="pres">
+      <dgm:prSet presAssocID="{23161A30-12FD-43E3-B42F-4D35C1EFFD3F}" presName="node" presStyleLbl="alignAccFollowNode1" presStyleIdx="9" presStyleCnt="12">
+        <dgm:presLayoutVars>
+          <dgm:bulletEnabled val="1"/>
+        </dgm:presLayoutVars>
+      </dgm:prSet>
+      <dgm:spPr/>
+    </dgm:pt>
+    <dgm:pt modelId="{42092B81-087E-49A9-81FD-72309BDD4EB0}" type="pres">
+      <dgm:prSet presAssocID="{8ED42E87-8E3C-4150-99BC-6E73F7B4A7C7}" presName="sibTrans" presStyleCnt="0"/>
+      <dgm:spPr/>
+    </dgm:pt>
+    <dgm:pt modelId="{185241CE-41CC-4BA3-8C4B-BB7C980DBADE}" type="pres">
+      <dgm:prSet presAssocID="{3C5A2748-4EEF-4A69-8546-421E9F5C8C7B}" presName="node" presStyleLbl="alignAccFollowNode1" presStyleIdx="10" presStyleCnt="12">
+        <dgm:presLayoutVars>
+          <dgm:bulletEnabled val="1"/>
+        </dgm:presLayoutVars>
+      </dgm:prSet>
+      <dgm:spPr/>
+    </dgm:pt>
+    <dgm:pt modelId="{F9161929-5CC0-4D79-8DB5-C70F7EF7B4E1}" type="pres">
+      <dgm:prSet presAssocID="{5C6C2334-F9F8-4B53-8301-403E669AA155}" presName="vSp" presStyleCnt="0"/>
+      <dgm:spPr/>
+    </dgm:pt>
+    <dgm:pt modelId="{B1BA276C-3AD1-434C-B941-5A6F6D938C09}" type="pres">
+      <dgm:prSet presAssocID="{F1E41A84-ABE5-48EE-B415-C0B13598552B}" presName="horFlow" presStyleCnt="0"/>
+      <dgm:spPr/>
+    </dgm:pt>
+    <dgm:pt modelId="{325830F3-F685-4965-A453-167A10D5CA31}" type="pres">
+      <dgm:prSet presAssocID="{F1E41A84-ABE5-48EE-B415-C0B13598552B}" presName="bigChev" presStyleLbl="node1" presStyleIdx="4" presStyleCnt="5"/>
+      <dgm:spPr/>
+    </dgm:pt>
+    <dgm:pt modelId="{CE5EE950-503B-4B6C-B33B-5C7CDF0D399A}" type="pres">
+      <dgm:prSet presAssocID="{DC974659-C1ED-454D-B8AA-E62AC6F9013A}" presName="parTrans" presStyleCnt="0"/>
+      <dgm:spPr/>
+    </dgm:pt>
+    <dgm:pt modelId="{1A7F2373-F16C-45C7-8EC4-5EFAC7F9114B}" type="pres">
+      <dgm:prSet presAssocID="{5C08BBE0-3288-4384-A101-93C7C7982383}" presName="node" presStyleLbl="alignAccFollowNode1" presStyleIdx="11" presStyleCnt="12">
+        <dgm:presLayoutVars>
+          <dgm:bulletEnabled val="1"/>
+        </dgm:presLayoutVars>
+      </dgm:prSet>
+      <dgm:spPr/>
+    </dgm:pt>
+  </dgm:ptLst>
+  <dgm:cxnLst>
+    <dgm:cxn modelId="{39FC5F01-973C-43AD-9EAF-18F660D94EFB}" type="presOf" srcId="{3731A19A-ECE8-460B-8CB7-2E71EEB94D95}" destId="{87853A26-CDE3-4CDB-87AC-DE6B8120ECD2}" srcOrd="0" destOrd="0" presId="urn:microsoft.com/office/officeart/2005/8/layout/lProcess3"/>
+    <dgm:cxn modelId="{5BBC9209-9F8C-47AB-8CCD-770F83ABAFB9}" type="presOf" srcId="{5C08BBE0-3288-4384-A101-93C7C7982383}" destId="{1A7F2373-F16C-45C7-8EC4-5EFAC7F9114B}" srcOrd="0" destOrd="0" presId="urn:microsoft.com/office/officeart/2005/8/layout/lProcess3"/>
+    <dgm:cxn modelId="{86D2480C-CBA8-4A7B-9B2F-64A01BA0B6DA}" srcId="{D94AB8D0-B031-4C4F-A739-613D458D0556}" destId="{F1E41A84-ABE5-48EE-B415-C0B13598552B}" srcOrd="4" destOrd="0" parTransId="{0D11955B-64F5-48E0-BF3B-7F015DACD71C}" sibTransId="{7A300E1C-6B89-4610-8778-99A620F96F39}"/>
+    <dgm:cxn modelId="{ECA52B0D-F93B-47E9-AC25-E26C215723BC}" type="presOf" srcId="{F1E41A84-ABE5-48EE-B415-C0B13598552B}" destId="{325830F3-F685-4965-A453-167A10D5CA31}" srcOrd="0" destOrd="0" presId="urn:microsoft.com/office/officeart/2005/8/layout/lProcess3"/>
+    <dgm:cxn modelId="{06E46419-1DAC-4F12-A3F0-4F60D7A00820}" srcId="{D94AB8D0-B031-4C4F-A739-613D458D0556}" destId="{A9556643-76ED-4AAC-8748-E5444BB44001}" srcOrd="0" destOrd="0" parTransId="{958D6204-205C-4734-8801-7BA5C1E12FD5}" sibTransId="{810DE354-E89C-4FC0-8BA2-F9C26A8F077D}"/>
+    <dgm:cxn modelId="{80410126-A7E5-4967-A824-F882135A2CCD}" srcId="{5C6C2334-F9F8-4B53-8301-403E669AA155}" destId="{23161A30-12FD-43E3-B42F-4D35C1EFFD3F}" srcOrd="0" destOrd="0" parTransId="{BF785E1E-944B-4B27-85B4-E11C28F57776}" sibTransId="{8ED42E87-8E3C-4150-99BC-6E73F7B4A7C7}"/>
+    <dgm:cxn modelId="{4B6C4626-5146-41C3-BFFC-66C40148B90B}" srcId="{F0433F11-210C-4DCD-8E45-6F4E6C473AA1}" destId="{6E9750A6-9214-40C1-B00A-485212941A5D}" srcOrd="0" destOrd="0" parTransId="{797AC3E1-19D7-4506-ADCF-748E2596CB20}" sibTransId="{A7FB7B99-FFBB-4382-B826-E7B1932A87EE}"/>
+    <dgm:cxn modelId="{B03F3F34-5743-4D42-80BC-6DA2B0FCF68D}" srcId="{D94AB8D0-B031-4C4F-A739-613D458D0556}" destId="{F0433F11-210C-4DCD-8E45-6F4E6C473AA1}" srcOrd="1" destOrd="0" parTransId="{F8255939-606B-4F9C-B659-BBD2CC853352}" sibTransId="{A0B3F79B-E922-4B54-9CE2-3C8FEC8299D0}"/>
+    <dgm:cxn modelId="{BD22523A-959D-4AA6-9ACE-46275D65224F}" type="presOf" srcId="{D94AB8D0-B031-4C4F-A739-613D458D0556}" destId="{F872335B-C7BC-4F85-8754-8FCE51A1A7DA}" srcOrd="0" destOrd="0" presId="urn:microsoft.com/office/officeart/2005/8/layout/lProcess3"/>
+    <dgm:cxn modelId="{56305E3F-1C8F-4B68-9D0E-0AD3AF87E168}" srcId="{F0433F11-210C-4DCD-8E45-6F4E6C473AA1}" destId="{ED3898E1-9BE2-4673-B1FC-877C0A1B8617}" srcOrd="2" destOrd="0" parTransId="{52AEBEA7-BE51-4ED7-BB9B-AF082AAAE2BA}" sibTransId="{E0A5288C-88B3-4570-B3E2-15F89534FE4C}"/>
+    <dgm:cxn modelId="{40B47F5C-6765-4056-BAA2-BC0AB7F983A1}" type="presOf" srcId="{DA12EF5A-BED0-4114-A1A5-F09EEE9AFDC9}" destId="{09D9CB32-9C15-42E1-B8D8-DCA577A4D44F}" srcOrd="0" destOrd="0" presId="urn:microsoft.com/office/officeart/2005/8/layout/lProcess3"/>
+    <dgm:cxn modelId="{7691B35F-2DC4-4ADF-8F7F-8DD928764DF5}" srcId="{F0433F11-210C-4DCD-8E45-6F4E6C473AA1}" destId="{3731A19A-ECE8-460B-8CB7-2E71EEB94D95}" srcOrd="1" destOrd="0" parTransId="{82896068-B10D-4F59-A8F6-0D11244F18B9}" sibTransId="{1285CB22-BA22-4629-92E1-AA392E595962}"/>
+    <dgm:cxn modelId="{69500046-9C26-4B67-8D5A-3EBD36CD9948}" srcId="{8669D5D1-A065-4EB8-957A-94E094EAD7B2}" destId="{7D4B38B0-4946-47A2-BE15-003180EE8FBF}" srcOrd="1" destOrd="0" parTransId="{280D6282-7F09-4D9B-96BC-C0A1B8DAE627}" sibTransId="{B712C5EE-594A-461F-8204-909DD1DA0C79}"/>
+    <dgm:cxn modelId="{CE780D66-1476-4D09-9FF9-6469137CD338}" type="presOf" srcId="{3C5A2748-4EEF-4A69-8546-421E9F5C8C7B}" destId="{185241CE-41CC-4BA3-8C4B-BB7C980DBADE}" srcOrd="0" destOrd="0" presId="urn:microsoft.com/office/officeart/2005/8/layout/lProcess3"/>
+    <dgm:cxn modelId="{828F4D48-5708-4D8D-BB05-2A96AD68F140}" type="presOf" srcId="{62B786AB-22E3-43F0-9810-FA2E00260834}" destId="{0AB3F169-EC68-4F73-9658-C2E22CA85B86}" srcOrd="0" destOrd="0" presId="urn:microsoft.com/office/officeart/2005/8/layout/lProcess3"/>
+    <dgm:cxn modelId="{D560BF4B-3B81-4774-B6AD-B735BAB0A6CD}" srcId="{D94AB8D0-B031-4C4F-A739-613D458D0556}" destId="{8669D5D1-A065-4EB8-957A-94E094EAD7B2}" srcOrd="2" destOrd="0" parTransId="{39680ED2-1BDF-4C03-BA3E-0EE34455F4CD}" sibTransId="{0595470E-7B27-4858-8B65-8E0F709ACDC3}"/>
+    <dgm:cxn modelId="{47BAAD73-E040-4EC1-9D90-4EB6F66DFFF4}" type="presOf" srcId="{8669D5D1-A065-4EB8-957A-94E094EAD7B2}" destId="{ED28110E-C45E-4BEA-BE7E-08B96B3B8E31}" srcOrd="0" destOrd="0" presId="urn:microsoft.com/office/officeart/2005/8/layout/lProcess3"/>
+    <dgm:cxn modelId="{05353D54-A53D-41DD-B1B3-5D2998B985C2}" type="presOf" srcId="{ED3898E1-9BE2-4673-B1FC-877C0A1B8617}" destId="{A29FAAD1-2CB7-4F2C-8B56-2FDC864CA704}" srcOrd="0" destOrd="0" presId="urn:microsoft.com/office/officeart/2005/8/layout/lProcess3"/>
+    <dgm:cxn modelId="{A21CEF55-629C-422D-8C70-11ACF632C790}" srcId="{A9556643-76ED-4AAC-8748-E5444BB44001}" destId="{DA12EF5A-BED0-4114-A1A5-F09EEE9AFDC9}" srcOrd="0" destOrd="0" parTransId="{1DFC8F7B-BFCA-4EF0-98A6-A23F1FB5CB4F}" sibTransId="{F6602323-1E34-4595-9A0D-601075FCB8B0}"/>
+    <dgm:cxn modelId="{73900D92-4ED0-4933-8568-CD571C171383}" type="presOf" srcId="{7D4B38B0-4946-47A2-BE15-003180EE8FBF}" destId="{36018777-06DF-4826-95A6-070ED4757696}" srcOrd="0" destOrd="0" presId="urn:microsoft.com/office/officeart/2005/8/layout/lProcess3"/>
+    <dgm:cxn modelId="{D7EBC29C-1623-4D5A-9EA3-0B29885A69FE}" srcId="{8669D5D1-A065-4EB8-957A-94E094EAD7B2}" destId="{62B786AB-22E3-43F0-9810-FA2E00260834}" srcOrd="0" destOrd="0" parTransId="{27E6E860-FEE3-4115-A3C0-56C845FA5C75}" sibTransId="{27CD164C-099F-4440-9BF1-1B1612B88D65}"/>
+    <dgm:cxn modelId="{E82EADA4-4296-4E3A-A86A-E3676842E1C3}" type="presOf" srcId="{065EC8D8-9C7C-427C-A4D2-13B9CFE81DDC}" destId="{7F7FBBB9-A800-4DAE-9692-D736F875CA45}" srcOrd="0" destOrd="0" presId="urn:microsoft.com/office/officeart/2005/8/layout/lProcess3"/>
+    <dgm:cxn modelId="{D22A05B5-7616-451D-BF46-10413678CF32}" type="presOf" srcId="{F0433F11-210C-4DCD-8E45-6F4E6C473AA1}" destId="{504CA94F-B630-42C6-85B6-11C7F3681D10}" srcOrd="0" destOrd="0" presId="urn:microsoft.com/office/officeart/2005/8/layout/lProcess3"/>
+    <dgm:cxn modelId="{E9449AB8-D4D5-4EED-BC7C-1AFCA20FBDF9}" type="presOf" srcId="{A9556643-76ED-4AAC-8748-E5444BB44001}" destId="{941081E7-6D31-48D4-B430-2B43995A5293}" srcOrd="0" destOrd="0" presId="urn:microsoft.com/office/officeart/2005/8/layout/lProcess3"/>
+    <dgm:cxn modelId="{07FE18C0-0BE0-46AE-A1EA-6CD42C1929CD}" type="presOf" srcId="{8912C197-525C-4E53-8513-D6EA67519B87}" destId="{648A168F-1284-4B2C-915B-B94FB90FF3B2}" srcOrd="0" destOrd="0" presId="urn:microsoft.com/office/officeart/2005/8/layout/lProcess3"/>
+    <dgm:cxn modelId="{8EC559C6-3BD0-4711-BDBF-06AEA9930262}" srcId="{D94AB8D0-B031-4C4F-A739-613D458D0556}" destId="{5C6C2334-F9F8-4B53-8301-403E669AA155}" srcOrd="3" destOrd="0" parTransId="{3EAB2A2F-1CF0-4A10-B06A-8B257E6D70EC}" sibTransId="{C7137DEF-B2BC-429D-90E2-0DA66E4BDC63}"/>
+    <dgm:cxn modelId="{A525E8D5-D5C0-4E85-A18B-F91F5EB2D073}" srcId="{A9556643-76ED-4AAC-8748-E5444BB44001}" destId="{A774DBA4-7A80-4301-9A7E-0AD21BCB6AE9}" srcOrd="2" destOrd="0" parTransId="{101AD8BD-0AEE-4C4E-9552-1A5BBCB213C3}" sibTransId="{C58EE546-B570-4C5B-8EF4-D3AFBAA7F1F6}"/>
+    <dgm:cxn modelId="{A42D1AD7-5B60-41D9-867C-CB81D0DECC02}" type="presOf" srcId="{5C6C2334-F9F8-4B53-8301-403E669AA155}" destId="{5163C766-AD7C-44ED-BA02-DA049959BFC1}" srcOrd="0" destOrd="0" presId="urn:microsoft.com/office/officeart/2005/8/layout/lProcess3"/>
+    <dgm:cxn modelId="{C714BCD7-48FD-4699-99E4-EB64A842FDC3}" type="presOf" srcId="{A774DBA4-7A80-4301-9A7E-0AD21BCB6AE9}" destId="{83714D3E-3B18-4DC0-8E40-A2BBB2D76ADE}" srcOrd="0" destOrd="0" presId="urn:microsoft.com/office/officeart/2005/8/layout/lProcess3"/>
+    <dgm:cxn modelId="{2CD84ADD-F06B-404D-BEF3-0377F4CB2B76}" type="presOf" srcId="{6E9750A6-9214-40C1-B00A-485212941A5D}" destId="{DCACF4CD-C008-47BD-8D39-3C072D0CF917}" srcOrd="0" destOrd="0" presId="urn:microsoft.com/office/officeart/2005/8/layout/lProcess3"/>
+    <dgm:cxn modelId="{593B72E1-F4AB-4FD6-9B9A-A813B33ACE88}" type="presOf" srcId="{23161A30-12FD-43E3-B42F-4D35C1EFFD3F}" destId="{18C81BFA-919A-484A-BE71-8FB7DC12576F}" srcOrd="0" destOrd="0" presId="urn:microsoft.com/office/officeart/2005/8/layout/lProcess3"/>
+    <dgm:cxn modelId="{733ECBE5-4751-4407-81A5-045B7F138FEF}" srcId="{F1E41A84-ABE5-48EE-B415-C0B13598552B}" destId="{5C08BBE0-3288-4384-A101-93C7C7982383}" srcOrd="0" destOrd="0" parTransId="{DC974659-C1ED-454D-B8AA-E62AC6F9013A}" sibTransId="{A6C5F36F-8139-4C6C-B11B-FA3764E425D8}"/>
+    <dgm:cxn modelId="{4530A9F1-1CC9-48D6-9599-9D881E397074}" srcId="{8669D5D1-A065-4EB8-957A-94E094EAD7B2}" destId="{065EC8D8-9C7C-427C-A4D2-13B9CFE81DDC}" srcOrd="2" destOrd="0" parTransId="{507D76FA-929E-40EA-9AAE-7AFBD7ED2654}" sibTransId="{18C3A9A1-A698-48FF-A2C4-773377488AB9}"/>
+    <dgm:cxn modelId="{3F4B77F9-A3CE-4EE5-B9A2-99B84C2608A4}" srcId="{A9556643-76ED-4AAC-8748-E5444BB44001}" destId="{8912C197-525C-4E53-8513-D6EA67519B87}" srcOrd="1" destOrd="0" parTransId="{64642A67-7609-49D2-BDF0-14DB9CB8C317}" sibTransId="{584B9A18-AF3A-4610-A268-2DCC737FD3D3}"/>
+    <dgm:cxn modelId="{792E97FF-C0ED-4DC0-A8CD-A23B2377C3BC}" srcId="{5C6C2334-F9F8-4B53-8301-403E669AA155}" destId="{3C5A2748-4EEF-4A69-8546-421E9F5C8C7B}" srcOrd="1" destOrd="0" parTransId="{D7885FAD-F687-463E-A5A9-08E4FB1254D5}" sibTransId="{883C1817-1C76-4EDB-AD7E-D3CA9BB6359E}"/>
+    <dgm:cxn modelId="{13C9B6A9-C399-4A7C-BE19-2C75DB70BAE9}" type="presParOf" srcId="{F872335B-C7BC-4F85-8754-8FCE51A1A7DA}" destId="{A7845629-B1F3-4D67-9A00-CC69E12A209B}" srcOrd="0" destOrd="0" presId="urn:microsoft.com/office/officeart/2005/8/layout/lProcess3"/>
+    <dgm:cxn modelId="{00FB4948-BA0C-4D7A-9433-3B8A6CD4692B}" type="presParOf" srcId="{A7845629-B1F3-4D67-9A00-CC69E12A209B}" destId="{941081E7-6D31-48D4-B430-2B43995A5293}" srcOrd="0" destOrd="0" presId="urn:microsoft.com/office/officeart/2005/8/layout/lProcess3"/>
+    <dgm:cxn modelId="{07EBD1B0-2BE6-466C-9074-9B09EB056D33}" type="presParOf" srcId="{A7845629-B1F3-4D67-9A00-CC69E12A209B}" destId="{71E1D65D-63DA-4482-A552-7A8D14675208}" srcOrd="1" destOrd="0" presId="urn:microsoft.com/office/officeart/2005/8/layout/lProcess3"/>
+    <dgm:cxn modelId="{19B62B8D-F7A1-422F-97F7-39F03E79D4EE}" type="presParOf" srcId="{A7845629-B1F3-4D67-9A00-CC69E12A209B}" destId="{09D9CB32-9C15-42E1-B8D8-DCA577A4D44F}" srcOrd="2" destOrd="0" presId="urn:microsoft.com/office/officeart/2005/8/layout/lProcess3"/>
+    <dgm:cxn modelId="{857D1493-E3A4-4B47-8E44-602E10083002}" type="presParOf" srcId="{A7845629-B1F3-4D67-9A00-CC69E12A209B}" destId="{E5441ED2-E62A-4DA4-B976-239AABDAF6C5}" srcOrd="3" destOrd="0" presId="urn:microsoft.com/office/officeart/2005/8/layout/lProcess3"/>
+    <dgm:cxn modelId="{9532FD41-7F0F-4972-AF2E-FBF669B10CE2}" type="presParOf" srcId="{A7845629-B1F3-4D67-9A00-CC69E12A209B}" destId="{648A168F-1284-4B2C-915B-B94FB90FF3B2}" srcOrd="4" destOrd="0" presId="urn:microsoft.com/office/officeart/2005/8/layout/lProcess3"/>
+    <dgm:cxn modelId="{6F599670-5EE1-4379-8468-BA07E5E027CA}" type="presParOf" srcId="{A7845629-B1F3-4D67-9A00-CC69E12A209B}" destId="{85F525DC-E2F0-4FFA-A171-F666BB31FD27}" srcOrd="5" destOrd="0" presId="urn:microsoft.com/office/officeart/2005/8/layout/lProcess3"/>
+    <dgm:cxn modelId="{19B2C275-A62C-446F-AEDF-49D69CE33B1F}" type="presParOf" srcId="{A7845629-B1F3-4D67-9A00-CC69E12A209B}" destId="{83714D3E-3B18-4DC0-8E40-A2BBB2D76ADE}" srcOrd="6" destOrd="0" presId="urn:microsoft.com/office/officeart/2005/8/layout/lProcess3"/>
+    <dgm:cxn modelId="{555499B8-E207-4FDA-AE15-6E733A6C9289}" type="presParOf" srcId="{F872335B-C7BC-4F85-8754-8FCE51A1A7DA}" destId="{AFC35478-5472-40EA-8024-41BD97B3B253}" srcOrd="1" destOrd="0" presId="urn:microsoft.com/office/officeart/2005/8/layout/lProcess3"/>
+    <dgm:cxn modelId="{686A847C-2523-4939-8BD3-66CF6D963398}" type="presParOf" srcId="{F872335B-C7BC-4F85-8754-8FCE51A1A7DA}" destId="{9CCC8575-7223-4969-A9EC-F688B2F5D340}" srcOrd="2" destOrd="0" presId="urn:microsoft.com/office/officeart/2005/8/layout/lProcess3"/>
+    <dgm:cxn modelId="{F7C0BF37-9C0A-4743-856C-D9CCCCDC511D}" type="presParOf" srcId="{9CCC8575-7223-4969-A9EC-F688B2F5D340}" destId="{504CA94F-B630-42C6-85B6-11C7F3681D10}" srcOrd="0" destOrd="0" presId="urn:microsoft.com/office/officeart/2005/8/layout/lProcess3"/>
+    <dgm:cxn modelId="{5F8546E1-AA0E-4B4B-A46C-8EC32B4969EC}" type="presParOf" srcId="{9CCC8575-7223-4969-A9EC-F688B2F5D340}" destId="{98EF268B-E6C5-4A27-93C0-C7AF5C806222}" srcOrd="1" destOrd="0" presId="urn:microsoft.com/office/officeart/2005/8/layout/lProcess3"/>
+    <dgm:cxn modelId="{8C2E6B29-E9F8-42A7-B12D-0C88CA31EBAB}" type="presParOf" srcId="{9CCC8575-7223-4969-A9EC-F688B2F5D340}" destId="{DCACF4CD-C008-47BD-8D39-3C072D0CF917}" srcOrd="2" destOrd="0" presId="urn:microsoft.com/office/officeart/2005/8/layout/lProcess3"/>
+    <dgm:cxn modelId="{539B2938-A463-4271-8E9E-D3B5D2135395}" type="presParOf" srcId="{9CCC8575-7223-4969-A9EC-F688B2F5D340}" destId="{7F0B106E-0924-44F0-89E2-5395BD92B960}" srcOrd="3" destOrd="0" presId="urn:microsoft.com/office/officeart/2005/8/layout/lProcess3"/>
+    <dgm:cxn modelId="{13F84873-AC28-424B-A93E-14F5109FAB6C}" type="presParOf" srcId="{9CCC8575-7223-4969-A9EC-F688B2F5D340}" destId="{87853A26-CDE3-4CDB-87AC-DE6B8120ECD2}" srcOrd="4" destOrd="0" presId="urn:microsoft.com/office/officeart/2005/8/layout/lProcess3"/>
+    <dgm:cxn modelId="{79F87CB9-551A-497E-8BF4-AA935601519E}" type="presParOf" srcId="{9CCC8575-7223-4969-A9EC-F688B2F5D340}" destId="{6B363D03-885E-40F8-83E1-46F0184CADAC}" srcOrd="5" destOrd="0" presId="urn:microsoft.com/office/officeart/2005/8/layout/lProcess3"/>
+    <dgm:cxn modelId="{C559B310-5EB2-43F2-BCC8-D5A9095C15A6}" type="presParOf" srcId="{9CCC8575-7223-4969-A9EC-F688B2F5D340}" destId="{A29FAAD1-2CB7-4F2C-8B56-2FDC864CA704}" srcOrd="6" destOrd="0" presId="urn:microsoft.com/office/officeart/2005/8/layout/lProcess3"/>
+    <dgm:cxn modelId="{F77FE6E1-AF91-4EA2-AD67-6E19A6BC39F3}" type="presParOf" srcId="{F872335B-C7BC-4F85-8754-8FCE51A1A7DA}" destId="{166EC420-865F-4EB5-A383-A6C6DD785B52}" srcOrd="3" destOrd="0" presId="urn:microsoft.com/office/officeart/2005/8/layout/lProcess3"/>
+    <dgm:cxn modelId="{7371815D-E463-45DB-87DD-60506E29224F}" type="presParOf" srcId="{F872335B-C7BC-4F85-8754-8FCE51A1A7DA}" destId="{752CBCF6-3B04-43BB-8250-6EC785FEC62A}" srcOrd="4" destOrd="0" presId="urn:microsoft.com/office/officeart/2005/8/layout/lProcess3"/>
+    <dgm:cxn modelId="{03ED1DAC-047D-4FEE-A4FB-CC9287B7F507}" type="presParOf" srcId="{752CBCF6-3B04-43BB-8250-6EC785FEC62A}" destId="{ED28110E-C45E-4BEA-BE7E-08B96B3B8E31}" srcOrd="0" destOrd="0" presId="urn:microsoft.com/office/officeart/2005/8/layout/lProcess3"/>
+    <dgm:cxn modelId="{31828274-EE2D-462F-A7BF-92175017AF21}" type="presParOf" srcId="{752CBCF6-3B04-43BB-8250-6EC785FEC62A}" destId="{A80603D9-1A02-40BD-B58A-29F0BB1653AD}" srcOrd="1" destOrd="0" presId="urn:microsoft.com/office/officeart/2005/8/layout/lProcess3"/>
+    <dgm:cxn modelId="{6354339E-4411-43C6-8832-A37ABF5C303C}" type="presParOf" srcId="{752CBCF6-3B04-43BB-8250-6EC785FEC62A}" destId="{0AB3F169-EC68-4F73-9658-C2E22CA85B86}" srcOrd="2" destOrd="0" presId="urn:microsoft.com/office/officeart/2005/8/layout/lProcess3"/>
+    <dgm:cxn modelId="{319BF132-E0C4-493E-A923-9C6F4BAC6D6C}" type="presParOf" srcId="{752CBCF6-3B04-43BB-8250-6EC785FEC62A}" destId="{F7F18F70-1FCF-4CC9-AEA4-EF7AFDAAF43D}" srcOrd="3" destOrd="0" presId="urn:microsoft.com/office/officeart/2005/8/layout/lProcess3"/>
+    <dgm:cxn modelId="{4879C199-4087-4209-A6D0-2AEA6290F1AD}" type="presParOf" srcId="{752CBCF6-3B04-43BB-8250-6EC785FEC62A}" destId="{36018777-06DF-4826-95A6-070ED4757696}" srcOrd="4" destOrd="0" presId="urn:microsoft.com/office/officeart/2005/8/layout/lProcess3"/>
+    <dgm:cxn modelId="{2493828D-8C6D-4ABC-808D-4B346EA29118}" type="presParOf" srcId="{752CBCF6-3B04-43BB-8250-6EC785FEC62A}" destId="{FD34E0A1-9A83-4B50-A6DD-134977B9CC9E}" srcOrd="5" destOrd="0" presId="urn:microsoft.com/office/officeart/2005/8/layout/lProcess3"/>
+    <dgm:cxn modelId="{192DCB16-0F34-4CDF-8338-E4D4DE1EC209}" type="presParOf" srcId="{752CBCF6-3B04-43BB-8250-6EC785FEC62A}" destId="{7F7FBBB9-A800-4DAE-9692-D736F875CA45}" srcOrd="6" destOrd="0" presId="urn:microsoft.com/office/officeart/2005/8/layout/lProcess3"/>
+    <dgm:cxn modelId="{23A1AA2D-FF5C-41BF-ADB3-F38561EEA722}" type="presParOf" srcId="{F872335B-C7BC-4F85-8754-8FCE51A1A7DA}" destId="{428A7BD7-313E-4E80-91BA-4495C53917C6}" srcOrd="5" destOrd="0" presId="urn:microsoft.com/office/officeart/2005/8/layout/lProcess3"/>
+    <dgm:cxn modelId="{B56B6F0D-7043-4CF3-B98B-B1AECDE563E0}" type="presParOf" srcId="{F872335B-C7BC-4F85-8754-8FCE51A1A7DA}" destId="{63ECF105-07BF-4D46-B506-322EE04DECC6}" srcOrd="6" destOrd="0" presId="urn:microsoft.com/office/officeart/2005/8/layout/lProcess3"/>
+    <dgm:cxn modelId="{7CFA10CA-189A-48C0-9A68-5E8B50C6A556}" type="presParOf" srcId="{63ECF105-07BF-4D46-B506-322EE04DECC6}" destId="{5163C766-AD7C-44ED-BA02-DA049959BFC1}" srcOrd="0" destOrd="0" presId="urn:microsoft.com/office/officeart/2005/8/layout/lProcess3"/>
+    <dgm:cxn modelId="{0170AE1D-78CC-46ED-852A-C99F25D02E9B}" type="presParOf" srcId="{63ECF105-07BF-4D46-B506-322EE04DECC6}" destId="{83361CC0-738E-4CA2-8CB6-B5B00575E061}" srcOrd="1" destOrd="0" presId="urn:microsoft.com/office/officeart/2005/8/layout/lProcess3"/>
+    <dgm:cxn modelId="{294DCEC0-5B2F-4E20-B179-87FFE7B509B9}" type="presParOf" srcId="{63ECF105-07BF-4D46-B506-322EE04DECC6}" destId="{18C81BFA-919A-484A-BE71-8FB7DC12576F}" srcOrd="2" destOrd="0" presId="urn:microsoft.com/office/officeart/2005/8/layout/lProcess3"/>
+    <dgm:cxn modelId="{F9E4EF5A-5F26-4699-A1CD-60855F24EB7A}" type="presParOf" srcId="{63ECF105-07BF-4D46-B506-322EE04DECC6}" destId="{42092B81-087E-49A9-81FD-72309BDD4EB0}" srcOrd="3" destOrd="0" presId="urn:microsoft.com/office/officeart/2005/8/layout/lProcess3"/>
+    <dgm:cxn modelId="{C5DD3657-2BD9-406C-9176-99BA1974C469}" type="presParOf" srcId="{63ECF105-07BF-4D46-B506-322EE04DECC6}" destId="{185241CE-41CC-4BA3-8C4B-BB7C980DBADE}" srcOrd="4" destOrd="0" presId="urn:microsoft.com/office/officeart/2005/8/layout/lProcess3"/>
+    <dgm:cxn modelId="{7AECC9D9-8589-46EB-AC8C-453D53C1C4C0}" type="presParOf" srcId="{F872335B-C7BC-4F85-8754-8FCE51A1A7DA}" destId="{F9161929-5CC0-4D79-8DB5-C70F7EF7B4E1}" srcOrd="7" destOrd="0" presId="urn:microsoft.com/office/officeart/2005/8/layout/lProcess3"/>
+    <dgm:cxn modelId="{AF933465-32A2-40F2-BEF3-EC9A9A06D427}" type="presParOf" srcId="{F872335B-C7BC-4F85-8754-8FCE51A1A7DA}" destId="{B1BA276C-3AD1-434C-B941-5A6F6D938C09}" srcOrd="8" destOrd="0" presId="urn:microsoft.com/office/officeart/2005/8/layout/lProcess3"/>
+    <dgm:cxn modelId="{7EEBD25B-A5BD-4000-ACC4-E769DDA5318D}" type="presParOf" srcId="{B1BA276C-3AD1-434C-B941-5A6F6D938C09}" destId="{325830F3-F685-4965-A453-167A10D5CA31}" srcOrd="0" destOrd="0" presId="urn:microsoft.com/office/officeart/2005/8/layout/lProcess3"/>
+    <dgm:cxn modelId="{290F3A95-090F-444E-8A99-C48DEB2A553F}" type="presParOf" srcId="{B1BA276C-3AD1-434C-B941-5A6F6D938C09}" destId="{CE5EE950-503B-4B6C-B33B-5C7CDF0D399A}" srcOrd="1" destOrd="0" presId="urn:microsoft.com/office/officeart/2005/8/layout/lProcess3"/>
+    <dgm:cxn modelId="{9AEAB0D0-9E74-4034-A5A9-A21E36723014}" type="presParOf" srcId="{B1BA276C-3AD1-434C-B941-5A6F6D938C09}" destId="{1A7F2373-F16C-45C7-8EC4-5EFAC7F9114B}" srcOrd="2" destOrd="0" presId="urn:microsoft.com/office/officeart/2005/8/layout/lProcess3"/>
+  </dgm:cxnLst>
+  <dgm:bg/>
+  <dgm:whole/>
+  <dgm:extLst>
+    <a:ext uri="http://schemas.microsoft.com/office/drawing/2008/diagram">
+      <dsp:dataModelExt xmlns:dsp="http://schemas.microsoft.com/office/drawing/2008/diagram" relId="rId6" minVer="http://schemas.openxmlformats.org/drawingml/2006/diagram"/>
+    </a:ext>
+  </dgm:extLst>
+</dgm:dataModel>
+</file>
+
+<file path=ppt/diagrams/drawing1.xml><?xml version="1.0" encoding="utf-8"?>
+<dsp:drawing xmlns:dgm="http://schemas.openxmlformats.org/drawingml/2006/diagram" xmlns:dsp="http://schemas.microsoft.com/office/drawing/2008/diagram" xmlns:a="http://schemas.openxmlformats.org/drawingml/2006/main">
+  <dsp:spTree>
+    <dsp:nvGrpSpPr>
+      <dsp:cNvPr id="0" name=""/>
+      <dsp:cNvGrpSpPr/>
+    </dsp:nvGrpSpPr>
+    <dsp:grpSpPr/>
+    <dsp:sp modelId="{941081E7-6D31-48D4-B430-2B43995A5293}">
+      <dsp:nvSpPr>
+        <dsp:cNvPr id="0" name=""/>
+        <dsp:cNvSpPr/>
+      </dsp:nvSpPr>
+      <dsp:spPr>
+        <a:xfrm>
+          <a:off x="377439" y="3130"/>
+          <a:ext cx="2357437" cy="942975"/>
+        </a:xfrm>
+        <a:prstGeom prst="chevron">
+          <a:avLst/>
+        </a:prstGeom>
+        <a:solidFill>
+          <a:schemeClr val="accent2">
+            <a:hueOff val="0"/>
+            <a:satOff val="0"/>
+            <a:lumOff val="0"/>
+            <a:alphaOff val="0"/>
+          </a:schemeClr>
+        </a:solidFill>
+        <a:ln w="15875" cap="rnd" cmpd="sng" algn="ctr">
+          <a:solidFill>
+            <a:schemeClr val="lt1">
+              <a:hueOff val="0"/>
+              <a:satOff val="0"/>
+              <a:lumOff val="0"/>
+              <a:alphaOff val="0"/>
+            </a:schemeClr>
+          </a:solidFill>
+          <a:prstDash val="solid"/>
+        </a:ln>
+        <a:effectLst/>
+      </dsp:spPr>
+      <dsp:style>
+        <a:lnRef idx="2">
+          <a:scrgbClr r="0" g="0" b="0"/>
+        </a:lnRef>
+        <a:fillRef idx="1">
+          <a:scrgbClr r="0" g="0" b="0"/>
+        </a:fillRef>
+        <a:effectRef idx="0">
+          <a:scrgbClr r="0" g="0" b="0"/>
+        </a:effectRef>
+        <a:fontRef idx="minor">
+          <a:schemeClr val="lt1"/>
+        </a:fontRef>
+      </dsp:style>
+      <dsp:txBody>
+        <a:bodyPr spcFirstLastPara="0" vert="horz" wrap="square" lIns="13970" tIns="6985" rIns="0" bIns="6985" numCol="1" spcCol="1270" anchor="ctr" anchorCtr="0">
+          <a:noAutofit/>
+        </a:bodyPr>
+        <a:lstStyle/>
+        <a:p>
+          <a:pPr marL="0" lvl="0" indent="0" algn="ctr" defTabSz="488950">
+            <a:lnSpc>
+              <a:spcPct val="90000"/>
+            </a:lnSpc>
+            <a:spcBef>
+              <a:spcPct val="0"/>
+            </a:spcBef>
+            <a:spcAft>
+              <a:spcPct val="35000"/>
+            </a:spcAft>
+            <a:buNone/>
+          </a:pPr>
+          <a:r>
+            <a:rPr lang="es-CR" sz="1100" kern="1200" dirty="0"/>
+            <a:t>Objetivo</a:t>
+          </a:r>
+        </a:p>
+      </dsp:txBody>
+      <dsp:txXfrm>
+        <a:off x="848927" y="3130"/>
+        <a:ext cx="1414462" cy="942975"/>
+      </dsp:txXfrm>
+    </dsp:sp>
+    <dsp:sp modelId="{09D9CB32-9C15-42E1-B8D8-DCA577A4D44F}">
+      <dsp:nvSpPr>
+        <dsp:cNvPr id="0" name=""/>
+        <dsp:cNvSpPr/>
+      </dsp:nvSpPr>
+      <dsp:spPr>
+        <a:xfrm>
+          <a:off x="2428409" y="83283"/>
+          <a:ext cx="1956673" cy="782669"/>
+        </a:xfrm>
+        <a:prstGeom prst="chevron">
+          <a:avLst/>
+        </a:prstGeom>
+        <a:solidFill>
+          <a:schemeClr val="accent2">
+            <a:tint val="40000"/>
+            <a:alpha val="90000"/>
+            <a:hueOff val="0"/>
+            <a:satOff val="0"/>
+            <a:lumOff val="0"/>
+            <a:alphaOff val="0"/>
+          </a:schemeClr>
+        </a:solidFill>
+        <a:ln w="15875" cap="rnd" cmpd="sng" algn="ctr">
+          <a:solidFill>
+            <a:schemeClr val="accent2">
+              <a:tint val="40000"/>
+              <a:alpha val="90000"/>
+              <a:hueOff val="0"/>
+              <a:satOff val="0"/>
+              <a:lumOff val="0"/>
+              <a:alphaOff val="0"/>
+            </a:schemeClr>
+          </a:solidFill>
+          <a:prstDash val="solid"/>
+        </a:ln>
+        <a:effectLst/>
+      </dsp:spPr>
+      <dsp:style>
+        <a:lnRef idx="2">
+          <a:scrgbClr r="0" g="0" b="0"/>
+        </a:lnRef>
+        <a:fillRef idx="1">
+          <a:scrgbClr r="0" g="0" b="0"/>
+        </a:fillRef>
+        <a:effectRef idx="0">
+          <a:scrgbClr r="0" g="0" b="0"/>
+        </a:effectRef>
+        <a:fontRef idx="minor"/>
+      </dsp:style>
+      <dsp:txBody>
+        <a:bodyPr spcFirstLastPara="0" vert="horz" wrap="square" lIns="13970" tIns="6985" rIns="0" bIns="6985" numCol="1" spcCol="1270" anchor="ctr" anchorCtr="0">
+          <a:noAutofit/>
+        </a:bodyPr>
+        <a:lstStyle/>
+        <a:p>
+          <a:pPr marL="0" lvl="0" indent="0" algn="ctr" defTabSz="488950">
+            <a:lnSpc>
+              <a:spcPct val="90000"/>
+            </a:lnSpc>
+            <a:spcBef>
+              <a:spcPct val="0"/>
+            </a:spcBef>
+            <a:spcAft>
+              <a:spcPct val="35000"/>
+            </a:spcAft>
+            <a:buNone/>
+          </a:pPr>
+          <a:r>
+            <a:rPr lang="es-CR" sz="1100" kern="1200" dirty="0"/>
+            <a:t>Mejor predicción</a:t>
+          </a:r>
+        </a:p>
+      </dsp:txBody>
+      <dsp:txXfrm>
+        <a:off x="2819744" y="83283"/>
+        <a:ext cx="1174004" cy="782669"/>
+      </dsp:txXfrm>
+    </dsp:sp>
+    <dsp:sp modelId="{648A168F-1284-4B2C-915B-B94FB90FF3B2}">
+      <dsp:nvSpPr>
+        <dsp:cNvPr id="0" name=""/>
+        <dsp:cNvSpPr/>
+      </dsp:nvSpPr>
+      <dsp:spPr>
+        <a:xfrm>
+          <a:off x="4111148" y="83283"/>
+          <a:ext cx="1956673" cy="782669"/>
+        </a:xfrm>
+        <a:prstGeom prst="chevron">
+          <a:avLst/>
+        </a:prstGeom>
+        <a:solidFill>
+          <a:schemeClr val="accent3">
+            <a:tint val="40000"/>
+            <a:alpha val="90000"/>
+            <a:hueOff val="0"/>
+            <a:satOff val="0"/>
+            <a:lumOff val="0"/>
+            <a:alphaOff val="0"/>
+          </a:schemeClr>
+        </a:solidFill>
+        <a:ln w="15875" cap="rnd" cmpd="sng" algn="ctr">
+          <a:solidFill>
+            <a:schemeClr val="accent3">
+              <a:tint val="40000"/>
+              <a:alpha val="90000"/>
+              <a:hueOff val="0"/>
+              <a:satOff val="0"/>
+              <a:lumOff val="0"/>
+              <a:alphaOff val="0"/>
+            </a:schemeClr>
+          </a:solidFill>
+          <a:prstDash val="solid"/>
+        </a:ln>
+        <a:effectLst/>
+      </dsp:spPr>
+      <dsp:style>
+        <a:lnRef idx="2">
+          <a:scrgbClr r="0" g="0" b="0"/>
+        </a:lnRef>
+        <a:fillRef idx="1">
+          <a:scrgbClr r="0" g="0" b="0"/>
+        </a:fillRef>
+        <a:effectRef idx="0">
+          <a:scrgbClr r="0" g="0" b="0"/>
+        </a:effectRef>
+        <a:fontRef idx="minor"/>
+      </dsp:style>
+      <dsp:txBody>
+        <a:bodyPr spcFirstLastPara="0" vert="horz" wrap="square" lIns="13970" tIns="6985" rIns="0" bIns="6985" numCol="1" spcCol="1270" anchor="ctr" anchorCtr="0">
+          <a:noAutofit/>
+        </a:bodyPr>
+        <a:lstStyle/>
+        <a:p>
+          <a:pPr marL="0" lvl="0" indent="0" algn="ctr" defTabSz="488950">
+            <a:lnSpc>
+              <a:spcPct val="90000"/>
+            </a:lnSpc>
+            <a:spcBef>
+              <a:spcPct val="0"/>
+            </a:spcBef>
+            <a:spcAft>
+              <a:spcPct val="35000"/>
+            </a:spcAft>
+            <a:buNone/>
+          </a:pPr>
+          <a:r>
+            <a:rPr lang="es-CR" sz="1100" kern="1200" dirty="0" err="1"/>
+            <a:t>Credit</a:t>
+          </a:r>
+          <a:r>
+            <a:rPr lang="es-CR" sz="1100" kern="1200" dirty="0"/>
+            <a:t> Score</a:t>
+          </a:r>
+        </a:p>
+      </dsp:txBody>
+      <dsp:txXfrm>
+        <a:off x="4502483" y="83283"/>
+        <a:ext cx="1174004" cy="782669"/>
+      </dsp:txXfrm>
+    </dsp:sp>
+    <dsp:sp modelId="{83714D3E-3B18-4DC0-8E40-A2BBB2D76ADE}">
+      <dsp:nvSpPr>
+        <dsp:cNvPr id="0" name=""/>
+        <dsp:cNvSpPr/>
+      </dsp:nvSpPr>
+      <dsp:spPr>
+        <a:xfrm>
+          <a:off x="5793887" y="83283"/>
+          <a:ext cx="1956673" cy="782669"/>
+        </a:xfrm>
+        <a:prstGeom prst="chevron">
+          <a:avLst/>
+        </a:prstGeom>
+        <a:solidFill>
+          <a:schemeClr val="accent4">
+            <a:tint val="40000"/>
+            <a:alpha val="90000"/>
+            <a:hueOff val="0"/>
+            <a:satOff val="0"/>
+            <a:lumOff val="0"/>
+            <a:alphaOff val="0"/>
+          </a:schemeClr>
+        </a:solidFill>
+        <a:ln w="15875" cap="rnd" cmpd="sng" algn="ctr">
+          <a:solidFill>
+            <a:schemeClr val="accent4">
+              <a:tint val="40000"/>
+              <a:alpha val="90000"/>
+              <a:hueOff val="0"/>
+              <a:satOff val="0"/>
+              <a:lumOff val="0"/>
+              <a:alphaOff val="0"/>
+            </a:schemeClr>
+          </a:solidFill>
+          <a:prstDash val="solid"/>
+        </a:ln>
+        <a:effectLst/>
+      </dsp:spPr>
+      <dsp:style>
+        <a:lnRef idx="2">
+          <a:scrgbClr r="0" g="0" b="0"/>
+        </a:lnRef>
+        <a:fillRef idx="1">
+          <a:scrgbClr r="0" g="0" b="0"/>
+        </a:fillRef>
+        <a:effectRef idx="0">
+          <a:scrgbClr r="0" g="0" b="0"/>
+        </a:effectRef>
+        <a:fontRef idx="minor"/>
+      </dsp:style>
+      <dsp:txBody>
+        <a:bodyPr spcFirstLastPara="0" vert="horz" wrap="square" lIns="13970" tIns="6985" rIns="0" bIns="6985" numCol="1" spcCol="1270" anchor="ctr" anchorCtr="0">
+          <a:noAutofit/>
+        </a:bodyPr>
+        <a:lstStyle/>
+        <a:p>
+          <a:pPr marL="0" lvl="0" indent="0" algn="ctr" defTabSz="488950">
+            <a:lnSpc>
+              <a:spcPct val="90000"/>
+            </a:lnSpc>
+            <a:spcBef>
+              <a:spcPct val="0"/>
+            </a:spcBef>
+            <a:spcAft>
+              <a:spcPct val="35000"/>
+            </a:spcAft>
+            <a:buNone/>
+          </a:pPr>
+          <a:r>
+            <a:rPr lang="es-CR" sz="1100" kern="1200" dirty="0"/>
+            <a:t>Importante tener conocimiento del negocio</a:t>
+          </a:r>
+        </a:p>
+      </dsp:txBody>
+      <dsp:txXfrm>
+        <a:off x="6185222" y="83283"/>
+        <a:ext cx="1174004" cy="782669"/>
+      </dsp:txXfrm>
+    </dsp:sp>
+    <dsp:sp modelId="{504CA94F-B630-42C6-85B6-11C7F3681D10}">
+      <dsp:nvSpPr>
+        <dsp:cNvPr id="0" name=""/>
+        <dsp:cNvSpPr/>
+      </dsp:nvSpPr>
+      <dsp:spPr>
+        <a:xfrm>
+          <a:off x="377439" y="1078122"/>
+          <a:ext cx="2357437" cy="942975"/>
+        </a:xfrm>
+        <a:prstGeom prst="chevron">
+          <a:avLst/>
+        </a:prstGeom>
+        <a:solidFill>
+          <a:schemeClr val="accent3">
+            <a:hueOff val="0"/>
+            <a:satOff val="0"/>
+            <a:lumOff val="0"/>
+            <a:alphaOff val="0"/>
+          </a:schemeClr>
+        </a:solidFill>
+        <a:ln w="15875" cap="rnd" cmpd="sng" algn="ctr">
+          <a:solidFill>
+            <a:schemeClr val="lt1">
+              <a:hueOff val="0"/>
+              <a:satOff val="0"/>
+              <a:lumOff val="0"/>
+              <a:alphaOff val="0"/>
+            </a:schemeClr>
+          </a:solidFill>
+          <a:prstDash val="solid"/>
+        </a:ln>
+        <a:effectLst/>
+      </dsp:spPr>
+      <dsp:style>
+        <a:lnRef idx="2">
+          <a:scrgbClr r="0" g="0" b="0"/>
+        </a:lnRef>
+        <a:fillRef idx="1">
+          <a:scrgbClr r="0" g="0" b="0"/>
+        </a:fillRef>
+        <a:effectRef idx="0">
+          <a:scrgbClr r="0" g="0" b="0"/>
+        </a:effectRef>
+        <a:fontRef idx="minor">
+          <a:schemeClr val="lt1"/>
+        </a:fontRef>
+      </dsp:style>
+      <dsp:txBody>
+        <a:bodyPr spcFirstLastPara="0" vert="horz" wrap="square" lIns="13970" tIns="6985" rIns="0" bIns="6985" numCol="1" spcCol="1270" anchor="ctr" anchorCtr="0">
+          <a:noAutofit/>
+        </a:bodyPr>
+        <a:lstStyle/>
+        <a:p>
+          <a:pPr marL="0" lvl="0" indent="0" algn="ctr" defTabSz="488950">
+            <a:lnSpc>
+              <a:spcPct val="90000"/>
+            </a:lnSpc>
+            <a:spcBef>
+              <a:spcPct val="0"/>
+            </a:spcBef>
+            <a:spcAft>
+              <a:spcPct val="35000"/>
+            </a:spcAft>
+            <a:buNone/>
+          </a:pPr>
+          <a:r>
+            <a:rPr lang="es-CR" sz="1100" kern="1200" dirty="0"/>
+            <a:t>Data</a:t>
+          </a:r>
+        </a:p>
+      </dsp:txBody>
+      <dsp:txXfrm>
+        <a:off x="848927" y="1078122"/>
+        <a:ext cx="1414462" cy="942975"/>
+      </dsp:txXfrm>
+    </dsp:sp>
+    <dsp:sp modelId="{DCACF4CD-C008-47BD-8D39-3C072D0CF917}">
+      <dsp:nvSpPr>
+        <dsp:cNvPr id="0" name=""/>
+        <dsp:cNvSpPr/>
+      </dsp:nvSpPr>
+      <dsp:spPr>
+        <a:xfrm>
+          <a:off x="2428409" y="1158274"/>
+          <a:ext cx="1956673" cy="782669"/>
+        </a:xfrm>
+        <a:prstGeom prst="chevron">
+          <a:avLst/>
+        </a:prstGeom>
+        <a:solidFill>
+          <a:schemeClr val="accent5">
+            <a:tint val="40000"/>
+            <a:alpha val="90000"/>
+            <a:hueOff val="0"/>
+            <a:satOff val="0"/>
+            <a:lumOff val="0"/>
+            <a:alphaOff val="0"/>
+          </a:schemeClr>
+        </a:solidFill>
+        <a:ln w="15875" cap="rnd" cmpd="sng" algn="ctr">
+          <a:solidFill>
+            <a:schemeClr val="accent5">
+              <a:tint val="40000"/>
+              <a:alpha val="90000"/>
+              <a:hueOff val="0"/>
+              <a:satOff val="0"/>
+              <a:lumOff val="0"/>
+              <a:alphaOff val="0"/>
+            </a:schemeClr>
+          </a:solidFill>
+          <a:prstDash val="solid"/>
+        </a:ln>
+        <a:effectLst/>
+      </dsp:spPr>
+      <dsp:style>
+        <a:lnRef idx="2">
+          <a:scrgbClr r="0" g="0" b="0"/>
+        </a:lnRef>
+        <a:fillRef idx="1">
+          <a:scrgbClr r="0" g="0" b="0"/>
+        </a:fillRef>
+        <a:effectRef idx="0">
+          <a:scrgbClr r="0" g="0" b="0"/>
+        </a:effectRef>
+        <a:fontRef idx="minor"/>
+      </dsp:style>
+      <dsp:txBody>
+        <a:bodyPr spcFirstLastPara="0" vert="horz" wrap="square" lIns="13970" tIns="6985" rIns="0" bIns="6985" numCol="1" spcCol="1270" anchor="ctr" anchorCtr="0">
+          <a:noAutofit/>
+        </a:bodyPr>
+        <a:lstStyle/>
+        <a:p>
+          <a:pPr marL="0" lvl="0" indent="0" algn="ctr" defTabSz="488950">
+            <a:lnSpc>
+              <a:spcPct val="90000"/>
+            </a:lnSpc>
+            <a:spcBef>
+              <a:spcPct val="0"/>
+            </a:spcBef>
+            <a:spcAft>
+              <a:spcPct val="35000"/>
+            </a:spcAft>
+            <a:buNone/>
+          </a:pPr>
+          <a:r>
+            <a:rPr lang="es-CR" sz="1100" kern="1200" dirty="0"/>
+            <a:t>Muestra 30 mil clientes y 24 variables</a:t>
+          </a:r>
+        </a:p>
+      </dsp:txBody>
+      <dsp:txXfrm>
+        <a:off x="2819744" y="1158274"/>
+        <a:ext cx="1174004" cy="782669"/>
+      </dsp:txXfrm>
+    </dsp:sp>
+    <dsp:sp modelId="{87853A26-CDE3-4CDB-87AC-DE6B8120ECD2}">
+      <dsp:nvSpPr>
+        <dsp:cNvPr id="0" name=""/>
+        <dsp:cNvSpPr/>
+      </dsp:nvSpPr>
+      <dsp:spPr>
+        <a:xfrm>
+          <a:off x="4111148" y="1158274"/>
+          <a:ext cx="1956673" cy="782669"/>
+        </a:xfrm>
+        <a:prstGeom prst="chevron">
+          <a:avLst/>
+        </a:prstGeom>
+        <a:solidFill>
+          <a:schemeClr val="accent6">
+            <a:tint val="40000"/>
+            <a:alpha val="90000"/>
+            <a:hueOff val="0"/>
+            <a:satOff val="0"/>
+            <a:lumOff val="0"/>
+            <a:alphaOff val="0"/>
+          </a:schemeClr>
+        </a:solidFill>
+        <a:ln w="15875" cap="rnd" cmpd="sng" algn="ctr">
+          <a:solidFill>
+            <a:schemeClr val="accent6">
+              <a:tint val="40000"/>
+              <a:alpha val="90000"/>
+              <a:hueOff val="0"/>
+              <a:satOff val="0"/>
+              <a:lumOff val="0"/>
+              <a:alphaOff val="0"/>
+            </a:schemeClr>
+          </a:solidFill>
+          <a:prstDash val="solid"/>
+        </a:ln>
+        <a:effectLst/>
+      </dsp:spPr>
+      <dsp:style>
+        <a:lnRef idx="2">
+          <a:scrgbClr r="0" g="0" b="0"/>
+        </a:lnRef>
+        <a:fillRef idx="1">
+          <a:scrgbClr r="0" g="0" b="0"/>
+        </a:fillRef>
+        <a:effectRef idx="0">
+          <a:scrgbClr r="0" g="0" b="0"/>
+        </a:effectRef>
+        <a:fontRef idx="minor"/>
+      </dsp:style>
+      <dsp:txBody>
+        <a:bodyPr spcFirstLastPara="0" vert="horz" wrap="square" lIns="13970" tIns="6985" rIns="0" bIns="6985" numCol="1" spcCol="1270" anchor="ctr" anchorCtr="0">
+          <a:noAutofit/>
+        </a:bodyPr>
+        <a:lstStyle/>
+        <a:p>
+          <a:pPr marL="0" lvl="0" indent="0" algn="ctr" defTabSz="488950">
+            <a:lnSpc>
+              <a:spcPct val="90000"/>
+            </a:lnSpc>
+            <a:spcBef>
+              <a:spcPct val="0"/>
+            </a:spcBef>
+            <a:spcAft>
+              <a:spcPct val="35000"/>
+            </a:spcAft>
+            <a:buNone/>
+          </a:pPr>
+          <a:r>
+            <a:rPr lang="es-CR" sz="1100" kern="1200" dirty="0"/>
+            <a:t>Manipulación por medio de Python</a:t>
+          </a:r>
+        </a:p>
+      </dsp:txBody>
+      <dsp:txXfrm>
+        <a:off x="4502483" y="1158274"/>
+        <a:ext cx="1174004" cy="782669"/>
+      </dsp:txXfrm>
+    </dsp:sp>
+    <dsp:sp modelId="{A29FAAD1-2CB7-4F2C-8B56-2FDC864CA704}">
+      <dsp:nvSpPr>
+        <dsp:cNvPr id="0" name=""/>
+        <dsp:cNvSpPr/>
+      </dsp:nvSpPr>
+      <dsp:spPr>
+        <a:xfrm>
+          <a:off x="5793887" y="1158274"/>
+          <a:ext cx="1956673" cy="782669"/>
+        </a:xfrm>
+        <a:prstGeom prst="chevron">
+          <a:avLst/>
+        </a:prstGeom>
+        <a:solidFill>
+          <a:schemeClr val="accent2">
+            <a:tint val="40000"/>
+            <a:alpha val="90000"/>
+            <a:hueOff val="0"/>
+            <a:satOff val="0"/>
+            <a:lumOff val="0"/>
+            <a:alphaOff val="0"/>
+          </a:schemeClr>
+        </a:solidFill>
+        <a:ln w="15875" cap="rnd" cmpd="sng" algn="ctr">
+          <a:solidFill>
+            <a:schemeClr val="accent2">
+              <a:tint val="40000"/>
+              <a:alpha val="90000"/>
+              <a:hueOff val="0"/>
+              <a:satOff val="0"/>
+              <a:lumOff val="0"/>
+              <a:alphaOff val="0"/>
+            </a:schemeClr>
+          </a:solidFill>
+          <a:prstDash val="solid"/>
+        </a:ln>
+        <a:effectLst/>
+      </dsp:spPr>
+      <dsp:style>
+        <a:lnRef idx="2">
+          <a:scrgbClr r="0" g="0" b="0"/>
+        </a:lnRef>
+        <a:fillRef idx="1">
+          <a:scrgbClr r="0" g="0" b="0"/>
+        </a:fillRef>
+        <a:effectRef idx="0">
+          <a:scrgbClr r="0" g="0" b="0"/>
+        </a:effectRef>
+        <a:fontRef idx="minor"/>
+      </dsp:style>
+      <dsp:txBody>
+        <a:bodyPr spcFirstLastPara="0" vert="horz" wrap="square" lIns="13970" tIns="6985" rIns="0" bIns="6985" numCol="1" spcCol="1270" anchor="ctr" anchorCtr="0">
+          <a:noAutofit/>
+        </a:bodyPr>
+        <a:lstStyle/>
+        <a:p>
+          <a:pPr marL="0" lvl="0" indent="0" algn="ctr" defTabSz="488950">
+            <a:lnSpc>
+              <a:spcPct val="90000"/>
+            </a:lnSpc>
+            <a:spcBef>
+              <a:spcPct val="0"/>
+            </a:spcBef>
+            <a:spcAft>
+              <a:spcPct val="35000"/>
+            </a:spcAft>
+            <a:buNone/>
+          </a:pPr>
+          <a:r>
+            <a:rPr lang="es-CR" sz="1100" kern="1200" dirty="0"/>
+            <a:t>Revisión de Data: Datos limpios permiten mejores modelos</a:t>
+          </a:r>
+        </a:p>
+      </dsp:txBody>
+      <dsp:txXfrm>
+        <a:off x="6185222" y="1158274"/>
+        <a:ext cx="1174004" cy="782669"/>
+      </dsp:txXfrm>
+    </dsp:sp>
+    <dsp:sp modelId="{ED28110E-C45E-4BEA-BE7E-08B96B3B8E31}">
+      <dsp:nvSpPr>
+        <dsp:cNvPr id="0" name=""/>
+        <dsp:cNvSpPr/>
+      </dsp:nvSpPr>
+      <dsp:spPr>
+        <a:xfrm>
+          <a:off x="377439" y="2153113"/>
+          <a:ext cx="2357437" cy="942975"/>
+        </a:xfrm>
+        <a:prstGeom prst="chevron">
+          <a:avLst/>
+        </a:prstGeom>
+        <a:solidFill>
+          <a:schemeClr val="accent4">
+            <a:hueOff val="0"/>
+            <a:satOff val="0"/>
+            <a:lumOff val="0"/>
+            <a:alphaOff val="0"/>
+          </a:schemeClr>
+        </a:solidFill>
+        <a:ln w="15875" cap="rnd" cmpd="sng" algn="ctr">
+          <a:solidFill>
+            <a:schemeClr val="lt1">
+              <a:hueOff val="0"/>
+              <a:satOff val="0"/>
+              <a:lumOff val="0"/>
+              <a:alphaOff val="0"/>
+            </a:schemeClr>
+          </a:solidFill>
+          <a:prstDash val="solid"/>
+        </a:ln>
+        <a:effectLst/>
+      </dsp:spPr>
+      <dsp:style>
+        <a:lnRef idx="2">
+          <a:scrgbClr r="0" g="0" b="0"/>
+        </a:lnRef>
+        <a:fillRef idx="1">
+          <a:scrgbClr r="0" g="0" b="0"/>
+        </a:fillRef>
+        <a:effectRef idx="0">
+          <a:scrgbClr r="0" g="0" b="0"/>
+        </a:effectRef>
+        <a:fontRef idx="minor">
+          <a:schemeClr val="lt1"/>
+        </a:fontRef>
+      </dsp:style>
+      <dsp:txBody>
+        <a:bodyPr spcFirstLastPara="0" vert="horz" wrap="square" lIns="13970" tIns="6985" rIns="0" bIns="6985" numCol="1" spcCol="1270" anchor="ctr" anchorCtr="0">
+          <a:noAutofit/>
+        </a:bodyPr>
+        <a:lstStyle/>
+        <a:p>
+          <a:pPr marL="0" lvl="0" indent="0" algn="ctr" defTabSz="488950">
+            <a:lnSpc>
+              <a:spcPct val="90000"/>
+            </a:lnSpc>
+            <a:spcBef>
+              <a:spcPct val="0"/>
+            </a:spcBef>
+            <a:spcAft>
+              <a:spcPct val="35000"/>
+            </a:spcAft>
+            <a:buNone/>
+          </a:pPr>
+          <a:r>
+            <a:rPr lang="es-CR" sz="1100" kern="1200" dirty="0"/>
+            <a:t>Modelo predictivo</a:t>
+          </a:r>
+        </a:p>
+      </dsp:txBody>
+      <dsp:txXfrm>
+        <a:off x="848927" y="2153113"/>
+        <a:ext cx="1414462" cy="942975"/>
+      </dsp:txXfrm>
+    </dsp:sp>
+    <dsp:sp modelId="{0AB3F169-EC68-4F73-9658-C2E22CA85B86}">
+      <dsp:nvSpPr>
+        <dsp:cNvPr id="0" name=""/>
+        <dsp:cNvSpPr/>
+      </dsp:nvSpPr>
+      <dsp:spPr>
+        <a:xfrm>
+          <a:off x="2428409" y="2233266"/>
+          <a:ext cx="1956673" cy="782669"/>
+        </a:xfrm>
+        <a:prstGeom prst="chevron">
+          <a:avLst/>
+        </a:prstGeom>
+        <a:solidFill>
+          <a:schemeClr val="accent3">
+            <a:tint val="40000"/>
+            <a:alpha val="90000"/>
+            <a:hueOff val="0"/>
+            <a:satOff val="0"/>
+            <a:lumOff val="0"/>
+            <a:alphaOff val="0"/>
+          </a:schemeClr>
+        </a:solidFill>
+        <a:ln w="15875" cap="rnd" cmpd="sng" algn="ctr">
+          <a:solidFill>
+            <a:schemeClr val="accent3">
+              <a:tint val="40000"/>
+              <a:alpha val="90000"/>
+              <a:hueOff val="0"/>
+              <a:satOff val="0"/>
+              <a:lumOff val="0"/>
+              <a:alphaOff val="0"/>
+            </a:schemeClr>
+          </a:solidFill>
+          <a:prstDash val="solid"/>
+        </a:ln>
+        <a:effectLst/>
+      </dsp:spPr>
+      <dsp:style>
+        <a:lnRef idx="2">
+          <a:scrgbClr r="0" g="0" b="0"/>
+        </a:lnRef>
+        <a:fillRef idx="1">
+          <a:scrgbClr r="0" g="0" b="0"/>
+        </a:fillRef>
+        <a:effectRef idx="0">
+          <a:scrgbClr r="0" g="0" b="0"/>
+        </a:effectRef>
+        <a:fontRef idx="minor"/>
+      </dsp:style>
+      <dsp:txBody>
+        <a:bodyPr spcFirstLastPara="0" vert="horz" wrap="square" lIns="13970" tIns="6985" rIns="0" bIns="6985" numCol="1" spcCol="1270" anchor="ctr" anchorCtr="0">
+          <a:noAutofit/>
+        </a:bodyPr>
+        <a:lstStyle/>
+        <a:p>
+          <a:pPr marL="0" lvl="0" indent="0" algn="ctr" defTabSz="488950">
+            <a:lnSpc>
+              <a:spcPct val="90000"/>
+            </a:lnSpc>
+            <a:spcBef>
+              <a:spcPct val="0"/>
+            </a:spcBef>
+            <a:spcAft>
+              <a:spcPct val="35000"/>
+            </a:spcAft>
+            <a:buNone/>
+          </a:pPr>
+          <a:r>
+            <a:rPr lang="es-CR" sz="1100" kern="1200" dirty="0"/>
+            <a:t>Prueba de diferentes algoritmos </a:t>
+          </a:r>
+        </a:p>
+      </dsp:txBody>
+      <dsp:txXfrm>
+        <a:off x="2819744" y="2233266"/>
+        <a:ext cx="1174004" cy="782669"/>
+      </dsp:txXfrm>
+    </dsp:sp>
+    <dsp:sp modelId="{36018777-06DF-4826-95A6-070ED4757696}">
+      <dsp:nvSpPr>
+        <dsp:cNvPr id="0" name=""/>
+        <dsp:cNvSpPr/>
+      </dsp:nvSpPr>
+      <dsp:spPr>
+        <a:xfrm>
+          <a:off x="4111148" y="2233266"/>
+          <a:ext cx="1956673" cy="782669"/>
+        </a:xfrm>
+        <a:prstGeom prst="chevron">
+          <a:avLst/>
+        </a:prstGeom>
+        <a:solidFill>
+          <a:schemeClr val="accent4">
+            <a:tint val="40000"/>
+            <a:alpha val="90000"/>
+            <a:hueOff val="0"/>
+            <a:satOff val="0"/>
+            <a:lumOff val="0"/>
+            <a:alphaOff val="0"/>
+          </a:schemeClr>
+        </a:solidFill>
+        <a:ln w="15875" cap="rnd" cmpd="sng" algn="ctr">
+          <a:solidFill>
+            <a:schemeClr val="accent4">
+              <a:tint val="40000"/>
+              <a:alpha val="90000"/>
+              <a:hueOff val="0"/>
+              <a:satOff val="0"/>
+              <a:lumOff val="0"/>
+              <a:alphaOff val="0"/>
+            </a:schemeClr>
+          </a:solidFill>
+          <a:prstDash val="solid"/>
+        </a:ln>
+        <a:effectLst/>
+      </dsp:spPr>
+      <dsp:style>
+        <a:lnRef idx="2">
+          <a:scrgbClr r="0" g="0" b="0"/>
+        </a:lnRef>
+        <a:fillRef idx="1">
+          <a:scrgbClr r="0" g="0" b="0"/>
+        </a:fillRef>
+        <a:effectRef idx="0">
+          <a:scrgbClr r="0" g="0" b="0"/>
+        </a:effectRef>
+        <a:fontRef idx="minor"/>
+      </dsp:style>
+      <dsp:txBody>
+        <a:bodyPr spcFirstLastPara="0" vert="horz" wrap="square" lIns="13970" tIns="6985" rIns="0" bIns="6985" numCol="1" spcCol="1270" anchor="ctr" anchorCtr="0">
+          <a:noAutofit/>
+        </a:bodyPr>
+        <a:lstStyle/>
+        <a:p>
+          <a:pPr marL="0" lvl="0" indent="0" algn="ctr" defTabSz="488950">
+            <a:lnSpc>
+              <a:spcPct val="90000"/>
+            </a:lnSpc>
+            <a:spcBef>
+              <a:spcPct val="0"/>
+            </a:spcBef>
+            <a:spcAft>
+              <a:spcPct val="35000"/>
+            </a:spcAft>
+            <a:buNone/>
+          </a:pPr>
+          <a:r>
+            <a:rPr lang="es-CR" sz="1100" kern="1200" dirty="0"/>
+            <a:t>Selección modelo con mejor predicción</a:t>
+          </a:r>
+        </a:p>
+      </dsp:txBody>
+      <dsp:txXfrm>
+        <a:off x="4502483" y="2233266"/>
+        <a:ext cx="1174004" cy="782669"/>
+      </dsp:txXfrm>
+    </dsp:sp>
+    <dsp:sp modelId="{7F7FBBB9-A800-4DAE-9692-D736F875CA45}">
+      <dsp:nvSpPr>
+        <dsp:cNvPr id="0" name=""/>
+        <dsp:cNvSpPr/>
+      </dsp:nvSpPr>
+      <dsp:spPr>
+        <a:xfrm>
+          <a:off x="5793887" y="2233266"/>
+          <a:ext cx="1956673" cy="782669"/>
+        </a:xfrm>
+        <a:prstGeom prst="chevron">
+          <a:avLst/>
+        </a:prstGeom>
+        <a:solidFill>
+          <a:schemeClr val="accent5">
+            <a:tint val="40000"/>
+            <a:alpha val="90000"/>
+            <a:hueOff val="0"/>
+            <a:satOff val="0"/>
+            <a:lumOff val="0"/>
+            <a:alphaOff val="0"/>
+          </a:schemeClr>
+        </a:solidFill>
+        <a:ln w="15875" cap="rnd" cmpd="sng" algn="ctr">
+          <a:solidFill>
+            <a:schemeClr val="accent5">
+              <a:tint val="40000"/>
+              <a:alpha val="90000"/>
+              <a:hueOff val="0"/>
+              <a:satOff val="0"/>
+              <a:lumOff val="0"/>
+              <a:alphaOff val="0"/>
+            </a:schemeClr>
+          </a:solidFill>
+          <a:prstDash val="solid"/>
+        </a:ln>
+        <a:effectLst/>
+      </dsp:spPr>
+      <dsp:style>
+        <a:lnRef idx="2">
+          <a:scrgbClr r="0" g="0" b="0"/>
+        </a:lnRef>
+        <a:fillRef idx="1">
+          <a:scrgbClr r="0" g="0" b="0"/>
+        </a:fillRef>
+        <a:effectRef idx="0">
+          <a:scrgbClr r="0" g="0" b="0"/>
+        </a:effectRef>
+        <a:fontRef idx="minor"/>
+      </dsp:style>
+      <dsp:txBody>
+        <a:bodyPr spcFirstLastPara="0" vert="horz" wrap="square" lIns="13970" tIns="6985" rIns="0" bIns="6985" numCol="1" spcCol="1270" anchor="ctr" anchorCtr="0">
+          <a:noAutofit/>
+        </a:bodyPr>
+        <a:lstStyle/>
+        <a:p>
+          <a:pPr marL="0" lvl="0" indent="0" algn="ctr" defTabSz="488950">
+            <a:lnSpc>
+              <a:spcPct val="90000"/>
+            </a:lnSpc>
+            <a:spcBef>
+              <a:spcPct val="0"/>
+            </a:spcBef>
+            <a:spcAft>
+              <a:spcPct val="35000"/>
+            </a:spcAft>
+            <a:buNone/>
+          </a:pPr>
+          <a:r>
+            <a:rPr lang="es-CR" sz="1100" kern="1200" dirty="0"/>
+            <a:t>Si no se logra un buen modelo se devuelve al punto anterior</a:t>
+          </a:r>
+        </a:p>
+      </dsp:txBody>
+      <dsp:txXfrm>
+        <a:off x="6185222" y="2233266"/>
+        <a:ext cx="1174004" cy="782669"/>
+      </dsp:txXfrm>
+    </dsp:sp>
+    <dsp:sp modelId="{5163C766-AD7C-44ED-BA02-DA049959BFC1}">
+      <dsp:nvSpPr>
+        <dsp:cNvPr id="0" name=""/>
+        <dsp:cNvSpPr/>
+      </dsp:nvSpPr>
+      <dsp:spPr>
+        <a:xfrm>
+          <a:off x="377439" y="3228105"/>
+          <a:ext cx="2357437" cy="942975"/>
+        </a:xfrm>
+        <a:prstGeom prst="chevron">
+          <a:avLst/>
+        </a:prstGeom>
+        <a:solidFill>
+          <a:schemeClr val="accent5">
+            <a:hueOff val="0"/>
+            <a:satOff val="0"/>
+            <a:lumOff val="0"/>
+            <a:alphaOff val="0"/>
+          </a:schemeClr>
+        </a:solidFill>
+        <a:ln w="15875" cap="rnd" cmpd="sng" algn="ctr">
+          <a:solidFill>
+            <a:schemeClr val="lt1">
+              <a:hueOff val="0"/>
+              <a:satOff val="0"/>
+              <a:lumOff val="0"/>
+              <a:alphaOff val="0"/>
+            </a:schemeClr>
+          </a:solidFill>
+          <a:prstDash val="solid"/>
+        </a:ln>
+        <a:effectLst/>
+      </dsp:spPr>
+      <dsp:style>
+        <a:lnRef idx="2">
+          <a:scrgbClr r="0" g="0" b="0"/>
+        </a:lnRef>
+        <a:fillRef idx="1">
+          <a:scrgbClr r="0" g="0" b="0"/>
+        </a:fillRef>
+        <a:effectRef idx="0">
+          <a:scrgbClr r="0" g="0" b="0"/>
+        </a:effectRef>
+        <a:fontRef idx="minor">
+          <a:schemeClr val="lt1"/>
+        </a:fontRef>
+      </dsp:style>
+      <dsp:txBody>
+        <a:bodyPr spcFirstLastPara="0" vert="horz" wrap="square" lIns="13970" tIns="6985" rIns="0" bIns="6985" numCol="1" spcCol="1270" anchor="ctr" anchorCtr="0">
+          <a:noAutofit/>
+        </a:bodyPr>
+        <a:lstStyle/>
+        <a:p>
+          <a:pPr marL="0" lvl="0" indent="0" algn="ctr" defTabSz="488950">
+            <a:lnSpc>
+              <a:spcPct val="90000"/>
+            </a:lnSpc>
+            <a:spcBef>
+              <a:spcPct val="0"/>
+            </a:spcBef>
+            <a:spcAft>
+              <a:spcPct val="35000"/>
+            </a:spcAft>
+            <a:buNone/>
+          </a:pPr>
+          <a:r>
+            <a:rPr lang="es-CR" sz="1100" kern="1200" dirty="0"/>
+            <a:t>Recomendaciones</a:t>
+          </a:r>
+        </a:p>
+      </dsp:txBody>
+      <dsp:txXfrm>
+        <a:off x="848927" y="3228105"/>
+        <a:ext cx="1414462" cy="942975"/>
+      </dsp:txXfrm>
+    </dsp:sp>
+    <dsp:sp modelId="{18C81BFA-919A-484A-BE71-8FB7DC12576F}">
+      <dsp:nvSpPr>
+        <dsp:cNvPr id="0" name=""/>
+        <dsp:cNvSpPr/>
+      </dsp:nvSpPr>
+      <dsp:spPr>
+        <a:xfrm>
+          <a:off x="2428409" y="3308257"/>
+          <a:ext cx="1956673" cy="782669"/>
+        </a:xfrm>
+        <a:prstGeom prst="chevron">
+          <a:avLst/>
+        </a:prstGeom>
+        <a:solidFill>
+          <a:schemeClr val="accent6">
+            <a:tint val="40000"/>
+            <a:alpha val="90000"/>
+            <a:hueOff val="0"/>
+            <a:satOff val="0"/>
+            <a:lumOff val="0"/>
+            <a:alphaOff val="0"/>
+          </a:schemeClr>
+        </a:solidFill>
+        <a:ln w="15875" cap="rnd" cmpd="sng" algn="ctr">
+          <a:solidFill>
+            <a:schemeClr val="accent6">
+              <a:tint val="40000"/>
+              <a:alpha val="90000"/>
+              <a:hueOff val="0"/>
+              <a:satOff val="0"/>
+              <a:lumOff val="0"/>
+              <a:alphaOff val="0"/>
+            </a:schemeClr>
+          </a:solidFill>
+          <a:prstDash val="solid"/>
+        </a:ln>
+        <a:effectLst/>
+      </dsp:spPr>
+      <dsp:style>
+        <a:lnRef idx="2">
+          <a:scrgbClr r="0" g="0" b="0"/>
+        </a:lnRef>
+        <a:fillRef idx="1">
+          <a:scrgbClr r="0" g="0" b="0"/>
+        </a:fillRef>
+        <a:effectRef idx="0">
+          <a:scrgbClr r="0" g="0" b="0"/>
+        </a:effectRef>
+        <a:fontRef idx="minor"/>
+      </dsp:style>
+      <dsp:txBody>
+        <a:bodyPr spcFirstLastPara="0" vert="horz" wrap="square" lIns="13970" tIns="6985" rIns="0" bIns="6985" numCol="1" spcCol="1270" anchor="ctr" anchorCtr="0">
+          <a:noAutofit/>
+        </a:bodyPr>
+        <a:lstStyle/>
+        <a:p>
+          <a:pPr marL="0" lvl="0" indent="0" algn="ctr" defTabSz="488950">
+            <a:lnSpc>
+              <a:spcPct val="90000"/>
+            </a:lnSpc>
+            <a:spcBef>
+              <a:spcPct val="0"/>
+            </a:spcBef>
+            <a:spcAft>
+              <a:spcPct val="35000"/>
+            </a:spcAft>
+            <a:buNone/>
+          </a:pPr>
+          <a:r>
+            <a:rPr lang="es-CR" sz="1100" kern="1200" dirty="0"/>
+            <a:t>Principales hallazgos</a:t>
+          </a:r>
+        </a:p>
+      </dsp:txBody>
+      <dsp:txXfrm>
+        <a:off x="2819744" y="3308257"/>
+        <a:ext cx="1174004" cy="782669"/>
+      </dsp:txXfrm>
+    </dsp:sp>
+    <dsp:sp modelId="{185241CE-41CC-4BA3-8C4B-BB7C980DBADE}">
+      <dsp:nvSpPr>
+        <dsp:cNvPr id="0" name=""/>
+        <dsp:cNvSpPr/>
+      </dsp:nvSpPr>
+      <dsp:spPr>
+        <a:xfrm>
+          <a:off x="4111148" y="3308257"/>
+          <a:ext cx="1956673" cy="782669"/>
+        </a:xfrm>
+        <a:prstGeom prst="chevron">
+          <a:avLst/>
+        </a:prstGeom>
+        <a:solidFill>
+          <a:schemeClr val="accent2">
+            <a:tint val="40000"/>
+            <a:alpha val="90000"/>
+            <a:hueOff val="0"/>
+            <a:satOff val="0"/>
+            <a:lumOff val="0"/>
+            <a:alphaOff val="0"/>
+          </a:schemeClr>
+        </a:solidFill>
+        <a:ln w="15875" cap="rnd" cmpd="sng" algn="ctr">
+          <a:solidFill>
+            <a:schemeClr val="accent2">
+              <a:tint val="40000"/>
+              <a:alpha val="90000"/>
+              <a:hueOff val="0"/>
+              <a:satOff val="0"/>
+              <a:lumOff val="0"/>
+              <a:alphaOff val="0"/>
+            </a:schemeClr>
+          </a:solidFill>
+          <a:prstDash val="solid"/>
+        </a:ln>
+        <a:effectLst/>
+      </dsp:spPr>
+      <dsp:style>
+        <a:lnRef idx="2">
+          <a:scrgbClr r="0" g="0" b="0"/>
+        </a:lnRef>
+        <a:fillRef idx="1">
+          <a:scrgbClr r="0" g="0" b="0"/>
+        </a:fillRef>
+        <a:effectRef idx="0">
+          <a:scrgbClr r="0" g="0" b="0"/>
+        </a:effectRef>
+        <a:fontRef idx="minor"/>
+      </dsp:style>
+      <dsp:txBody>
+        <a:bodyPr spcFirstLastPara="0" vert="horz" wrap="square" lIns="13970" tIns="6985" rIns="0" bIns="6985" numCol="1" spcCol="1270" anchor="ctr" anchorCtr="0">
+          <a:noAutofit/>
+        </a:bodyPr>
+        <a:lstStyle/>
+        <a:p>
+          <a:pPr marL="0" lvl="0" indent="0" algn="ctr" defTabSz="488950">
+            <a:lnSpc>
+              <a:spcPct val="90000"/>
+            </a:lnSpc>
+            <a:spcBef>
+              <a:spcPct val="0"/>
+            </a:spcBef>
+            <a:spcAft>
+              <a:spcPct val="35000"/>
+            </a:spcAft>
+            <a:buNone/>
+          </a:pPr>
+          <a:r>
+            <a:rPr lang="es-CR" sz="1100" kern="1200" dirty="0"/>
+            <a:t>Mejora en el modelo y características </a:t>
+          </a:r>
+        </a:p>
+      </dsp:txBody>
+      <dsp:txXfrm>
+        <a:off x="4502483" y="3308257"/>
+        <a:ext cx="1174004" cy="782669"/>
+      </dsp:txXfrm>
+    </dsp:sp>
+    <dsp:sp modelId="{325830F3-F685-4965-A453-167A10D5CA31}">
+      <dsp:nvSpPr>
+        <dsp:cNvPr id="0" name=""/>
+        <dsp:cNvSpPr/>
+      </dsp:nvSpPr>
+      <dsp:spPr>
+        <a:xfrm>
+          <a:off x="377439" y="4303096"/>
+          <a:ext cx="2357437" cy="942975"/>
+        </a:xfrm>
+        <a:prstGeom prst="chevron">
+          <a:avLst/>
+        </a:prstGeom>
+        <a:solidFill>
+          <a:schemeClr val="accent6">
+            <a:hueOff val="0"/>
+            <a:satOff val="0"/>
+            <a:lumOff val="0"/>
+            <a:alphaOff val="0"/>
+          </a:schemeClr>
+        </a:solidFill>
+        <a:ln w="15875" cap="rnd" cmpd="sng" algn="ctr">
+          <a:solidFill>
+            <a:schemeClr val="lt1">
+              <a:hueOff val="0"/>
+              <a:satOff val="0"/>
+              <a:lumOff val="0"/>
+              <a:alphaOff val="0"/>
+            </a:schemeClr>
+          </a:solidFill>
+          <a:prstDash val="solid"/>
+        </a:ln>
+        <a:effectLst/>
+      </dsp:spPr>
+      <dsp:style>
+        <a:lnRef idx="2">
+          <a:scrgbClr r="0" g="0" b="0"/>
+        </a:lnRef>
+        <a:fillRef idx="1">
+          <a:scrgbClr r="0" g="0" b="0"/>
+        </a:fillRef>
+        <a:effectRef idx="0">
+          <a:scrgbClr r="0" g="0" b="0"/>
+        </a:effectRef>
+        <a:fontRef idx="minor">
+          <a:schemeClr val="lt1"/>
+        </a:fontRef>
+      </dsp:style>
+      <dsp:txBody>
+        <a:bodyPr spcFirstLastPara="0" vert="horz" wrap="square" lIns="13970" tIns="6985" rIns="0" bIns="6985" numCol="1" spcCol="1270" anchor="ctr" anchorCtr="0">
+          <a:noAutofit/>
+        </a:bodyPr>
+        <a:lstStyle/>
+        <a:p>
+          <a:pPr marL="0" lvl="0" indent="0" algn="ctr" defTabSz="488950">
+            <a:lnSpc>
+              <a:spcPct val="90000"/>
+            </a:lnSpc>
+            <a:spcBef>
+              <a:spcPct val="0"/>
+            </a:spcBef>
+            <a:spcAft>
+              <a:spcPct val="35000"/>
+            </a:spcAft>
+            <a:buNone/>
+          </a:pPr>
+          <a:r>
+            <a:rPr lang="es-CR" sz="1100" kern="1200" dirty="0"/>
+            <a:t>Producción</a:t>
+          </a:r>
+        </a:p>
+      </dsp:txBody>
+      <dsp:txXfrm>
+        <a:off x="848927" y="4303096"/>
+        <a:ext cx="1414462" cy="942975"/>
+      </dsp:txXfrm>
+    </dsp:sp>
+    <dsp:sp modelId="{1A7F2373-F16C-45C7-8EC4-5EFAC7F9114B}">
+      <dsp:nvSpPr>
+        <dsp:cNvPr id="0" name=""/>
+        <dsp:cNvSpPr/>
+      </dsp:nvSpPr>
+      <dsp:spPr>
+        <a:xfrm>
+          <a:off x="2428409" y="4383249"/>
+          <a:ext cx="1956673" cy="782669"/>
+        </a:xfrm>
+        <a:prstGeom prst="chevron">
+          <a:avLst/>
+        </a:prstGeom>
+        <a:solidFill>
+          <a:schemeClr val="accent3">
+            <a:tint val="40000"/>
+            <a:alpha val="90000"/>
+            <a:hueOff val="0"/>
+            <a:satOff val="0"/>
+            <a:lumOff val="0"/>
+            <a:alphaOff val="0"/>
+          </a:schemeClr>
+        </a:solidFill>
+        <a:ln w="15875" cap="rnd" cmpd="sng" algn="ctr">
+          <a:solidFill>
+            <a:schemeClr val="accent3">
+              <a:tint val="40000"/>
+              <a:alpha val="90000"/>
+              <a:hueOff val="0"/>
+              <a:satOff val="0"/>
+              <a:lumOff val="0"/>
+              <a:alphaOff val="0"/>
+            </a:schemeClr>
+          </a:solidFill>
+          <a:prstDash val="solid"/>
+        </a:ln>
+        <a:effectLst/>
+      </dsp:spPr>
+      <dsp:style>
+        <a:lnRef idx="2">
+          <a:scrgbClr r="0" g="0" b="0"/>
+        </a:lnRef>
+        <a:fillRef idx="1">
+          <a:scrgbClr r="0" g="0" b="0"/>
+        </a:fillRef>
+        <a:effectRef idx="0">
+          <a:scrgbClr r="0" g="0" b="0"/>
+        </a:effectRef>
+        <a:fontRef idx="minor"/>
+      </dsp:style>
+      <dsp:txBody>
+        <a:bodyPr spcFirstLastPara="0" vert="horz" wrap="square" lIns="13970" tIns="6985" rIns="0" bIns="6985" numCol="1" spcCol="1270" anchor="ctr" anchorCtr="0">
+          <a:noAutofit/>
+        </a:bodyPr>
+        <a:lstStyle/>
+        <a:p>
+          <a:pPr marL="0" lvl="0" indent="0" algn="ctr" defTabSz="488950">
+            <a:lnSpc>
+              <a:spcPct val="90000"/>
+            </a:lnSpc>
+            <a:spcBef>
+              <a:spcPct val="0"/>
+            </a:spcBef>
+            <a:spcAft>
+              <a:spcPct val="35000"/>
+            </a:spcAft>
+            <a:buNone/>
+          </a:pPr>
+          <a:r>
+            <a:rPr lang="es-CR" sz="1100" kern="1200" dirty="0"/>
+            <a:t>Implementación de la solución</a:t>
+          </a:r>
+        </a:p>
+      </dsp:txBody>
+      <dsp:txXfrm>
+        <a:off x="2819744" y="4383249"/>
+        <a:ext cx="1174004" cy="782669"/>
+      </dsp:txXfrm>
+    </dsp:sp>
+  </dsp:spTree>
+</dsp:drawing>
+</file>
+
+<file path=ppt/diagrams/layout1.xml><?xml version="1.0" encoding="utf-8"?>
+<dgm:layoutDef xmlns:dgm="http://schemas.openxmlformats.org/drawingml/2006/diagram" xmlns:a="http://schemas.openxmlformats.org/drawingml/2006/main" uniqueId="urn:microsoft.com/office/officeart/2005/8/layout/lProcess3">
+  <dgm:title val=""/>
+  <dgm:desc val=""/>
+  <dgm:catLst>
+    <dgm:cat type="process" pri="11000"/>
+    <dgm:cat type="convert" pri="12000"/>
+  </dgm:catLst>
+  <dgm:sampData>
+    <dgm:dataModel>
+      <dgm:ptLst>
+        <dgm:pt modelId="0" type="doc"/>
+        <dgm:pt modelId="1">
+          <dgm:prSet phldr="1"/>
+        </dgm:pt>
+        <dgm:pt modelId="11">
+          <dgm:prSet phldr="1"/>
+        </dgm:pt>
+        <dgm:pt modelId="12">
+          <dgm:prSet phldr="1"/>
+        </dgm:pt>
+        <dgm:pt modelId="2">
+          <dgm:prSet phldr="1"/>
+        </dgm:pt>
+        <dgm:pt modelId="21">
+          <dgm:prSet phldr="1"/>
+        </dgm:pt>
+        <dgm:pt modelId="22">
+          <dgm:prSet phldr="1"/>
+        </dgm:pt>
+        <dgm:pt modelId="3">
+          <dgm:prSet phldr="1"/>
+        </dgm:pt>
+        <dgm:pt modelId="31">
+          <dgm:prSet phldr="1"/>
+        </dgm:pt>
+        <dgm:pt modelId="32">
+          <dgm:prSet phldr="1"/>
+        </dgm:pt>
+      </dgm:ptLst>
+      <dgm:cxnLst>
+        <dgm:cxn modelId="4" srcId="0" destId="1" srcOrd="0" destOrd="0"/>
+        <dgm:cxn modelId="5" srcId="0" destId="2" srcOrd="1" destOrd="0"/>
+        <dgm:cxn modelId="6" srcId="0" destId="3" srcOrd="2" destOrd="0"/>
+        <dgm:cxn modelId="41" srcId="1" destId="11" srcOrd="0" destOrd="0"/>
+        <dgm:cxn modelId="42" srcId="1" destId="12" srcOrd="1" destOrd="0"/>
+        <dgm:cxn modelId="51" srcId="2" destId="21" srcOrd="0" destOrd="0"/>
+        <dgm:cxn modelId="52" srcId="2" destId="22" srcOrd="1" destOrd="0"/>
+        <dgm:cxn modelId="61" srcId="3" destId="31" srcOrd="0" destOrd="0"/>
+        <dgm:cxn modelId="62" srcId="3" destId="32" srcOrd="1" destOrd="0"/>
+      </dgm:cxnLst>
+      <dgm:bg/>
+      <dgm:whole/>
+    </dgm:dataModel>
+  </dgm:sampData>
+  <dgm:styleData>
+    <dgm:dataModel>
+      <dgm:ptLst>
+        <dgm:pt modelId="0" type="doc"/>
+        <dgm:pt modelId="1"/>
+        <dgm:pt modelId="2"/>
+      </dgm:ptLst>
+      <dgm:cxnLst>
+        <dgm:cxn modelId="4" srcId="0" destId="1" srcOrd="0" destOrd="0"/>
+        <dgm:cxn modelId="5" srcId="1" destId="2" srcOrd="0" destOrd="0"/>
+      </dgm:cxnLst>
+      <dgm:bg/>
+      <dgm:whole/>
+    </dgm:dataModel>
+  </dgm:styleData>
+  <dgm:clrData>
+    <dgm:dataModel>
+      <dgm:ptLst>
+        <dgm:pt modelId="0" type="doc"/>
+        <dgm:pt modelId="1"/>
+        <dgm:pt modelId="11"/>
+        <dgm:pt modelId="2"/>
+        <dgm:pt modelId="21"/>
+        <dgm:pt modelId="3"/>
+        <dgm:pt modelId="31"/>
+        <dgm:pt modelId="4"/>
+        <dgm:pt modelId="41"/>
+      </dgm:ptLst>
+      <dgm:cxnLst>
+        <dgm:cxn modelId="5" srcId="0" destId="1" srcOrd="0" destOrd="0"/>
+        <dgm:cxn modelId="6" srcId="0" destId="2" srcOrd="1" destOrd="0"/>
+        <dgm:cxn modelId="7" srcId="0" destId="3" srcOrd="2" destOrd="0"/>
+        <dgm:cxn modelId="8" srcId="0" destId="4" srcOrd="3" destOrd="0"/>
+        <dgm:cxn modelId="51" srcId="1" destId="11" srcOrd="0" destOrd="0"/>
+        <dgm:cxn modelId="61" srcId="2" destId="21" srcOrd="0" destOrd="0"/>
+        <dgm:cxn modelId="71" srcId="3" destId="31" srcOrd="0" destOrd="0"/>
+        <dgm:cxn modelId="81" srcId="4" destId="41" srcOrd="0" destOrd="0"/>
+      </dgm:cxnLst>
+      <dgm:bg/>
+      <dgm:whole/>
+    </dgm:dataModel>
+  </dgm:clrData>
+  <dgm:layoutNode name="Name0">
+    <dgm:varLst>
+      <dgm:chPref val="3"/>
+      <dgm:dir/>
+      <dgm:animLvl val="lvl"/>
+      <dgm:resizeHandles/>
+    </dgm:varLst>
+    <dgm:choose name="Name1">
+      <dgm:if name="Name2" func="var" arg="dir" op="equ" val="norm">
+        <dgm:alg type="lin">
+          <dgm:param type="linDir" val="fromT"/>
+          <dgm:param type="vertAlign" val="mid"/>
+          <dgm:param type="nodeHorzAlign" val="l"/>
+          <dgm:param type="nodeVertAlign" val="t"/>
+          <dgm:param type="fallback" val="2D"/>
+        </dgm:alg>
+      </dgm:if>
+      <dgm:else name="Name3">
+        <dgm:alg type="lin">
+          <dgm:param type="linDir" val="fromT"/>
+          <dgm:param type="vertAlign" val="mid"/>
+          <dgm:param type="nodeHorzAlign" val="r"/>
+          <dgm:param type="nodeVertAlign" val="t"/>
+          <dgm:param type="fallback" val="2D"/>
+        </dgm:alg>
+      </dgm:else>
+    </dgm:choose>
+    <dgm:shape xmlns:r="http://schemas.openxmlformats.org/officeDocument/2006/relationships" r:blip="">
+      <dgm:adjLst/>
+    </dgm:shape>
+    <dgm:presOf/>
+    <dgm:constrLst>
+      <dgm:constr type="w" for="des" forName="bigChev" refType="w"/>
+      <dgm:constr type="h" for="des" forName="bigChev" refType="w" refFor="des" refForName="bigChev" op="equ" fact="0.4"/>
+      <dgm:constr type="w" for="des" forName="node" refType="w" refFor="des" refForName="bigChev" fact="0.83"/>
+      <dgm:constr type="h" for="des" forName="node" refType="w" refFor="des" refForName="node" op="equ" fact="0.4"/>
+      <dgm:constr type="w" for="des" forName="parTrans" refType="w" refFor="des" refForName="bigChev" op="equ" fact="-0.13"/>
+      <dgm:constr type="w" for="des" forName="sibTrans" refType="w" refFor="des" refForName="node" op="equ" fact="-0.14"/>
+      <dgm:constr type="h" for="ch" forName="vSp" refType="h" refFor="des" refForName="bigChev" op="equ" fact="0.14"/>
+      <dgm:constr type="primFontSz" for="des" forName="node" op="equ"/>
+      <dgm:constr type="primFontSz" for="des" forName="bigChev" op="equ"/>
+    </dgm:constrLst>
+    <dgm:ruleLst/>
+    <dgm:forEach name="Name4" axis="ch" ptType="node">
+      <dgm:layoutNode name="horFlow">
+        <dgm:choose name="Name5">
+          <dgm:if name="Name6" func="var" arg="dir" op="equ" val="norm">
+            <dgm:alg type="lin">
+              <dgm:param type="linDir" val="fromL"/>
+              <dgm:param type="nodeHorzAlign" val="l"/>
+              <dgm:param type="nodeVertAlign" val="mid"/>
+              <dgm:param type="fallback" val="2D"/>
+            </dgm:alg>
+          </dgm:if>
+          <dgm:else name="Name7">
+            <dgm:alg type="lin">
+              <dgm:param type="linDir" val="fromR"/>
+              <dgm:param type="nodeHorzAlign" val="r"/>
+              <dgm:param type="nodeVertAlign" val="mid"/>
+              <dgm:param type="fallback" val="2D"/>
+            </dgm:alg>
+          </dgm:else>
+        </dgm:choose>
+        <dgm:shape xmlns:r="http://schemas.openxmlformats.org/officeDocument/2006/relationships" r:blip="">
+          <dgm:adjLst/>
+        </dgm:shape>
+        <dgm:presOf/>
+        <dgm:constrLst/>
+        <dgm:ruleLst/>
+        <dgm:layoutNode name="bigChev" styleLbl="node1">
+          <dgm:alg type="tx"/>
+          <dgm:choose name="Name8">
+            <dgm:if name="Name9" func="var" arg="dir" op="equ" val="norm">
+              <dgm:shape xmlns:r="http://schemas.openxmlformats.org/officeDocument/2006/relationships" type="chevron" r:blip="">
+                <dgm:adjLst/>
+              </dgm:shape>
+              <dgm:presOf axis="self"/>
+              <dgm:constrLst>
+                <dgm:constr type="primFontSz" val="65"/>
+                <dgm:constr type="rMarg"/>
+                <dgm:constr type="lMarg" refType="primFontSz" fact="0.1"/>
+                <dgm:constr type="tMarg" refType="primFontSz" fact="0.05"/>
+                <dgm:constr type="bMarg" refType="primFontSz" fact="0.05"/>
+              </dgm:constrLst>
+            </dgm:if>
+            <dgm:else name="Name10">
+              <dgm:shape xmlns:r="http://schemas.openxmlformats.org/officeDocument/2006/relationships" rot="180" type="chevron" r:blip="">
+                <dgm:adjLst/>
+              </dgm:shape>
+              <dgm:presOf axis="self"/>
+              <dgm:constrLst>
+                <dgm:constr type="primFontSz" val="65"/>
+                <dgm:constr type="lMarg"/>
+                <dgm:constr type="rMarg" refType="primFontSz" fact="0.1"/>
+                <dgm:constr type="tMarg" refType="primFontSz" fact="0.05"/>
+                <dgm:constr type="bMarg" refType="primFontSz" fact="0.05"/>
+              </dgm:constrLst>
+            </dgm:else>
+          </dgm:choose>
+          <dgm:ruleLst>
+            <dgm:rule type="primFontSz" val="5" fact="NaN" max="NaN"/>
+          </dgm:ruleLst>
+        </dgm:layoutNode>
+        <dgm:forEach name="parTransForEach" axis="ch" ptType="parTrans" cnt="1">
+          <dgm:layoutNode name="parTrans">
+            <dgm:alg type="sp"/>
+            <dgm:shape xmlns:r="http://schemas.openxmlformats.org/officeDocument/2006/relationships" r:blip="">
+              <dgm:adjLst/>
+            </dgm:shape>
+            <dgm:presOf/>
+            <dgm:constrLst/>
+            <dgm:ruleLst/>
+          </dgm:layoutNode>
+        </dgm:forEach>
+        <dgm:forEach name="Name11" axis="ch" ptType="node">
+          <dgm:layoutNode name="node" styleLbl="alignAccFollowNode1">
+            <dgm:varLst>
+              <dgm:bulletEnabled val="1"/>
+            </dgm:varLst>
+            <dgm:alg type="tx"/>
+            <dgm:choose name="Name12">
+              <dgm:if name="Name13" func="var" arg="dir" op="equ" val="norm">
+                <dgm:shape xmlns:r="http://schemas.openxmlformats.org/officeDocument/2006/relationships" type="chevron" r:blip="">
+                  <dgm:adjLst/>
+                </dgm:shape>
+                <dgm:presOf axis="desOrSelf" ptType="node"/>
+                <dgm:constrLst>
+                  <dgm:constr type="primFontSz" val="65"/>
+                  <dgm:constr type="rMarg"/>
+                  <dgm:constr type="lMarg" refType="primFontSz" fact="0.1"/>
+                  <dgm:constr type="tMarg" refType="primFontSz" fact="0.05"/>
+                  <dgm:constr type="bMarg" refType="primFontSz" fact="0.05"/>
+                </dgm:constrLst>
+              </dgm:if>
+              <dgm:else name="Name14">
+                <dgm:shape xmlns:r="http://schemas.openxmlformats.org/officeDocument/2006/relationships" rot="180" type="chevron" r:blip="">
+                  <dgm:adjLst/>
+                </dgm:shape>
+                <dgm:presOf axis="desOrSelf" ptType="node"/>
+                <dgm:constrLst>
+                  <dgm:constr type="primFontSz" val="65"/>
+                  <dgm:constr type="lMarg"/>
+                  <dgm:constr type="rMarg" refType="primFontSz" fact="0.1"/>
+                  <dgm:constr type="tMarg" refType="primFontSz" fact="0.05"/>
+                  <dgm:constr type="bMarg" refType="primFontSz" fact="0.05"/>
+                </dgm:constrLst>
+              </dgm:else>
+            </dgm:choose>
+            <dgm:ruleLst>
+              <dgm:rule type="primFontSz" val="5" fact="NaN" max="NaN"/>
+            </dgm:ruleLst>
+          </dgm:layoutNode>
+          <dgm:forEach name="sibTransForEach" axis="followSib" ptType="sibTrans" cnt="1">
+            <dgm:layoutNode name="sibTrans">
+              <dgm:alg type="sp"/>
+              <dgm:shape xmlns:r="http://schemas.openxmlformats.org/officeDocument/2006/relationships" r:blip="">
+                <dgm:adjLst/>
+              </dgm:shape>
+              <dgm:presOf/>
+              <dgm:constrLst/>
+              <dgm:ruleLst/>
+            </dgm:layoutNode>
+          </dgm:forEach>
+        </dgm:forEach>
+      </dgm:layoutNode>
+      <dgm:choose name="Name15">
+        <dgm:if name="Name16" axis="self" ptType="node" func="revPos" op="gte" val="2">
+          <dgm:layoutNode name="vSp">
+            <dgm:alg type="sp"/>
+            <dgm:shape xmlns:r="http://schemas.openxmlformats.org/officeDocument/2006/relationships" r:blip="">
+              <dgm:adjLst/>
+            </dgm:shape>
+            <dgm:presOf/>
+            <dgm:constrLst/>
+            <dgm:ruleLst/>
+          </dgm:layoutNode>
+        </dgm:if>
+        <dgm:else name="Name17"/>
+      </dgm:choose>
+    </dgm:forEach>
+  </dgm:layoutNode>
+</dgm:layoutDef>
+</file>
+
+<file path=ppt/diagrams/quickStyle1.xml><?xml version="1.0" encoding="utf-8"?>
+<dgm:styleDef xmlns:dgm="http://schemas.openxmlformats.org/drawingml/2006/diagram" xmlns:a="http://schemas.openxmlformats.org/drawingml/2006/main" uniqueId="urn:microsoft.com/office/officeart/2005/8/quickstyle/simple1">
+  <dgm:title val=""/>
+  <dgm:desc val=""/>
+  <dgm:catLst>
+    <dgm:cat type="simple" pri="10100"/>
+  </dgm:catLst>
+  <dgm:scene3d>
+    <a:camera prst="orthographicFront"/>
+    <a:lightRig rig="threePt" dir="t"/>
+  </dgm:scene3d>
+  <dgm:styleLbl name="node0">
+    <dgm:scene3d>
+      <a:camera prst="orthographicFront"/>
+      <a:lightRig rig="threePt" dir="t"/>
+    </dgm:scene3d>
+    <dgm:sp3d/>
+    <dgm:txPr/>
+    <dgm:style>
+      <a:lnRef idx="2">
+        <a:scrgbClr r="0" g="0" b="0"/>
+      </a:lnRef>
+      <a:fillRef idx="1">
+        <a:scrgbClr r="0" g="0" b="0"/>
+      </a:fillRef>
+      <a:effectRef idx="0">
+        <a:scrgbClr r="0" g="0" b="0"/>
+      </a:effectRef>
+      <a:fontRef idx="minor">
+        <a:schemeClr val="lt1"/>
+      </a:fontRef>
+    </dgm:style>
+  </dgm:styleLbl>
+  <dgm:styleLbl name="lnNode1">
+    <dgm:scene3d>
+      <a:camera prst="orthographicFront"/>
+      <a:lightRig rig="threePt" dir="t"/>
+    </dgm:scene3d>
+    <dgm:sp3d/>
+    <dgm:txPr/>
+    <dgm:style>
+      <a:lnRef idx="2">
+        <a:scrgbClr r="0" g="0" b="0"/>
+      </a:lnRef>
+      <a:fillRef idx="1">
+        <a:scrgbClr r="0" g="0" b="0"/>
+      </a:fillRef>
+      <a:effectRef idx="0">
+        <a:scrgbClr r="0" g="0" b="0"/>
+      </a:effectRef>
+      <a:fontRef idx="minor">
+        <a:schemeClr val="lt1"/>
+      </a:fontRef>
+    </dgm:style>
+  </dgm:styleLbl>
+  <dgm:styleLbl name="vennNode1">
+    <dgm:scene3d>
+      <a:camera prst="orthographicFront"/>
+      <a:lightRig rig="threePt" dir="t"/>
+    </dgm:scene3d>
+    <dgm:sp3d/>
+    <dgm:txPr/>
+    <dgm:style>
+      <a:lnRef idx="2">
+        <a:scrgbClr r="0" g="0" b="0"/>
+      </a:lnRef>
+      <a:fillRef idx="1">
+        <a:scrgbClr r="0" g="0" b="0"/>
+      </a:fillRef>
+      <a:effectRef idx="0">
+        <a:scrgbClr r="0" g="0" b="0"/>
+      </a:effectRef>
+      <a:fontRef idx="minor">
+        <a:schemeClr val="tx1"/>
+      </a:fontRef>
+    </dgm:style>
+  </dgm:styleLbl>
+  <dgm:styleLbl name="alignNode1">
+    <dgm:scene3d>
+      <a:camera prst="orthographicFront"/>
+      <a:lightRig rig="threePt" dir="t"/>
+    </dgm:scene3d>
+    <dgm:sp3d/>
+    <dgm:txPr/>
+    <dgm:style>
+      <a:lnRef idx="2">
+        <a:scrgbClr r="0" g="0" b="0"/>
+      </a:lnRef>
+      <a:fillRef idx="1">
+        <a:scrgbClr r="0" g="0" b="0"/>
+      </a:fillRef>
+      <a:effectRef idx="0">
+        <a:scrgbClr r="0" g="0" b="0"/>
+      </a:effectRef>
+      <a:fontRef idx="minor">
+        <a:schemeClr val="lt1"/>
+      </a:fontRef>
+    </dgm:style>
+  </dgm:styleLbl>
+  <dgm:styleLbl name="node1">
+    <dgm:scene3d>
+      <a:camera prst="orthographicFront"/>
+      <a:lightRig rig="threePt" dir="t"/>
+    </dgm:scene3d>
+    <dgm:sp3d/>
+    <dgm:txPr/>
+    <dgm:style>
+      <a:lnRef idx="2">
+        <a:scrgbClr r="0" g="0" b="0"/>
+      </a:lnRef>
+      <a:fillRef idx="1">
+        <a:scrgbClr r="0" g="0" b="0"/>
+      </a:fillRef>
+      <a:effectRef idx="0">
+        <a:scrgbClr r="0" g="0" b="0"/>
+      </a:effectRef>
+      <a:fontRef idx="minor">
+        <a:schemeClr val="lt1"/>
+      </a:fontRef>
+    </dgm:style>
+  </dgm:styleLbl>
+  <dgm:styleLbl name="node2">
+    <dgm:scene3d>
+      <a:camera prst="orthographicFront"/>
+      <a:lightRig rig="threePt" dir="t"/>
+    </dgm:scene3d>
+    <dgm:sp3d/>
+    <dgm:txPr/>
+    <dgm:style>
+      <a:lnRef idx="2">
+        <a:scrgbClr r="0" g="0" b="0"/>
+      </a:lnRef>
+      <a:fillRef idx="1">
+        <a:scrgbClr r="0" g="0" b="0"/>
+      </a:fillRef>
+      <a:effectRef idx="0">
+        <a:scrgbClr r="0" g="0" b="0"/>
+      </a:effectRef>
+      <a:fontRef idx="minor">
+        <a:schemeClr val="lt1"/>
+      </a:fontRef>
+    </dgm:style>
+  </dgm:styleLbl>
+  <dgm:styleLbl name="node3">
+    <dgm:scene3d>
+      <a:camera prst="orthographicFront"/>
+      <a:lightRig rig="threePt" dir="t"/>
+    </dgm:scene3d>
+    <dgm:sp3d/>
+    <dgm:txPr/>
+    <dgm:style>
+      <a:lnRef idx="2">
+        <a:scrgbClr r="0" g="0" b="0"/>
+      </a:lnRef>
+      <a:fillRef idx="1">
+        <a:scrgbClr r="0" g="0" b="0"/>
+      </a:fillRef>
+      <a:effectRef idx="0">
+        <a:scrgbClr r="0" g="0" b="0"/>
+      </a:effectRef>
+      <a:fontRef idx="minor">
+        <a:schemeClr val="lt1"/>
+      </a:fontRef>
+    </dgm:style>
+  </dgm:styleLbl>
+  <dgm:styleLbl name="node4">
+    <dgm:scene3d>
+      <a:camera prst="orthographicFront"/>
+      <a:lightRig rig="threePt" dir="t"/>
+    </dgm:scene3d>
+    <dgm:sp3d/>
+    <dgm:txPr/>
+    <dgm:style>
+      <a:lnRef idx="2">
+        <a:scrgbClr r="0" g="0" b="0"/>
+      </a:lnRef>
+      <a:fillRef idx="1">
+        <a:scrgbClr r="0" g="0" b="0"/>
+      </a:fillRef>
+      <a:effectRef idx="0">
+        <a:scrgbClr r="0" g="0" b="0"/>
+      </a:effectRef>
+      <a:fontRef idx="minor">
+        <a:schemeClr val="lt1"/>
+      </a:fontRef>
+    </dgm:style>
+  </dgm:styleLbl>
+  <dgm:styleLbl name="fgImgPlace1">
+    <dgm:scene3d>
+      <a:camera prst="orthographicFront"/>
+      <a:lightRig rig="threePt" dir="t"/>
+    </dgm:scene3d>
+    <dgm:sp3d/>
+    <dgm:txPr/>
+    <dgm:style>
+      <a:lnRef idx="2">
+        <a:scrgbClr r="0" g="0" b="0"/>
+      </a:lnRef>
+      <a:fillRef idx="1">
+        <a:scrgbClr r="0" g="0" b="0"/>
+      </a:fillRef>
+      <a:effectRef idx="0">
+        <a:scrgbClr r="0" g="0" b="0"/>
+      </a:effectRef>
+      <a:fontRef idx="minor"/>
+    </dgm:style>
+  </dgm:styleLbl>
+  <dgm:styleLbl name="alignImgPlace1">
+    <dgm:scene3d>
+      <a:camera prst="orthographicFront"/>
+      <a:lightRig rig="threePt" dir="t"/>
+    </dgm:scene3d>
+    <dgm:sp3d/>
+    <dgm:txPr/>
+    <dgm:style>
+      <a:lnRef idx="2">
+        <a:scrgbClr r="0" g="0" b="0"/>
+      </a:lnRef>
+      <a:fillRef idx="1">
+        <a:scrgbClr r="0" g="0" b="0"/>
+      </a:fillRef>
+      <a:effectRef idx="0">
+        <a:scrgbClr r="0" g="0" b="0"/>
+      </a:effectRef>
+      <a:fontRef idx="minor"/>
+    </dgm:style>
+  </dgm:styleLbl>
+  <dgm:styleLbl name="bgImgPlace1">
+    <dgm:scene3d>
+      <a:camera prst="orthographicFront"/>
+      <a:lightRig rig="threePt" dir="t"/>
+    </dgm:scene3d>
+    <dgm:sp3d/>
+    <dgm:txPr/>
+    <dgm:style>
+      <a:lnRef idx="2">
+        <a:scrgbClr r="0" g="0" b="0"/>
+      </a:lnRef>
+      <a:fillRef idx="1">
+        <a:scrgbClr r="0" g="0" b="0"/>
+      </a:fillRef>
+      <a:effectRef idx="0">
+        <a:scrgbClr r="0" g="0" b="0"/>
+      </a:effectRef>
+      <a:fontRef idx="minor"/>
+    </dgm:style>
+  </dgm:styleLbl>
+  <dgm:styleLbl name="sibTrans2D1">
+    <dgm:scene3d>
+      <a:camera prst="orthographicFront"/>
+      <a:lightRig rig="threePt" dir="t"/>
+    </dgm:scene3d>
+    <dgm:sp3d/>
+    <dgm:txPr/>
+    <dgm:style>
+      <a:lnRef idx="0">
+        <a:scrgbClr r="0" g="0" b="0"/>
+      </a:lnRef>
+      <a:fillRef idx="1">
+        <a:scrgbClr r="0" g="0" b="0"/>
+      </a:fillRef>
+      <a:effectRef idx="0">
+        <a:scrgbClr r="0" g="0" b="0"/>
+      </a:effectRef>
+      <a:fontRef idx="minor">
+        <a:schemeClr val="lt1"/>
+      </a:fontRef>
+    </dgm:style>
+  </dgm:styleLbl>
+  <dgm:styleLbl name="fgSibTrans2D1">
+    <dgm:scene3d>
+      <a:camera prst="orthographicFront"/>
+      <a:lightRig rig="threePt" dir="t"/>
+    </dgm:scene3d>
+    <dgm:sp3d/>
+    <dgm:txPr/>
+    <dgm:style>
+      <a:lnRef idx="0">
+        <a:scrgbClr r="0" g="0" b="0"/>
+      </a:lnRef>
+      <a:fillRef idx="1">
+        <a:scrgbClr r="0" g="0" b="0"/>
+      </a:fillRef>
+      <a:effectRef idx="0">
+        <a:scrgbClr r="0" g="0" b="0"/>
+      </a:effectRef>
+      <a:fontRef idx="minor">
+        <a:schemeClr val="lt1"/>
+      </a:fontRef>
+    </dgm:style>
+  </dgm:styleLbl>
+  <dgm:styleLbl name="bgSibTrans2D1">
+    <dgm:scene3d>
+      <a:camera prst="orthographicFront"/>
+      <a:lightRig rig="threePt" dir="t"/>
+    </dgm:scene3d>
+    <dgm:sp3d/>
+    <dgm:txPr/>
+    <dgm:style>
+      <a:lnRef idx="0">
+        <a:scrgbClr r="0" g="0" b="0"/>
+      </a:lnRef>
+      <a:fillRef idx="1">
+        <a:scrgbClr r="0" g="0" b="0"/>
+      </a:fillRef>
+      <a:effectRef idx="0">
+        <a:scrgbClr r="0" g="0" b="0"/>
+      </a:effectRef>
+      <a:fontRef idx="minor">
+        <a:schemeClr val="lt1"/>
+      </a:fontRef>
+    </dgm:style>
+  </dgm:styleLbl>
+  <dgm:styleLbl name="sibTrans1D1">
+    <dgm:scene3d>
+      <a:camera prst="orthographicFront"/>
+      <a:lightRig rig="threePt" dir="t"/>
+    </dgm:scene3d>
+    <dgm:sp3d/>
+    <dgm:txPr/>
+    <dgm:style>
+      <a:lnRef idx="1">
+        <a:scrgbClr r="0" g="0" b="0"/>
+      </a:lnRef>
+      <a:fillRef idx="0">
+        <a:scrgbClr r="0" g="0" b="0"/>
+      </a:fillRef>
+      <a:effectRef idx="0">
+        <a:scrgbClr r="0" g="0" b="0"/>
+      </a:effectRef>
+      <a:fontRef idx="minor"/>
+    </dgm:style>
+  </dgm:styleLbl>
+  <dgm:styleLbl name="callout">
+    <dgm:scene3d>
+      <a:camera prst="orthographicFront"/>
+      <a:lightRig rig="threePt" dir="t"/>
+    </dgm:scene3d>
+    <dgm:sp3d/>
+    <dgm:txPr/>
+    <dgm:style>
+      <a:lnRef idx="2">
+        <a:scrgbClr r="0" g="0" b="0"/>
+      </a:lnRef>
+      <a:fillRef idx="1">
+        <a:scrgbClr r="0" g="0" b="0"/>
+      </a:fillRef>
+      <a:effectRef idx="0">
+        <a:scrgbClr r="0" g="0" b="0"/>
+      </a:effectRef>
+      <a:fontRef idx="minor"/>
+    </dgm:style>
+  </dgm:styleLbl>
+  <dgm:styleLbl name="asst0">
+    <dgm:scene3d>
+      <a:camera prst="orthographicFront"/>
+      <a:lightRig rig="threePt" dir="t"/>
+    </dgm:scene3d>
+    <dgm:sp3d/>
+    <dgm:txPr/>
+    <dgm:style>
+      <a:lnRef idx="2">
+        <a:scrgbClr r="0" g="0" b="0"/>
+      </a:lnRef>
+      <a:fillRef idx="1">
+        <a:scrgbClr r="0" g="0" b="0"/>
+      </a:fillRef>
+      <a:effectRef idx="0">
+        <a:scrgbClr r="0" g="0" b="0"/>
+      </a:effectRef>
+      <a:fontRef idx="minor">
+        <a:schemeClr val="lt1"/>
+      </a:fontRef>
+    </dgm:style>
+  </dgm:styleLbl>
+  <dgm:styleLbl name="asst1">
+    <dgm:scene3d>
+      <a:camera prst="orthographicFront"/>
+      <a:lightRig rig="threePt" dir="t"/>
+    </dgm:scene3d>
+    <dgm:sp3d/>
+    <dgm:txPr/>
+    <dgm:style>
+      <a:lnRef idx="2">
+        <a:scrgbClr r="0" g="0" b="0"/>
+      </a:lnRef>
+      <a:fillRef idx="1">
+        <a:scrgbClr r="0" g="0" b="0"/>
+      </a:fillRef>
+      <a:effectRef idx="0">
+        <a:scrgbClr r="0" g="0" b="0"/>
+      </a:effectRef>
+      <a:fontRef idx="minor">
+        <a:schemeClr val="lt1"/>
+      </a:fontRef>
+    </dgm:style>
+  </dgm:styleLbl>
+  <dgm:styleLbl name="asst2">
+    <dgm:scene3d>
+      <a:camera prst="orthographicFront"/>
+      <a:lightRig rig="threePt" dir="t"/>
+    </dgm:scene3d>
+    <dgm:sp3d/>
+    <dgm:txPr/>
+    <dgm:style>
+      <a:lnRef idx="2">
+        <a:scrgbClr r="0" g="0" b="0"/>
+      </a:lnRef>
+      <a:fillRef idx="1">
+        <a:scrgbClr r="0" g="0" b="0"/>
+      </a:fillRef>
+      <a:effectRef idx="0">
+        <a:scrgbClr r="0" g="0" b="0"/>
+      </a:effectRef>
+      <a:fontRef idx="minor">
+        <a:schemeClr val="lt1"/>
+      </a:fontRef>
+    </dgm:style>
+  </dgm:styleLbl>
+  <dgm:styleLbl name="asst3">
+    <dgm:scene3d>
+      <a:camera prst="orthographicFront"/>
+      <a:lightRig rig="threePt" dir="t"/>
+    </dgm:scene3d>
+    <dgm:sp3d/>
+    <dgm:txPr/>
+    <dgm:style>
+      <a:lnRef idx="2">
+        <a:scrgbClr r="0" g="0" b="0"/>
+      </a:lnRef>
+      <a:fillRef idx="1">
+        <a:scrgbClr r="0" g="0" b="0"/>
+      </a:fillRef>
+      <a:effectRef idx="0">
+        <a:scrgbClr r="0" g="0" b="0"/>
+      </a:effectRef>
+      <a:fontRef idx="minor">
+        <a:schemeClr val="lt1"/>
+      </a:fontRef>
+    </dgm:style>
+  </dgm:styleLbl>
+  <dgm:styleLbl name="asst4">
+    <dgm:scene3d>
+      <a:camera prst="orthographicFront"/>
+      <a:lightRig rig="threePt" dir="t"/>
+    </dgm:scene3d>
+    <dgm:sp3d/>
+    <dgm:txPr/>
+    <dgm:style>
+      <a:lnRef idx="2">
+        <a:scrgbClr r="0" g="0" b="0"/>
+      </a:lnRef>
+      <a:fillRef idx="1">
+        <a:scrgbClr r="0" g="0" b="0"/>
+      </a:fillRef>
+      <a:effectRef idx="0">
+        <a:scrgbClr r="0" g="0" b="0"/>
+      </a:effectRef>
+      <a:fontRef idx="minor">
+        <a:schemeClr val="lt1"/>
+      </a:fontRef>
+    </dgm:style>
+  </dgm:styleLbl>
+  <dgm:styleLbl name="parChTrans2D1">
+    <dgm:scene3d>
+      <a:camera prst="orthographicFront"/>
+      <a:lightRig rig="threePt" dir="t"/>
+    </dgm:scene3d>
+    <dgm:sp3d/>
+    <dgm:txPr/>
+    <dgm:style>
+      <a:lnRef idx="2">
+        <a:scrgbClr r="0" g="0" b="0"/>
+      </a:lnRef>
+      <a:fillRef idx="1">
+        <a:scrgbClr r="0" g="0" b="0"/>
+      </a:fillRef>
+      <a:effectRef idx="0">
+        <a:scrgbClr r="0" g="0" b="0"/>
+      </a:effectRef>
+      <a:fontRef idx="minor">
+        <a:schemeClr val="lt1"/>
+      </a:fontRef>
+    </dgm:style>
+  </dgm:styleLbl>
+  <dgm:styleLbl name="parChTrans2D2">
+    <dgm:scene3d>
+      <a:camera prst="orthographicFront"/>
+      <a:lightRig rig="threePt" dir="t"/>
+    </dgm:scene3d>
+    <dgm:sp3d/>
+    <dgm:txPr/>
+    <dgm:style>
+      <a:lnRef idx="2">
+        <a:scrgbClr r="0" g="0" b="0"/>
+      </a:lnRef>
+      <a:fillRef idx="1">
+        <a:scrgbClr r="0" g="0" b="0"/>
+      </a:fillRef>
+      <a:effectRef idx="0">
+        <a:scrgbClr r="0" g="0" b="0"/>
+      </a:effectRef>
+      <a:fontRef idx="minor">
+        <a:schemeClr val="lt1"/>
+      </a:fontRef>
+    </dgm:style>
+  </dgm:styleLbl>
+  <dgm:styleLbl name="parChTrans2D3">
+    <dgm:scene3d>
+      <a:camera prst="orthographicFront"/>
+      <a:lightRig rig="threePt" dir="t"/>
+    </dgm:scene3d>
+    <dgm:sp3d/>
+    <dgm:txPr/>
+    <dgm:style>
+      <a:lnRef idx="2">
+        <a:scrgbClr r="0" g="0" b="0"/>
+      </a:lnRef>
+      <a:fillRef idx="1">
+        <a:scrgbClr r="0" g="0" b="0"/>
+      </a:fillRef>
+      <a:effectRef idx="0">
+        <a:scrgbClr r="0" g="0" b="0"/>
+      </a:effectRef>
+      <a:fontRef idx="minor">
+        <a:schemeClr val="lt1"/>
+      </a:fontRef>
+    </dgm:style>
+  </dgm:styleLbl>
+  <dgm:styleLbl name="parChTrans2D4">
+    <dgm:scene3d>
+      <a:camera prst="orthographicFront"/>
+      <a:lightRig rig="threePt" dir="t"/>
+    </dgm:scene3d>
+    <dgm:sp3d/>
+    <dgm:txPr/>
+    <dgm:style>
+      <a:lnRef idx="2">
+        <a:scrgbClr r="0" g="0" b="0"/>
+      </a:lnRef>
+      <a:fillRef idx="1">
+        <a:scrgbClr r="0" g="0" b="0"/>
+      </a:fillRef>
+      <a:effectRef idx="0">
+        <a:scrgbClr r="0" g="0" b="0"/>
+      </a:effectRef>
+      <a:fontRef idx="minor">
+        <a:schemeClr val="lt1"/>
+      </a:fontRef>
+    </dgm:style>
+  </dgm:styleLbl>
+  <dgm:styleLbl name="parChTrans1D1">
+    <dgm:scene3d>
+      <a:camera prst="orthographicFront"/>
+      <a:lightRig rig="threePt" dir="t"/>
+    </dgm:scene3d>
+    <dgm:sp3d/>
+    <dgm:txPr/>
+    <dgm:style>
+      <a:lnRef idx="2">
+        <a:scrgbClr r="0" g="0" b="0"/>
+      </a:lnRef>
+      <a:fillRef idx="0">
+        <a:scrgbClr r="0" g="0" b="0"/>
+      </a:fillRef>
+      <a:effectRef idx="0">
+        <a:scrgbClr r="0" g="0" b="0"/>
+      </a:effectRef>
+      <a:fontRef idx="minor"/>
+    </dgm:style>
+  </dgm:styleLbl>
+  <dgm:styleLbl name="parChTrans1D2">
+    <dgm:scene3d>
+      <a:camera prst="orthographicFront"/>
+      <a:lightRig rig="threePt" dir="t"/>
+    </dgm:scene3d>
+    <dgm:sp3d/>
+    <dgm:txPr/>
+    <dgm:style>
+      <a:lnRef idx="2">
+        <a:scrgbClr r="0" g="0" b="0"/>
+      </a:lnRef>
+      <a:fillRef idx="0">
+        <a:scrgbClr r="0" g="0" b="0"/>
+      </a:fillRef>
+      <a:effectRef idx="0">
+        <a:scrgbClr r="0" g="0" b="0"/>
+      </a:effectRef>
+      <a:fontRef idx="minor"/>
+    </dgm:style>
+  </dgm:styleLbl>
+  <dgm:styleLbl name="parChTrans1D3">
+    <dgm:scene3d>
+      <a:camera prst="orthographicFront"/>
+      <a:lightRig rig="threePt" dir="t"/>
+    </dgm:scene3d>
+    <dgm:sp3d/>
+    <dgm:txPr/>
+    <dgm:style>
+      <a:lnRef idx="2">
+        <a:scrgbClr r="0" g="0" b="0"/>
+      </a:lnRef>
+      <a:fillRef idx="0">
+        <a:scrgbClr r="0" g="0" b="0"/>
+      </a:fillRef>
+      <a:effectRef idx="0">
+        <a:scrgbClr r="0" g="0" b="0"/>
+      </a:effectRef>
+      <a:fontRef idx="minor"/>
+    </dgm:style>
+  </dgm:styleLbl>
+  <dgm:styleLbl name="parChTrans1D4">
+    <dgm:scene3d>
+      <a:camera prst="orthographicFront"/>
+      <a:lightRig rig="threePt" dir="t"/>
+    </dgm:scene3d>
+    <dgm:sp3d/>
+    <dgm:txPr/>
+    <dgm:style>
+      <a:lnRef idx="2">
+        <a:scrgbClr r="0" g="0" b="0"/>
+      </a:lnRef>
+      <a:fillRef idx="0">
+        <a:scrgbClr r="0" g="0" b="0"/>
+      </a:fillRef>
+      <a:effectRef idx="0">
+        <a:scrgbClr r="0" g="0" b="0"/>
+      </a:effectRef>
+      <a:fontRef idx="minor"/>
+    </dgm:style>
+  </dgm:styleLbl>
+  <dgm:styleLbl name="fgAcc1">
+    <dgm:scene3d>
+      <a:camera prst="orthographicFront"/>
+      <a:lightRig rig="threePt" dir="t"/>
+    </dgm:scene3d>
+    <dgm:sp3d/>
+    <dgm:txPr/>
+    <dgm:style>
+      <a:lnRef idx="2">
+        <a:scrgbClr r="0" g="0" b="0"/>
+      </a:lnRef>
+      <a:fillRef idx="1">
+        <a:scrgbClr r="0" g="0" b="0"/>
+      </a:fillRef>
+      <a:effectRef idx="0">
+        <a:scrgbClr r="0" g="0" b="0"/>
+      </a:effectRef>
+      <a:fontRef idx="minor"/>
+    </dgm:style>
+  </dgm:styleLbl>
+  <dgm:styleLbl name="conFgAcc1">
+    <dgm:scene3d>
+      <a:camera prst="orthographicFront"/>
+      <a:lightRig rig="threePt" dir="t"/>
+    </dgm:scene3d>
+    <dgm:sp3d/>
+    <dgm:txPr/>
+    <dgm:style>
+      <a:lnRef idx="2">
+        <a:scrgbClr r="0" g="0" b="0"/>
+      </a:lnRef>
+      <a:fillRef idx="1">
+        <a:scrgbClr r="0" g="0" b="0"/>
+      </a:fillRef>
+      <a:effectRef idx="0">
+        <a:scrgbClr r="0" g="0" b="0"/>
+      </a:effectRef>
+      <a:fontRef idx="minor"/>
+    </dgm:style>
+  </dgm:styleLbl>
+  <dgm:styleLbl name="alignAcc1">
+    <dgm:scene3d>
+      <a:camera prst="orthographicFront"/>
+      <a:lightRig rig="threePt" dir="t"/>
+    </dgm:scene3d>
+    <dgm:sp3d/>
+    <dgm:txPr/>
+    <dgm:style>
+      <a:lnRef idx="2">
+        <a:scrgbClr r="0" g="0" b="0"/>
+      </a:lnRef>
+      <a:fillRef idx="1">
+        <a:scrgbClr r="0" g="0" b="0"/>
+      </a:fillRef>
+      <a:effectRef idx="0">
+        <a:scrgbClr r="0" g="0" b="0"/>
+      </a:effectRef>
+      <a:fontRef idx="minor"/>
+    </dgm:style>
+  </dgm:styleLbl>
+  <dgm:styleLbl name="trAlignAcc1">
+    <dgm:scene3d>
+      <a:camera prst="orthographicFront"/>
+      <a:lightRig rig="threePt" dir="t"/>
+    </dgm:scene3d>
+    <dgm:sp3d/>
+    <dgm:txPr/>
+    <dgm:style>
+      <a:lnRef idx="1">
+        <a:scrgbClr r="0" g="0" b="0"/>
+      </a:lnRef>
+      <a:fillRef idx="1">
+        <a:scrgbClr r="0" g="0" b="0"/>
+      </a:fillRef>
+      <a:effectRef idx="0">
+        <a:scrgbClr r="0" g="0" b="0"/>
+      </a:effectRef>
+      <a:fontRef idx="minor"/>
+    </dgm:style>
+  </dgm:styleLbl>
+  <dgm:styleLbl name="bgAcc1">
+    <dgm:scene3d>
+      <a:camera prst="orthographicFront"/>
+      <a:lightRig rig="threePt" dir="t"/>
+    </dgm:scene3d>
+    <dgm:sp3d/>
+    <dgm:txPr/>
+    <dgm:style>
+      <a:lnRef idx="2">
+        <a:scrgbClr r="0" g="0" b="0"/>
+      </a:lnRef>
+      <a:fillRef idx="1">
+        <a:scrgbClr r="0" g="0" b="0"/>
+      </a:fillRef>
+      <a:effectRef idx="0">
+        <a:scrgbClr r="0" g="0" b="0"/>
+      </a:effectRef>
+      <a:fontRef idx="minor"/>
+    </dgm:style>
+  </dgm:styleLbl>
+  <dgm:styleLbl name="solidFgAcc1">
+    <dgm:scene3d>
+      <a:camera prst="orthographicFront"/>
+      <a:lightRig rig="threePt" dir="t"/>
+    </dgm:scene3d>
+    <dgm:sp3d/>
+    <dgm:txPr/>
+    <dgm:style>
+      <a:lnRef idx="2">
+        <a:scrgbClr r="0" g="0" b="0"/>
+      </a:lnRef>
+      <a:fillRef idx="1">
+        <a:scrgbClr r="0" g="0" b="0"/>
+      </a:fillRef>
+      <a:effectRef idx="0">
+        <a:scrgbClr r="0" g="0" b="0"/>
+      </a:effectRef>
+      <a:fontRef idx="minor"/>
+    </dgm:style>
+  </dgm:styleLbl>
+  <dgm:styleLbl name="solidAlignAcc1">
+    <dgm:scene3d>
+      <a:camera prst="orthographicFront"/>
+      <a:lightRig rig="threePt" dir="t"/>
+    </dgm:scene3d>
+    <dgm:sp3d/>
+    <dgm:txPr/>
+    <dgm:style>
+      <a:lnRef idx="2">
+        <a:scrgbClr r="0" g="0" b="0"/>
+      </a:lnRef>
+      <a:fillRef idx="1">
+        <a:scrgbClr r="0" g="0" b="0"/>
+      </a:fillRef>
+      <a:effectRef idx="0">
+        <a:scrgbClr r="0" g="0" b="0"/>
+      </a:effectRef>
+      <a:fontRef idx="minor"/>
+    </dgm:style>
+  </dgm:styleLbl>
+  <dgm:styleLbl name="solidBgAcc1">
+    <dgm:scene3d>
+      <a:camera prst="orthographicFront"/>
+      <a:lightRig rig="threePt" dir="t"/>
+    </dgm:scene3d>
+    <dgm:sp3d/>
+    <dgm:txPr/>
+    <dgm:style>
+      <a:lnRef idx="2">
+        <a:scrgbClr r="0" g="0" b="0"/>
+      </a:lnRef>
+      <a:fillRef idx="1">
+        <a:scrgbClr r="0" g="0" b="0"/>
+      </a:fillRef>
+      <a:effectRef idx="0">
+        <a:scrgbClr r="0" g="0" b="0"/>
+      </a:effectRef>
+      <a:fontRef idx="minor"/>
+    </dgm:style>
+  </dgm:styleLbl>
+  <dgm:styleLbl name="fgAccFollowNode1">
+    <dgm:scene3d>
+      <a:camera prst="orthographicFront"/>
+      <a:lightRig rig="threePt" dir="t"/>
+    </dgm:scene3d>
+    <dgm:sp3d/>
+    <dgm:txPr/>
+    <dgm:style>
+      <a:lnRef idx="2">
+        <a:scrgbClr r="0" g="0" b="0"/>
+      </a:lnRef>
+      <a:fillRef idx="1">
+        <a:scrgbClr r="0" g="0" b="0"/>
+      </a:fillRef>
+      <a:effectRef idx="0">
+        <a:scrgbClr r="0" g="0" b="0"/>
+      </a:effectRef>
+      <a:fontRef idx="minor"/>
+    </dgm:style>
+  </dgm:styleLbl>
+  <dgm:styleLbl name="alignAccFollowNode1">
+    <dgm:scene3d>
+      <a:camera prst="orthographicFront"/>
+      <a:lightRig rig="threePt" dir="t"/>
+    </dgm:scene3d>
+    <dgm:sp3d/>
+    <dgm:txPr/>
+    <dgm:style>
+      <a:lnRef idx="2">
+        <a:scrgbClr r="0" g="0" b="0"/>
+      </a:lnRef>
+      <a:fillRef idx="1">
+        <a:scrgbClr r="0" g="0" b="0"/>
+      </a:fillRef>
+      <a:effectRef idx="0">
+        <a:scrgbClr r="0" g="0" b="0"/>
+      </a:effectRef>
+      <a:fontRef idx="minor"/>
+    </dgm:style>
+  </dgm:styleLbl>
+  <dgm:styleLbl name="bgAccFollowNode1">
+    <dgm:scene3d>
+      <a:camera prst="orthographicFront"/>
+      <a:lightRig rig="threePt" dir="t"/>
+    </dgm:scene3d>
+    <dgm:sp3d/>
+    <dgm:txPr/>
+    <dgm:style>
+      <a:lnRef idx="2">
+        <a:scrgbClr r="0" g="0" b="0"/>
+      </a:lnRef>
+      <a:fillRef idx="1">
+        <a:scrgbClr r="0" g="0" b="0"/>
+      </a:fillRef>
+      <a:effectRef idx="0">
+        <a:scrgbClr r="0" g="0" b="0"/>
+      </a:effectRef>
+      <a:fontRef idx="minor"/>
+    </dgm:style>
+  </dgm:styleLbl>
+  <dgm:styleLbl name="fgAcc0">
+    <dgm:scene3d>
+      <a:camera prst="orthographicFront"/>
+      <a:lightRig rig="threePt" dir="t"/>
+    </dgm:scene3d>
+    <dgm:sp3d/>
+    <dgm:txPr/>
+    <dgm:style>
+      <a:lnRef idx="2">
+        <a:scrgbClr r="0" g="0" b="0"/>
+      </a:lnRef>
+      <a:fillRef idx="1">
+        <a:scrgbClr r="0" g="0" b="0"/>
+      </a:fillRef>
+      <a:effectRef idx="0">
+        <a:scrgbClr r="0" g="0" b="0"/>
+      </a:effectRef>
+      <a:fontRef idx="minor"/>
+    </dgm:style>
+  </dgm:styleLbl>
+  <dgm:styleLbl name="fgAcc2">
+    <dgm:scene3d>
+      <a:camera prst="orthographicFront"/>
+      <a:lightRig rig="threePt" dir="t"/>
+    </dgm:scene3d>
+    <dgm:sp3d/>
+    <dgm:txPr/>
+    <dgm:style>
+      <a:lnRef idx="2">
+        <a:scrgbClr r="0" g="0" b="0"/>
+      </a:lnRef>
+      <a:fillRef idx="1">
+        <a:scrgbClr r="0" g="0" b="0"/>
+      </a:fillRef>
+      <a:effectRef idx="0">
+        <a:scrgbClr r="0" g="0" b="0"/>
+      </a:effectRef>
+      <a:fontRef idx="minor"/>
+    </dgm:style>
+  </dgm:styleLbl>
+  <dgm:styleLbl name="fgAcc3">
+    <dgm:scene3d>
+      <a:camera prst="orthographicFront"/>
+      <a:lightRig rig="threePt" dir="t"/>
+    </dgm:scene3d>
+    <dgm:sp3d/>
+    <dgm:txPr/>
+    <dgm:style>
+      <a:lnRef idx="2">
+        <a:scrgbClr r="0" g="0" b="0"/>
+      </a:lnRef>
+      <a:fillRef idx="1">
+        <a:scrgbClr r="0" g="0" b="0"/>
+      </a:fillRef>
+      <a:effectRef idx="0">
+        <a:scrgbClr r="0" g="0" b="0"/>
+      </a:effectRef>
+      <a:fontRef idx="minor"/>
+    </dgm:style>
+  </dgm:styleLbl>
+  <dgm:styleLbl name="fgAcc4">
+    <dgm:scene3d>
+      <a:camera prst="orthographicFront"/>
+      <a:lightRig rig="threePt" dir="t"/>
+    </dgm:scene3d>
+    <dgm:sp3d/>
+    <dgm:txPr/>
+    <dgm:style>
+      <a:lnRef idx="2">
+        <a:scrgbClr r="0" g="0" b="0"/>
+      </a:lnRef>
+      <a:fillRef idx="1">
+        <a:scrgbClr r="0" g="0" b="0"/>
+      </a:fillRef>
+      <a:effectRef idx="0">
+        <a:scrgbClr r="0" g="0" b="0"/>
+      </a:effectRef>
+      <a:fontRef idx="minor"/>
+    </dgm:style>
+  </dgm:styleLbl>
+  <dgm:styleLbl name="bgShp">
+    <dgm:scene3d>
+      <a:camera prst="orthographicFront"/>
+      <a:lightRig rig="threePt" dir="t"/>
+    </dgm:scene3d>
+    <dgm:sp3d/>
+    <dgm:txPr/>
+    <dgm:style>
+      <a:lnRef idx="0">
+        <a:scrgbClr r="0" g="0" b="0"/>
+      </a:lnRef>
+      <a:fillRef idx="1">
+        <a:scrgbClr r="0" g="0" b="0"/>
+      </a:fillRef>
+      <a:effectRef idx="0">
+        <a:scrgbClr r="0" g="0" b="0"/>
+      </a:effectRef>
+      <a:fontRef idx="minor"/>
+    </dgm:style>
+  </dgm:styleLbl>
+  <dgm:styleLbl name="dkBgShp">
+    <dgm:scene3d>
+      <a:camera prst="orthographicFront"/>
+      <a:lightRig rig="threePt" dir="t"/>
+    </dgm:scene3d>
+    <dgm:sp3d/>
+    <dgm:txPr/>
+    <dgm:style>
+      <a:lnRef idx="0">
+        <a:scrgbClr r="0" g="0" b="0"/>
+      </a:lnRef>
+      <a:fillRef idx="1">
+        <a:scrgbClr r="0" g="0" b="0"/>
+      </a:fillRef>
+      <a:effectRef idx="0">
+        <a:scrgbClr r="0" g="0" b="0"/>
+      </a:effectRef>
+      <a:fontRef idx="minor"/>
+    </dgm:style>
+  </dgm:styleLbl>
+  <dgm:styleLbl name="trBgShp">
+    <dgm:scene3d>
+      <a:camera prst="orthographicFront"/>
+      <a:lightRig rig="threePt" dir="t"/>
+    </dgm:scene3d>
+    <dgm:sp3d/>
+    <dgm:txPr/>
+    <dgm:style>
+      <a:lnRef idx="0">
+        <a:scrgbClr r="0" g="0" b="0"/>
+      </a:lnRef>
+      <a:fillRef idx="1">
+        <a:scrgbClr r="0" g="0" b="0"/>
+      </a:fillRef>
+      <a:effectRef idx="0">
+        <a:scrgbClr r="0" g="0" b="0"/>
+      </a:effectRef>
+      <a:fontRef idx="minor"/>
+    </dgm:style>
+  </dgm:styleLbl>
+  <dgm:styleLbl name="fgShp">
+    <dgm:scene3d>
+      <a:camera prst="orthographicFront"/>
+      <a:lightRig rig="threePt" dir="t"/>
+    </dgm:scene3d>
+    <dgm:sp3d/>
+    <dgm:txPr/>
+    <dgm:style>
+      <a:lnRef idx="2">
+        <a:scrgbClr r="0" g="0" b="0"/>
+      </a:lnRef>
+      <a:fillRef idx="1">
+        <a:scrgbClr r="0" g="0" b="0"/>
+      </a:fillRef>
+      <a:effectRef idx="0">
+        <a:scrgbClr r="0" g="0" b="0"/>
+      </a:effectRef>
+      <a:fontRef idx="minor"/>
+    </dgm:style>
+  </dgm:styleLbl>
+  <dgm:styleLbl name="revTx">
+    <dgm:scene3d>
+      <a:camera prst="orthographicFront"/>
+      <a:lightRig rig="threePt" dir="t"/>
+    </dgm:scene3d>
+    <dgm:sp3d/>
+    <dgm:txPr/>
+    <dgm:style>
+      <a:lnRef idx="0">
+        <a:scrgbClr r="0" g="0" b="0"/>
+      </a:lnRef>
+      <a:fillRef idx="0">
+        <a:scrgbClr r="0" g="0" b="0"/>
+      </a:fillRef>
+      <a:effectRef idx="0">
+        <a:scrgbClr r="0" g="0" b="0"/>
+      </a:effectRef>
+      <a:fontRef idx="minor"/>
+    </dgm:style>
+  </dgm:styleLbl>
+</dgm:styleDef>
 </file>
 
 <file path=ppt/slideLayouts/slideLayout1.xml><?xml version="1.0" encoding="utf-8"?>
@@ -310,7 +4819,7 @@
           <a:p>
             <a:fld id="{95488F8E-5553-4769-80E0-D53A30C4AA4E}" type="datetimeFigureOut">
               <a:rPr lang="es-CR" smtClean="0"/>
-              <a:t>4/9/2019</a:t>
+              <a:t>5/9/2019</a:t>
             </a:fld>
             <a:endParaRPr lang="es-CR"/>
           </a:p>
@@ -648,7 +5157,7 @@
           <a:p>
             <a:fld id="{95488F8E-5553-4769-80E0-D53A30C4AA4E}" type="datetimeFigureOut">
               <a:rPr lang="es-CR" smtClean="0"/>
-              <a:t>4/9/2019</a:t>
+              <a:t>5/9/2019</a:t>
             </a:fld>
             <a:endParaRPr lang="es-CR"/>
           </a:p>
@@ -1049,7 +5558,7 @@
           <a:p>
             <a:fld id="{95488F8E-5553-4769-80E0-D53A30C4AA4E}" type="datetimeFigureOut">
               <a:rPr lang="es-CR" smtClean="0"/>
-              <a:t>4/9/2019</a:t>
+              <a:t>5/9/2019</a:t>
             </a:fld>
             <a:endParaRPr lang="es-CR"/>
           </a:p>
@@ -1384,7 +5893,7 @@
           <a:p>
             <a:fld id="{95488F8E-5553-4769-80E0-D53A30C4AA4E}" type="datetimeFigureOut">
               <a:rPr lang="es-CR" smtClean="0"/>
-              <a:t>4/9/2019</a:t>
+              <a:t>5/9/2019</a:t>
             </a:fld>
             <a:endParaRPr lang="es-CR"/>
           </a:p>
@@ -1704,7 +6213,7 @@
           <a:p>
             <a:fld id="{95488F8E-5553-4769-80E0-D53A30C4AA4E}" type="datetimeFigureOut">
               <a:rPr lang="es-CR" smtClean="0"/>
-              <a:t>4/9/2019</a:t>
+              <a:t>5/9/2019</a:t>
             </a:fld>
             <a:endParaRPr lang="es-CR"/>
           </a:p>
@@ -2100,7 +6609,7 @@
           <a:p>
             <a:fld id="{95488F8E-5553-4769-80E0-D53A30C4AA4E}" type="datetimeFigureOut">
               <a:rPr lang="es-CR" smtClean="0"/>
-              <a:t>4/9/2019</a:t>
+              <a:t>5/9/2019</a:t>
             </a:fld>
             <a:endParaRPr lang="es-CR"/>
           </a:p>
@@ -2357,7 +6866,7 @@
           <a:p>
             <a:fld id="{95488F8E-5553-4769-80E0-D53A30C4AA4E}" type="datetimeFigureOut">
               <a:rPr lang="es-CR" smtClean="0"/>
-              <a:t>4/9/2019</a:t>
+              <a:t>5/9/2019</a:t>
             </a:fld>
             <a:endParaRPr lang="es-CR"/>
           </a:p>
@@ -2619,7 +7128,7 @@
           <a:p>
             <a:fld id="{95488F8E-5553-4769-80E0-D53A30C4AA4E}" type="datetimeFigureOut">
               <a:rPr lang="es-CR" smtClean="0"/>
-              <a:t>4/9/2019</a:t>
+              <a:t>5/9/2019</a:t>
             </a:fld>
             <a:endParaRPr lang="es-CR"/>
           </a:p>
@@ -2881,7 +7390,7 @@
           <a:p>
             <a:fld id="{95488F8E-5553-4769-80E0-D53A30C4AA4E}" type="datetimeFigureOut">
               <a:rPr lang="es-CR" smtClean="0"/>
-              <a:t>4/9/2019</a:t>
+              <a:t>5/9/2019</a:t>
             </a:fld>
             <a:endParaRPr lang="es-CR"/>
           </a:p>
@@ -3210,7 +7719,7 @@
           <a:p>
             <a:fld id="{95488F8E-5553-4769-80E0-D53A30C4AA4E}" type="datetimeFigureOut">
               <a:rPr lang="es-CR" smtClean="0"/>
-              <a:t>4/9/2019</a:t>
+              <a:t>5/9/2019</a:t>
             </a:fld>
             <a:endParaRPr lang="es-CR"/>
           </a:p>
@@ -3533,7 +8042,7 @@
           <a:p>
             <a:fld id="{95488F8E-5553-4769-80E0-D53A30C4AA4E}" type="datetimeFigureOut">
               <a:rPr lang="es-CR" smtClean="0"/>
-              <a:t>4/9/2019</a:t>
+              <a:t>5/9/2019</a:t>
             </a:fld>
             <a:endParaRPr lang="es-CR"/>
           </a:p>
@@ -3990,7 +8499,7 @@
           <a:p>
             <a:fld id="{95488F8E-5553-4769-80E0-D53A30C4AA4E}" type="datetimeFigureOut">
               <a:rPr lang="es-CR" smtClean="0"/>
-              <a:t>4/9/2019</a:t>
+              <a:t>5/9/2019</a:t>
             </a:fld>
             <a:endParaRPr lang="es-CR"/>
           </a:p>
@@ -4195,7 +8704,7 @@
           <a:p>
             <a:fld id="{95488F8E-5553-4769-80E0-D53A30C4AA4E}" type="datetimeFigureOut">
               <a:rPr lang="es-CR" smtClean="0"/>
-              <a:t>4/9/2019</a:t>
+              <a:t>5/9/2019</a:t>
             </a:fld>
             <a:endParaRPr lang="es-CR"/>
           </a:p>
@@ -4372,7 +8881,7 @@
           <a:p>
             <a:fld id="{95488F8E-5553-4769-80E0-D53A30C4AA4E}" type="datetimeFigureOut">
               <a:rPr lang="es-CR" smtClean="0"/>
-              <a:t>4/9/2019</a:t>
+              <a:t>5/9/2019</a:t>
             </a:fld>
             <a:endParaRPr lang="es-CR"/>
           </a:p>
@@ -4705,7 +9214,7 @@
           <a:p>
             <a:fld id="{95488F8E-5553-4769-80E0-D53A30C4AA4E}" type="datetimeFigureOut">
               <a:rPr lang="es-CR" smtClean="0"/>
-              <a:t>4/9/2019</a:t>
+              <a:t>5/9/2019</a:t>
             </a:fld>
             <a:endParaRPr lang="es-CR"/>
           </a:p>
@@ -5050,7 +9559,7 @@
           <a:p>
             <a:fld id="{95488F8E-5553-4769-80E0-D53A30C4AA4E}" type="datetimeFigureOut">
               <a:rPr lang="es-CR" smtClean="0"/>
-              <a:t>4/9/2019</a:t>
+              <a:t>5/9/2019</a:t>
             </a:fld>
             <a:endParaRPr lang="es-CR"/>
           </a:p>
@@ -7167,7 +11676,7 @@
           <a:p>
             <a:fld id="{95488F8E-5553-4769-80E0-D53A30C4AA4E}" type="datetimeFigureOut">
               <a:rPr lang="es-CR" smtClean="0"/>
-              <a:t>4/9/2019</a:t>
+              <a:t>5/9/2019</a:t>
             </a:fld>
             <a:endParaRPr lang="es-CR"/>
           </a:p>
@@ -7710,7 +12219,7 @@
           <a:p>
             <a:r>
               <a:rPr lang="en-US" dirty="0"/>
-              <a:t>IOT Analytics</a:t>
+              <a:t>Credit One</a:t>
             </a:r>
             <a:endParaRPr lang="es-CR" dirty="0"/>
           </a:p>
@@ -7745,7 +12254,7 @@
           <a:p>
             <a:r>
               <a:rPr lang="en-US" dirty="0"/>
-              <a:t>Junio-2019</a:t>
+              <a:t>Agosto-2019</a:t>
             </a:r>
             <a:endParaRPr lang="es-CR" dirty="0"/>
           </a:p>
@@ -7765,318 +12274,6 @@
 </file>
 
 <file path=ppt/slides/slide10.xml><?xml version="1.0" encoding="utf-8"?>
-<p:sld xmlns:a="http://schemas.openxmlformats.org/drawingml/2006/main" xmlns:r="http://schemas.openxmlformats.org/officeDocument/2006/relationships" xmlns:p="http://schemas.openxmlformats.org/presentationml/2006/main">
-  <p:cSld>
-    <p:spTree>
-      <p:nvGrpSpPr>
-        <p:cNvPr id="1" name=""/>
-        <p:cNvGrpSpPr/>
-        <p:nvPr/>
-      </p:nvGrpSpPr>
-      <p:grpSpPr>
-        <a:xfrm>
-          <a:off x="0" y="0"/>
-          <a:ext cx="0" cy="0"/>
-          <a:chOff x="0" y="0"/>
-          <a:chExt cx="0" cy="0"/>
-        </a:xfrm>
-      </p:grpSpPr>
-      <p:sp>
-        <p:nvSpPr>
-          <p:cNvPr id="2" name="Título 1">
-            <a:extLst>
-              <a:ext uri="{FF2B5EF4-FFF2-40B4-BE49-F238E27FC236}">
-                <a16:creationId xmlns:a16="http://schemas.microsoft.com/office/drawing/2014/main" id="{CB3667A2-9DF9-4A9A-B1A1-EB25627AC1ED}"/>
-              </a:ext>
-            </a:extLst>
-          </p:cNvPr>
-          <p:cNvSpPr>
-            <a:spLocks noGrp="1"/>
-          </p:cNvSpPr>
-          <p:nvPr>
-            <p:ph type="title"/>
-          </p:nvPr>
-        </p:nvSpPr>
-        <p:spPr>
-          <a:xfrm>
-            <a:off x="1669774" y="624110"/>
-            <a:ext cx="9965635" cy="1085420"/>
-          </a:xfrm>
-        </p:spPr>
-        <p:txBody>
-          <a:bodyPr>
-            <a:normAutofit/>
-          </a:bodyPr>
-          <a:lstStyle/>
-          <a:p>
-            <a:r>
-              <a:rPr lang="es-CR" dirty="0"/>
-              <a:t>Objetivo del estudio</a:t>
-            </a:r>
-          </a:p>
-        </p:txBody>
-      </p:sp>
-      <p:sp>
-        <p:nvSpPr>
-          <p:cNvPr id="22" name="Marcador de contenido 2">
-            <a:extLst>
-              <a:ext uri="{FF2B5EF4-FFF2-40B4-BE49-F238E27FC236}">
-                <a16:creationId xmlns:a16="http://schemas.microsoft.com/office/drawing/2014/main" id="{A165A40E-A80C-41F3-BEAC-B077E1C6957B}"/>
-              </a:ext>
-            </a:extLst>
-          </p:cNvPr>
-          <p:cNvSpPr>
-            <a:spLocks noGrp="1"/>
-          </p:cNvSpPr>
-          <p:nvPr>
-            <p:ph idx="1"/>
-          </p:nvPr>
-        </p:nvSpPr>
-        <p:spPr>
-          <a:xfrm>
-            <a:off x="1563757" y="1233080"/>
-            <a:ext cx="9621078" cy="3911042"/>
-          </a:xfrm>
-        </p:spPr>
-        <p:txBody>
-          <a:bodyPr>
-            <a:normAutofit fontScale="77500" lnSpcReduction="20000"/>
-          </a:bodyPr>
-          <a:lstStyle/>
-          <a:p>
-            <a:pPr marL="457200" lvl="1" indent="0" algn="just">
-              <a:buNone/>
-            </a:pPr>
-            <a:endParaRPr lang="es-CR" sz="3200" dirty="0"/>
-          </a:p>
-          <a:p>
-            <a:pPr algn="just"/>
-            <a:r>
-              <a:rPr lang="en-US" sz="2000" dirty="0"/>
-              <a:t>El </a:t>
-            </a:r>
-            <a:r>
-              <a:rPr lang="en-US" sz="2000" dirty="0" err="1"/>
-              <a:t>objetivo</a:t>
-            </a:r>
-            <a:r>
-              <a:rPr lang="en-US" sz="2000" dirty="0"/>
-              <a:t>  es </a:t>
-            </a:r>
-            <a:r>
-              <a:rPr lang="en-US" sz="2000" dirty="0" err="1"/>
-              <a:t>investigar</a:t>
-            </a:r>
-            <a:r>
-              <a:rPr lang="en-US" sz="2000" dirty="0"/>
-              <a:t> la </a:t>
-            </a:r>
-            <a:r>
-              <a:rPr lang="en-US" sz="2000" dirty="0" err="1"/>
-              <a:t>posibilidad</a:t>
-            </a:r>
-            <a:r>
-              <a:rPr lang="en-US" sz="2000" dirty="0"/>
-              <a:t> de </a:t>
-            </a:r>
-            <a:r>
-              <a:rPr lang="en-US" sz="2000" dirty="0" err="1"/>
-              <a:t>desarrollar</a:t>
-            </a:r>
-            <a:r>
-              <a:rPr lang="en-US" sz="2000" dirty="0"/>
-              <a:t> un Sistema para </a:t>
-            </a:r>
-            <a:r>
-              <a:rPr lang="en-US" sz="2000" dirty="0" err="1"/>
-              <a:t>determinar</a:t>
-            </a:r>
-            <a:r>
-              <a:rPr lang="en-US" sz="2000" dirty="0"/>
-              <a:t> la </a:t>
-            </a:r>
-            <a:r>
-              <a:rPr lang="en-US" sz="2000" dirty="0" err="1"/>
-              <a:t>posición</a:t>
-            </a:r>
-            <a:r>
-              <a:rPr lang="en-US" sz="2000" dirty="0"/>
-              <a:t> de una persona dentro de </a:t>
-            </a:r>
-            <a:r>
-              <a:rPr lang="en-US" sz="2000" dirty="0" err="1"/>
-              <a:t>espacios</a:t>
-            </a:r>
-            <a:r>
-              <a:rPr lang="en-US" sz="2000" dirty="0"/>
-              <a:t> </a:t>
-            </a:r>
-            <a:r>
-              <a:rPr lang="en-US" sz="2000" dirty="0" err="1"/>
-              <a:t>cerrados</a:t>
-            </a:r>
-            <a:r>
-              <a:rPr lang="en-US" sz="2000" dirty="0"/>
-              <a:t> </a:t>
-            </a:r>
-            <a:r>
-              <a:rPr lang="en-US" sz="2000" dirty="0" err="1"/>
-              <a:t>como</a:t>
-            </a:r>
-            <a:r>
-              <a:rPr lang="en-US" sz="2000" dirty="0"/>
-              <a:t> </a:t>
-            </a:r>
-            <a:r>
-              <a:rPr lang="en-US" sz="2000" dirty="0" err="1"/>
-              <a:t>edificios</a:t>
-            </a:r>
-            <a:r>
-              <a:rPr lang="en-US" sz="2000" dirty="0"/>
-              <a:t>, por medio de las </a:t>
-            </a:r>
-            <a:r>
-              <a:rPr lang="en-US" sz="2000" dirty="0" err="1"/>
-              <a:t>señales</a:t>
-            </a:r>
-            <a:r>
-              <a:rPr lang="en-US" sz="2000" dirty="0"/>
-              <a:t> </a:t>
-            </a:r>
-            <a:r>
-              <a:rPr lang="en-US" sz="2000" dirty="0" err="1"/>
-              <a:t>wifi</a:t>
-            </a:r>
-            <a:r>
-              <a:rPr lang="en-US" sz="2000" dirty="0"/>
-              <a:t> de las </a:t>
-            </a:r>
-            <a:r>
-              <a:rPr lang="en-US" sz="2000" dirty="0" err="1"/>
-              <a:t>construcciones</a:t>
-            </a:r>
-            <a:r>
-              <a:rPr lang="en-US" sz="2000" dirty="0"/>
-              <a:t>.</a:t>
-            </a:r>
-          </a:p>
-          <a:p>
-            <a:pPr lvl="1" algn="just"/>
-            <a:r>
-              <a:rPr lang="en-US" sz="1800" dirty="0" err="1"/>
-              <a:t>Esto</a:t>
-            </a:r>
-            <a:r>
-              <a:rPr lang="en-US" sz="1800" dirty="0"/>
-              <a:t> se </a:t>
-            </a:r>
-            <a:r>
-              <a:rPr lang="en-US" sz="1800" dirty="0" err="1"/>
-              <a:t>hará</a:t>
-            </a:r>
-            <a:r>
-              <a:rPr lang="en-US" sz="1800" dirty="0"/>
-              <a:t> por medio de </a:t>
-            </a:r>
-            <a:r>
-              <a:rPr lang="en-US" sz="1800" dirty="0" err="1"/>
-              <a:t>diversos</a:t>
-            </a:r>
-            <a:r>
-              <a:rPr lang="en-US" sz="1800" dirty="0"/>
-              <a:t> </a:t>
-            </a:r>
-            <a:r>
-              <a:rPr lang="en-US" sz="1800" dirty="0" err="1"/>
-              <a:t>modelos</a:t>
-            </a:r>
-            <a:r>
-              <a:rPr lang="en-US" sz="1800" dirty="0"/>
-              <a:t> de machine learning que </a:t>
-            </a:r>
-            <a:r>
-              <a:rPr lang="en-US" sz="1800" dirty="0" err="1"/>
-              <a:t>logren</a:t>
-            </a:r>
-            <a:r>
-              <a:rPr lang="en-US" sz="1800" dirty="0"/>
-              <a:t> la mayor </a:t>
-            </a:r>
-            <a:r>
-              <a:rPr lang="en-US" sz="1800" dirty="0" err="1"/>
-              <a:t>precisión</a:t>
-            </a:r>
-            <a:r>
-              <a:rPr lang="en-US" sz="1800" dirty="0"/>
-              <a:t>.</a:t>
-            </a:r>
-          </a:p>
-          <a:p>
-            <a:r>
-              <a:rPr lang="en-US" dirty="0"/>
-              <a:t>A written statement of the goal(s)</a:t>
-            </a:r>
-          </a:p>
-          <a:p>
-            <a:r>
-              <a:rPr lang="en-US" dirty="0"/>
-              <a:t>A well-defined data science process framework and the reasons you are proposing it</a:t>
-            </a:r>
-          </a:p>
-          <a:p>
-            <a:r>
-              <a:rPr lang="en-US" dirty="0"/>
-              <a:t>Descriptions and location of related data sources</a:t>
-            </a:r>
-          </a:p>
-          <a:p>
-            <a:r>
-              <a:rPr lang="en-US" dirty="0"/>
-              <a:t>An explanation of how you will manage the data for the project</a:t>
-            </a:r>
-          </a:p>
-          <a:p>
-            <a:r>
-              <a:rPr lang="en-US" dirty="0"/>
-              <a:t>Any known issues with the data and how you plan to address them</a:t>
-            </a:r>
-          </a:p>
-          <a:p>
-            <a:r>
-              <a:rPr lang="en-US" dirty="0"/>
-              <a:t>A flowchart visualizing the detailed process you will follow, annotated with any potential pitfalls you’ve identified and your proposed solutions to such pitfalls.</a:t>
-            </a:r>
-          </a:p>
-          <a:p>
-            <a:r>
-              <a:rPr lang="en-US" dirty="0"/>
-              <a:t>Any initial insights you can glean from your quick look at the data. (Recall that you were previously ask to recommend three management-level decisions on the basis of your initial analysis.)</a:t>
-            </a:r>
-          </a:p>
-          <a:p>
-            <a:pPr lvl="1" algn="just"/>
-            <a:endParaRPr lang="en-US" sz="1800" dirty="0"/>
-          </a:p>
-          <a:p>
-            <a:pPr lvl="1" algn="just"/>
-            <a:endParaRPr lang="en-US" sz="1800" dirty="0"/>
-          </a:p>
-        </p:txBody>
-      </p:sp>
-    </p:spTree>
-    <p:extLst>
-      <p:ext uri="{BB962C8B-B14F-4D97-AF65-F5344CB8AC3E}">
-        <p14:creationId xmlns:p14="http://schemas.microsoft.com/office/powerpoint/2010/main" val="3963409203"/>
-      </p:ext>
-    </p:extLst>
-  </p:cSld>
-  <p:clrMapOvr>
-    <a:masterClrMapping/>
-  </p:clrMapOvr>
-</p:sld>
-</file>
-
-<file path=ppt/slides/slide11.xml><?xml version="1.0" encoding="utf-8"?>
 <p:sld xmlns:a="http://schemas.openxmlformats.org/drawingml/2006/main" xmlns:r="http://schemas.openxmlformats.org/officeDocument/2006/relationships" xmlns:p="http://schemas.openxmlformats.org/presentationml/2006/main">
   <p:cSld>
     <p:spTree>
@@ -8358,7 +12555,7 @@
         <p:spPr>
           <a:xfrm>
             <a:off x="1563757" y="1233080"/>
-            <a:ext cx="9621078" cy="3911042"/>
+            <a:ext cx="8343641" cy="3911042"/>
           </a:xfrm>
         </p:spPr>
         <p:txBody>
@@ -8375,20 +12572,8 @@
           <a:p>
             <a:pPr algn="just"/>
             <a:r>
-              <a:rPr lang="en-US" sz="2000" dirty="0"/>
-              <a:t>El </a:t>
-            </a:r>
-            <a:r>
               <a:rPr lang="en-US" sz="2000" dirty="0" err="1"/>
-              <a:t>objetivo</a:t>
-            </a:r>
-            <a:r>
-              <a:rPr lang="en-US" sz="2000" dirty="0"/>
-              <a:t>  es </a:t>
-            </a:r>
-            <a:r>
-              <a:rPr lang="en-US" sz="2000" dirty="0" err="1"/>
-              <a:t>investigar</a:t>
+              <a:t>Mejorar</a:t>
             </a:r>
             <a:r>
               <a:rPr lang="en-US" sz="2000" dirty="0"/>
@@ -8396,7 +12581,15 @@
             </a:r>
             <a:r>
               <a:rPr lang="en-US" sz="2000" dirty="0" err="1"/>
-              <a:t>posibilidad</a:t>
+              <a:t>predicción</a:t>
+            </a:r>
+            <a:r>
+              <a:rPr lang="en-US" sz="2000" dirty="0"/>
+              <a:t> de default de los </a:t>
+            </a:r>
+            <a:r>
+              <a:rPr lang="en-US" sz="2000" dirty="0" err="1"/>
+              <a:t>modelos</a:t>
             </a:r>
             <a:r>
               <a:rPr lang="en-US" sz="2000" dirty="0"/>
@@ -8404,71 +12597,31 @@
             </a:r>
             <a:r>
               <a:rPr lang="en-US" sz="2000" dirty="0" err="1"/>
-              <a:t>desarrollar</a:t>
+              <a:t>crédito</a:t>
             </a:r>
             <a:r>
               <a:rPr lang="en-US" sz="2000" dirty="0"/>
-              <a:t> un Sistema para </a:t>
+              <a:t> que se </a:t>
             </a:r>
             <a:r>
               <a:rPr lang="en-US" sz="2000" dirty="0" err="1"/>
-              <a:t>determinar</a:t>
+              <a:t>ofrecen</a:t>
             </a:r>
             <a:r>
               <a:rPr lang="en-US" sz="2000" dirty="0"/>
-              <a:t> la </a:t>
+              <a:t> a las </a:t>
             </a:r>
             <a:r>
               <a:rPr lang="en-US" sz="2000" dirty="0" err="1"/>
-              <a:t>posición</a:t>
+              <a:t>empresas</a:t>
             </a:r>
             <a:r>
               <a:rPr lang="en-US" sz="2000" dirty="0"/>
-              <a:t> de una persona dentro de </a:t>
+              <a:t> para la </a:t>
             </a:r>
             <a:r>
               <a:rPr lang="en-US" sz="2000" dirty="0" err="1"/>
-              <a:t>espacios</a:t>
-            </a:r>
-            <a:r>
-              <a:rPr lang="en-US" sz="2000" dirty="0"/>
-              <a:t> </a:t>
-            </a:r>
-            <a:r>
-              <a:rPr lang="en-US" sz="2000" dirty="0" err="1"/>
-              <a:t>cerrados</a:t>
-            </a:r>
-            <a:r>
-              <a:rPr lang="en-US" sz="2000" dirty="0"/>
-              <a:t> </a:t>
-            </a:r>
-            <a:r>
-              <a:rPr lang="en-US" sz="2000" dirty="0" err="1"/>
-              <a:t>como</a:t>
-            </a:r>
-            <a:r>
-              <a:rPr lang="en-US" sz="2000" dirty="0"/>
-              <a:t> </a:t>
-            </a:r>
-            <a:r>
-              <a:rPr lang="en-US" sz="2000" dirty="0" err="1"/>
-              <a:t>edificios</a:t>
-            </a:r>
-            <a:r>
-              <a:rPr lang="en-US" sz="2000" dirty="0"/>
-              <a:t>, por medio de las </a:t>
-            </a:r>
-            <a:r>
-              <a:rPr lang="en-US" sz="2000" dirty="0" err="1"/>
-              <a:t>señales</a:t>
-            </a:r>
-            <a:r>
-              <a:rPr lang="en-US" sz="2000" dirty="0"/>
-              <a:t> </a:t>
-            </a:r>
-            <a:r>
-              <a:rPr lang="en-US" sz="2000" dirty="0" err="1"/>
-              <a:t>wifi</a:t>
+              <a:t>originación</a:t>
             </a:r>
             <a:r>
               <a:rPr lang="en-US" sz="2000" dirty="0"/>
@@ -8476,7 +12629,7 @@
             </a:r>
             <a:r>
               <a:rPr lang="en-US" sz="2000" dirty="0" err="1"/>
-              <a:t>construcciones</a:t>
+              <a:t>cuentas</a:t>
             </a:r>
             <a:r>
               <a:rPr lang="en-US" sz="2000" dirty="0"/>
@@ -8484,58 +12637,9 @@
             </a:r>
           </a:p>
           <a:p>
-            <a:pPr lvl="1" algn="just"/>
-            <a:r>
-              <a:rPr lang="en-US" sz="1800" dirty="0" err="1"/>
-              <a:t>Esto</a:t>
-            </a:r>
-            <a:r>
-              <a:rPr lang="en-US" sz="1800" dirty="0"/>
-              <a:t> se </a:t>
-            </a:r>
-            <a:r>
-              <a:rPr lang="en-US" sz="1800" dirty="0" err="1"/>
-              <a:t>hará</a:t>
-            </a:r>
-            <a:r>
-              <a:rPr lang="en-US" sz="1800" dirty="0"/>
-              <a:t> por medio de </a:t>
-            </a:r>
-            <a:r>
-              <a:rPr lang="en-US" sz="1800" dirty="0" err="1"/>
-              <a:t>diversos</a:t>
-            </a:r>
-            <a:r>
-              <a:rPr lang="en-US" sz="1800" dirty="0"/>
-              <a:t> </a:t>
-            </a:r>
-            <a:r>
-              <a:rPr lang="en-US" sz="1800" dirty="0" err="1"/>
-              <a:t>modelos</a:t>
-            </a:r>
-            <a:r>
-              <a:rPr lang="en-US" sz="1800" dirty="0"/>
-              <a:t> de machine learning que </a:t>
-            </a:r>
-            <a:r>
-              <a:rPr lang="en-US" sz="1800" dirty="0" err="1"/>
-              <a:t>logren</a:t>
-            </a:r>
-            <a:r>
-              <a:rPr lang="en-US" sz="1800" dirty="0"/>
-              <a:t> la mayor </a:t>
-            </a:r>
-            <a:r>
-              <a:rPr lang="en-US" sz="1800" dirty="0" err="1"/>
-              <a:t>precisión</a:t>
-            </a:r>
-            <a:r>
-              <a:rPr lang="en-US" sz="1800" dirty="0"/>
-              <a:t>.</a:t>
-            </a:r>
-          </a:p>
-          <a:p>
-            <a:pPr lvl="1" algn="just"/>
+            <a:pPr marL="457200" lvl="1" indent="0" algn="just">
+              <a:buNone/>
+            </a:pPr>
             <a:endParaRPr lang="en-US" sz="1800" dirty="0"/>
           </a:p>
         </p:txBody>
@@ -8588,8 +12692,8 @@
         </p:nvSpPr>
         <p:spPr>
           <a:xfrm>
-            <a:off x="1669774" y="624110"/>
-            <a:ext cx="9965635" cy="1085420"/>
+            <a:off x="1669774" y="296939"/>
+            <a:ext cx="9965635" cy="676184"/>
           </a:xfrm>
         </p:spPr>
         <p:txBody>
@@ -8628,13 +12732,13 @@
         </p:nvSpPr>
         <p:spPr>
           <a:xfrm>
-            <a:off x="1563757" y="1233080"/>
-            <a:ext cx="9621078" cy="3911042"/>
+            <a:off x="1563757" y="654237"/>
+            <a:ext cx="9621078" cy="5620727"/>
           </a:xfrm>
         </p:spPr>
         <p:txBody>
           <a:bodyPr>
-            <a:normAutofit/>
+            <a:normAutofit fontScale="85000" lnSpcReduction="20000"/>
           </a:bodyPr>
           <a:lstStyle/>
           <a:p>
@@ -8644,121 +12748,60 @@
             <a:endParaRPr lang="es-CR" sz="3200" dirty="0"/>
           </a:p>
           <a:p>
-            <a:pPr algn="just"/>
-            <a:r>
-              <a:rPr lang="en-US" sz="2000" dirty="0"/>
-              <a:t>El </a:t>
-            </a:r>
-            <a:r>
-              <a:rPr lang="en-US" sz="2000" dirty="0" err="1"/>
-              <a:t>objetivo</a:t>
-            </a:r>
-            <a:r>
-              <a:rPr lang="en-US" sz="2000" dirty="0"/>
-              <a:t>  es </a:t>
-            </a:r>
-            <a:r>
-              <a:rPr lang="en-US" sz="2000" dirty="0" err="1"/>
-              <a:t>investigar</a:t>
-            </a:r>
-            <a:r>
-              <a:rPr lang="en-US" sz="2000" dirty="0"/>
+            <a:pPr marL="0" indent="0" algn="just">
+              <a:buNone/>
+            </a:pPr>
+            <a:r>
+              <a:rPr lang="en-US" sz="1800" dirty="0"/>
+              <a:t>Para </a:t>
+            </a:r>
+            <a:r>
+              <a:rPr lang="en-US" sz="1800" dirty="0" err="1"/>
+              <a:t>este</a:t>
+            </a:r>
+            <a:r>
+              <a:rPr lang="en-US" sz="1800" dirty="0"/>
+              <a:t> Proyecto se </a:t>
+            </a:r>
+            <a:r>
+              <a:rPr lang="en-US" sz="1800" dirty="0" err="1"/>
+              <a:t>va</a:t>
+            </a:r>
+            <a:r>
+              <a:rPr lang="en-US" sz="1800" dirty="0"/>
+              <a:t> a </a:t>
+            </a:r>
+            <a:r>
+              <a:rPr lang="en-US" sz="1800" dirty="0" err="1"/>
+              <a:t>utlizar</a:t>
+            </a:r>
+            <a:r>
+              <a:rPr lang="en-US" sz="1800" dirty="0"/>
               <a:t> la </a:t>
             </a:r>
             <a:r>
-              <a:rPr lang="en-US" sz="2000" dirty="0" err="1"/>
-              <a:t>posibilidad</a:t>
-            </a:r>
-            <a:r>
-              <a:rPr lang="en-US" sz="2000" dirty="0"/>
-              <a:t> de </a:t>
-            </a:r>
-            <a:r>
-              <a:rPr lang="en-US" sz="2000" dirty="0" err="1"/>
-              <a:t>desarrollar</a:t>
-            </a:r>
-            <a:r>
-              <a:rPr lang="en-US" sz="2000" dirty="0"/>
-              <a:t> un Sistema para </a:t>
-            </a:r>
-            <a:r>
-              <a:rPr lang="en-US" sz="2000" dirty="0" err="1"/>
-              <a:t>determinar</a:t>
-            </a:r>
-            <a:r>
-              <a:rPr lang="en-US" sz="2000" dirty="0"/>
-              <a:t> la </a:t>
-            </a:r>
-            <a:r>
-              <a:rPr lang="en-US" sz="2000" dirty="0" err="1"/>
-              <a:t>posición</a:t>
-            </a:r>
-            <a:r>
-              <a:rPr lang="en-US" sz="2000" dirty="0"/>
-              <a:t> de una persona dentro de </a:t>
-            </a:r>
-            <a:r>
-              <a:rPr lang="en-US" sz="2000" dirty="0" err="1"/>
-              <a:t>espacios</a:t>
-            </a:r>
-            <a:r>
-              <a:rPr lang="en-US" sz="2000" dirty="0"/>
+              <a:rPr lang="en-US" sz="1800" dirty="0" err="1"/>
+              <a:t>metodología</a:t>
+            </a:r>
+            <a:r>
+              <a:rPr lang="en-US" sz="1800" dirty="0"/>
               <a:t> </a:t>
             </a:r>
             <a:r>
-              <a:rPr lang="en-US" sz="2000" dirty="0" err="1"/>
-              <a:t>cerrados</a:t>
-            </a:r>
-            <a:r>
-              <a:rPr lang="en-US" sz="2000" dirty="0"/>
-              <a:t> </a:t>
-            </a:r>
-            <a:r>
-              <a:rPr lang="en-US" sz="2000" dirty="0" err="1"/>
-              <a:t>como</a:t>
-            </a:r>
-            <a:r>
-              <a:rPr lang="en-US" sz="2000" dirty="0"/>
-              <a:t> </a:t>
-            </a:r>
-            <a:r>
-              <a:rPr lang="en-US" sz="2000" dirty="0" err="1"/>
-              <a:t>edificios</a:t>
-            </a:r>
-            <a:r>
-              <a:rPr lang="en-US" sz="2000" dirty="0"/>
-              <a:t>, por medio de las </a:t>
-            </a:r>
-            <a:r>
-              <a:rPr lang="en-US" sz="2000" dirty="0" err="1"/>
-              <a:t>señales</a:t>
-            </a:r>
-            <a:r>
-              <a:rPr lang="en-US" sz="2000" dirty="0"/>
-              <a:t> </a:t>
-            </a:r>
-            <a:r>
-              <a:rPr lang="en-US" sz="2000" dirty="0" err="1"/>
-              <a:t>wifi</a:t>
-            </a:r>
-            <a:r>
-              <a:rPr lang="en-US" sz="2000" dirty="0"/>
-              <a:t> de las </a:t>
-            </a:r>
-            <a:r>
-              <a:rPr lang="en-US" sz="2000" dirty="0" err="1"/>
-              <a:t>construcciones</a:t>
-            </a:r>
-            <a:r>
-              <a:rPr lang="en-US" sz="2000" dirty="0"/>
-              <a:t>.</a:t>
-            </a:r>
-          </a:p>
-          <a:p>
-            <a:pPr lvl="1" algn="just"/>
+              <a:rPr lang="en-US" sz="1800" b="1" dirty="0">
+                <a:solidFill>
+                  <a:srgbClr val="00B050"/>
+                </a:solidFill>
+              </a:rPr>
+              <a:t>BADIR</a:t>
+            </a:r>
+            <a:r>
+              <a:rPr lang="en-US" sz="1800" dirty="0"/>
+              <a:t> (Jain y Sharma) </a:t>
+            </a:r>
             <a:r>
               <a:rPr lang="en-US" sz="1800" dirty="0" err="1"/>
-              <a:t>Esto</a:t>
+              <a:t>pues</a:t>
             </a:r>
             <a:r>
               <a:rPr lang="en-US" sz="1800" dirty="0"/>
@@ -8766,15 +12809,7 @@
             </a:r>
             <a:r>
               <a:rPr lang="en-US" sz="1800" dirty="0" err="1"/>
-              <a:t>hará</a:t>
-            </a:r>
-            <a:r>
-              <a:rPr lang="en-US" sz="1800" dirty="0"/>
-              <a:t> por medio de </a:t>
-            </a:r>
-            <a:r>
-              <a:rPr lang="en-US" sz="1800" dirty="0" err="1"/>
-              <a:t>diversos</a:t>
+              <a:t>enfoca</a:t>
             </a:r>
             <a:r>
               <a:rPr lang="en-US" sz="1800" dirty="0"/>
@@ -8782,32 +12817,665 @@
             </a:r>
             <a:r>
               <a:rPr lang="en-US" sz="1800" dirty="0" err="1"/>
+              <a:t>más</a:t>
+            </a:r>
+            <a:r>
+              <a:rPr lang="en-US" sz="1800" dirty="0"/>
+              <a:t> </a:t>
+            </a:r>
+            <a:r>
+              <a:rPr lang="en-US" sz="1800" dirty="0" err="1"/>
+              <a:t>en</a:t>
+            </a:r>
+            <a:r>
+              <a:rPr lang="en-US" sz="1800" dirty="0"/>
+              <a:t> la </a:t>
+            </a:r>
+            <a:r>
+              <a:rPr lang="en-US" sz="1800" dirty="0" err="1"/>
+              <a:t>prespectiva</a:t>
+            </a:r>
+            <a:r>
+              <a:rPr lang="en-US" sz="1800" dirty="0"/>
+              <a:t> del </a:t>
+            </a:r>
+            <a:r>
+              <a:rPr lang="en-US" sz="1800" dirty="0" err="1"/>
+              <a:t>cliente</a:t>
+            </a:r>
+            <a:r>
+              <a:rPr lang="en-US" sz="1800" dirty="0"/>
+              <a:t>:</a:t>
+            </a:r>
+          </a:p>
+          <a:p>
+            <a:pPr lvl="1" algn="just"/>
+            <a:r>
+              <a:rPr lang="en-US" b="1" dirty="0">
+                <a:solidFill>
+                  <a:srgbClr val="00B050"/>
+                </a:solidFill>
+              </a:rPr>
+              <a:t>Business question</a:t>
+            </a:r>
+            <a:r>
+              <a:rPr lang="en-US" dirty="0"/>
+              <a:t>: </a:t>
+            </a:r>
+          </a:p>
+          <a:p>
+            <a:pPr lvl="2" algn="just"/>
+            <a:r>
+              <a:rPr lang="en-US" dirty="0"/>
+              <a:t>¿</a:t>
+            </a:r>
+            <a:r>
+              <a:rPr lang="en-US" dirty="0" err="1"/>
+              <a:t>Cómo</a:t>
+            </a:r>
+            <a:r>
+              <a:rPr lang="en-US" dirty="0"/>
+              <a:t> </a:t>
+            </a:r>
+            <a:r>
+              <a:rPr lang="en-US" dirty="0" err="1"/>
+              <a:t>mejorar</a:t>
+            </a:r>
+            <a:r>
+              <a:rPr lang="en-US" dirty="0"/>
+              <a:t> la </a:t>
+            </a:r>
+            <a:r>
+              <a:rPr lang="en-US" dirty="0" err="1"/>
+              <a:t>predicción</a:t>
+            </a:r>
+            <a:r>
+              <a:rPr lang="en-US" dirty="0"/>
+              <a:t> de los </a:t>
+            </a:r>
+            <a:r>
+              <a:rPr lang="en-US" dirty="0" err="1"/>
               <a:t>modelos</a:t>
             </a:r>
             <a:r>
-              <a:rPr lang="en-US" sz="1800" dirty="0"/>
-              <a:t> de machine learning que </a:t>
-            </a:r>
-            <a:r>
-              <a:rPr lang="en-US" sz="1800" dirty="0" err="1"/>
-              <a:t>logren</a:t>
-            </a:r>
-            <a:r>
-              <a:rPr lang="en-US" sz="1800" dirty="0"/>
-              <a:t> la mayor </a:t>
-            </a:r>
-            <a:r>
-              <a:rPr lang="en-US" sz="1800" dirty="0" err="1"/>
-              <a:t>precisión</a:t>
-            </a:r>
-            <a:r>
-              <a:rPr lang="en-US" sz="1800" dirty="0"/>
+              <a:rPr lang="en-US" dirty="0"/>
+              <a:t> de </a:t>
+            </a:r>
+            <a:r>
+              <a:rPr lang="en-US" dirty="0" err="1"/>
+              <a:t>crédito</a:t>
+            </a:r>
+            <a:r>
+              <a:rPr lang="en-US" dirty="0"/>
+              <a:t>?</a:t>
+            </a:r>
+          </a:p>
+          <a:p>
+            <a:pPr lvl="2" algn="just"/>
+            <a:r>
+              <a:rPr lang="en-US" dirty="0" err="1"/>
+              <a:t>Mejorar</a:t>
+            </a:r>
+            <a:r>
+              <a:rPr lang="en-US" dirty="0"/>
+              <a:t> la </a:t>
+            </a:r>
+            <a:r>
+              <a:rPr lang="en-US" dirty="0" err="1"/>
+              <a:t>predicción</a:t>
+            </a:r>
+            <a:r>
+              <a:rPr lang="en-US" dirty="0"/>
+              <a:t> </a:t>
+            </a:r>
+            <a:r>
+              <a:rPr lang="en-US" dirty="0" err="1"/>
+              <a:t>evita</a:t>
+            </a:r>
+            <a:r>
+              <a:rPr lang="en-US" dirty="0"/>
+              <a:t> </a:t>
+            </a:r>
+            <a:r>
+              <a:rPr lang="en-US" dirty="0" err="1"/>
+              <a:t>perder</a:t>
+            </a:r>
+            <a:r>
+              <a:rPr lang="en-US" dirty="0"/>
+              <a:t> </a:t>
+            </a:r>
+            <a:r>
+              <a:rPr lang="en-US" dirty="0" err="1"/>
+              <a:t>clientes</a:t>
+            </a:r>
+            <a:r>
+              <a:rPr lang="en-US" dirty="0"/>
               <a:t>.</a:t>
             </a:r>
           </a:p>
           <a:p>
+            <a:pPr lvl="2" algn="just"/>
+            <a:r>
+              <a:rPr lang="en-US" dirty="0"/>
+              <a:t>La </a:t>
+            </a:r>
+            <a:r>
+              <a:rPr lang="en-US" dirty="0" err="1"/>
+              <a:t>solución</a:t>
+            </a:r>
+            <a:r>
+              <a:rPr lang="en-US" dirty="0"/>
+              <a:t> debe ser </a:t>
+            </a:r>
+            <a:r>
+              <a:rPr lang="en-US" dirty="0" err="1"/>
+              <a:t>sencilla</a:t>
+            </a:r>
+            <a:r>
+              <a:rPr lang="en-US" dirty="0"/>
+              <a:t> y </a:t>
+            </a:r>
+            <a:r>
+              <a:rPr lang="en-US" dirty="0" err="1"/>
+              <a:t>fácil</a:t>
+            </a:r>
+            <a:r>
+              <a:rPr lang="en-US" dirty="0"/>
+              <a:t> de </a:t>
+            </a:r>
+            <a:r>
+              <a:rPr lang="en-US" dirty="0" err="1"/>
+              <a:t>implementar</a:t>
+            </a:r>
+            <a:r>
+              <a:rPr lang="en-US" dirty="0"/>
+              <a:t> (</a:t>
+            </a:r>
+            <a:r>
+              <a:rPr lang="en-US" dirty="0" err="1"/>
+              <a:t>menor</a:t>
+            </a:r>
+            <a:r>
+              <a:rPr lang="en-US" dirty="0"/>
+              <a:t> </a:t>
+            </a:r>
+            <a:r>
+              <a:rPr lang="en-US" dirty="0" err="1"/>
+              <a:t>tiempo</a:t>
+            </a:r>
+            <a:r>
+              <a:rPr lang="en-US" dirty="0"/>
+              <a:t> possible).</a:t>
+            </a:r>
+          </a:p>
+          <a:p>
             <a:pPr lvl="1" algn="just"/>
-            <a:endParaRPr lang="en-US" sz="1800" dirty="0"/>
+            <a:r>
+              <a:rPr lang="en-US" b="1" dirty="0">
+                <a:solidFill>
+                  <a:srgbClr val="00B050"/>
+                </a:solidFill>
+              </a:rPr>
+              <a:t>Analysis Plan: </a:t>
+            </a:r>
+          </a:p>
+          <a:p>
+            <a:pPr lvl="2" algn="just"/>
+            <a:r>
+              <a:rPr lang="en-US" dirty="0" err="1"/>
+              <a:t>Desarrollar</a:t>
+            </a:r>
+            <a:r>
+              <a:rPr lang="en-US" dirty="0"/>
+              <a:t> un Credit Score con Python que </a:t>
+            </a:r>
+            <a:r>
+              <a:rPr lang="en-US" dirty="0" err="1"/>
+              <a:t>mejore</a:t>
+            </a:r>
+            <a:r>
+              <a:rPr lang="en-US" dirty="0"/>
+              <a:t> el </a:t>
+            </a:r>
+            <a:r>
+              <a:rPr lang="en-US" dirty="0" err="1"/>
+              <a:t>nivel</a:t>
+            </a:r>
+            <a:r>
+              <a:rPr lang="en-US" dirty="0"/>
+              <a:t> de </a:t>
+            </a:r>
+            <a:r>
+              <a:rPr lang="en-US" dirty="0" err="1"/>
+              <a:t>predicción</a:t>
+            </a:r>
+            <a:r>
+              <a:rPr lang="en-US" dirty="0"/>
+              <a:t> de default.</a:t>
+            </a:r>
+          </a:p>
+          <a:p>
+            <a:pPr lvl="2" algn="just"/>
+            <a:r>
+              <a:rPr lang="en-US" dirty="0" err="1"/>
+              <a:t>Hipótesis</a:t>
+            </a:r>
+            <a:r>
+              <a:rPr lang="en-US" dirty="0"/>
+              <a:t>: Los </a:t>
+            </a:r>
+            <a:r>
+              <a:rPr lang="en-US" dirty="0" err="1"/>
+              <a:t>clientes</a:t>
+            </a:r>
+            <a:r>
+              <a:rPr lang="en-US" dirty="0"/>
+              <a:t> que </a:t>
+            </a:r>
+            <a:r>
+              <a:rPr lang="en-US" dirty="0" err="1"/>
+              <a:t>incumplen</a:t>
+            </a:r>
+            <a:r>
+              <a:rPr lang="en-US" dirty="0"/>
+              <a:t> sus </a:t>
+            </a:r>
+            <a:r>
+              <a:rPr lang="en-US" dirty="0" err="1"/>
+              <a:t>pagos</a:t>
+            </a:r>
+            <a:r>
+              <a:rPr lang="en-US" dirty="0"/>
+              <a:t> </a:t>
+            </a:r>
+            <a:r>
+              <a:rPr lang="en-US" dirty="0" err="1"/>
+              <a:t>tienen</a:t>
+            </a:r>
+            <a:r>
+              <a:rPr lang="en-US" dirty="0"/>
+              <a:t> un </a:t>
+            </a:r>
+            <a:r>
+              <a:rPr lang="en-US" dirty="0" err="1"/>
+              <a:t>perfil</a:t>
+            </a:r>
+            <a:r>
+              <a:rPr lang="en-US" dirty="0"/>
+              <a:t> </a:t>
+            </a:r>
+            <a:r>
+              <a:rPr lang="en-US" dirty="0" err="1"/>
+              <a:t>determinado</a:t>
+            </a:r>
+            <a:r>
+              <a:rPr lang="en-US" dirty="0"/>
+              <a:t>.</a:t>
+            </a:r>
+          </a:p>
+          <a:p>
+            <a:pPr lvl="2" algn="just"/>
+            <a:r>
+              <a:rPr lang="en-US" dirty="0"/>
+              <a:t>Data </a:t>
+            </a:r>
+            <a:r>
+              <a:rPr lang="en-US" dirty="0" err="1"/>
+              <a:t>requerida</a:t>
+            </a:r>
+            <a:r>
+              <a:rPr lang="en-US" dirty="0"/>
+              <a:t>: </a:t>
+            </a:r>
+            <a:r>
+              <a:rPr lang="en-US" dirty="0" err="1"/>
+              <a:t>Características</a:t>
+            </a:r>
+            <a:r>
+              <a:rPr lang="en-US" dirty="0"/>
+              <a:t> </a:t>
+            </a:r>
+            <a:r>
+              <a:rPr lang="en-US" dirty="0" err="1"/>
+              <a:t>sociodemográfica</a:t>
+            </a:r>
+            <a:r>
+              <a:rPr lang="en-US" dirty="0"/>
+              <a:t> de los </a:t>
+            </a:r>
+            <a:r>
+              <a:rPr lang="en-US" dirty="0" err="1"/>
+              <a:t>clientes</a:t>
+            </a:r>
+            <a:r>
+              <a:rPr lang="en-US" dirty="0"/>
+              <a:t>, </a:t>
+            </a:r>
+            <a:r>
+              <a:rPr lang="en-US" dirty="0" err="1"/>
+              <a:t>tipo</a:t>
+            </a:r>
+            <a:r>
+              <a:rPr lang="en-US" dirty="0"/>
+              <a:t> de </a:t>
+            </a:r>
+            <a:r>
+              <a:rPr lang="en-US" dirty="0" err="1"/>
+              <a:t>crédito</a:t>
+            </a:r>
+            <a:r>
+              <a:rPr lang="en-US" dirty="0"/>
+              <a:t> </a:t>
+            </a:r>
+            <a:r>
+              <a:rPr lang="en-US" dirty="0" err="1"/>
+              <a:t>aprobado</a:t>
+            </a:r>
+            <a:r>
+              <a:rPr lang="en-US" dirty="0"/>
+              <a:t> o </a:t>
+            </a:r>
+            <a:r>
+              <a:rPr lang="en-US" dirty="0" err="1"/>
+              <a:t>condiciones</a:t>
+            </a:r>
+            <a:r>
+              <a:rPr lang="en-US" dirty="0"/>
+              <a:t> y status de la </a:t>
+            </a:r>
+            <a:r>
+              <a:rPr lang="en-US" dirty="0" err="1"/>
+              <a:t>cuenta</a:t>
+            </a:r>
+            <a:r>
+              <a:rPr lang="en-US" dirty="0"/>
+              <a:t> (default o no).</a:t>
+            </a:r>
+          </a:p>
+          <a:p>
+            <a:pPr lvl="2" algn="just"/>
+            <a:r>
+              <a:rPr lang="en-US" dirty="0" err="1"/>
+              <a:t>Metodología</a:t>
+            </a:r>
+            <a:r>
+              <a:rPr lang="en-US" dirty="0"/>
+              <a:t>: Desarrollo de </a:t>
+            </a:r>
+            <a:r>
+              <a:rPr lang="en-US" dirty="0" err="1"/>
+              <a:t>modelos</a:t>
+            </a:r>
+            <a:r>
+              <a:rPr lang="en-US" dirty="0"/>
+              <a:t> </a:t>
+            </a:r>
+            <a:r>
+              <a:rPr lang="en-US" dirty="0" err="1"/>
+              <a:t>predictivos</a:t>
+            </a:r>
+            <a:r>
+              <a:rPr lang="en-US" dirty="0"/>
+              <a:t> con </a:t>
+            </a:r>
+            <a:r>
+              <a:rPr lang="en-US" dirty="0" err="1"/>
+              <a:t>diferentes</a:t>
+            </a:r>
+            <a:r>
+              <a:rPr lang="en-US" dirty="0"/>
+              <a:t> </a:t>
+            </a:r>
+            <a:r>
+              <a:rPr lang="en-US" dirty="0" err="1"/>
+              <a:t>algoritmos</a:t>
+            </a:r>
+            <a:r>
+              <a:rPr lang="en-US" dirty="0"/>
+              <a:t> (Random Forest, Árbol C5.0, SVM, </a:t>
+            </a:r>
+            <a:r>
+              <a:rPr lang="en-US" dirty="0" err="1"/>
+              <a:t>etc</a:t>
+            </a:r>
+            <a:r>
+              <a:rPr lang="en-US" dirty="0"/>
+              <a:t>) y </a:t>
+            </a:r>
+            <a:r>
+              <a:rPr lang="en-US" dirty="0" err="1"/>
+              <a:t>selección</a:t>
+            </a:r>
+            <a:r>
+              <a:rPr lang="en-US" dirty="0"/>
+              <a:t> del que </a:t>
+            </a:r>
+            <a:r>
+              <a:rPr lang="en-US" dirty="0" err="1"/>
+              <a:t>muestre</a:t>
+            </a:r>
+            <a:r>
+              <a:rPr lang="en-US" dirty="0"/>
+              <a:t> </a:t>
+            </a:r>
+            <a:r>
+              <a:rPr lang="en-US" dirty="0" err="1"/>
+              <a:t>mejor</a:t>
+            </a:r>
+            <a:r>
+              <a:rPr lang="en-US" dirty="0"/>
+              <a:t> </a:t>
+            </a:r>
+            <a:r>
+              <a:rPr lang="en-US" dirty="0" err="1"/>
+              <a:t>desempeño</a:t>
+            </a:r>
+            <a:r>
+              <a:rPr lang="en-US" dirty="0"/>
+              <a:t>.</a:t>
+            </a:r>
+          </a:p>
+          <a:p>
+            <a:pPr lvl="1" algn="just"/>
+            <a:r>
+              <a:rPr lang="en-US" b="1" dirty="0">
+                <a:solidFill>
+                  <a:srgbClr val="00B050"/>
+                </a:solidFill>
+              </a:rPr>
+              <a:t>Data Collection: </a:t>
+            </a:r>
+          </a:p>
+          <a:p>
+            <a:pPr lvl="2" algn="just"/>
+            <a:r>
+              <a:rPr lang="en-US" dirty="0"/>
+              <a:t>Data </a:t>
+            </a:r>
+            <a:r>
+              <a:rPr lang="en-US" dirty="0" err="1"/>
+              <a:t>histórica</a:t>
+            </a:r>
+            <a:r>
+              <a:rPr lang="en-US" dirty="0"/>
+              <a:t> de los </a:t>
+            </a:r>
+            <a:r>
+              <a:rPr lang="en-US" dirty="0" err="1"/>
+              <a:t>clientes</a:t>
+            </a:r>
+            <a:r>
+              <a:rPr lang="en-US" dirty="0"/>
+              <a:t> que </a:t>
+            </a:r>
+            <a:r>
+              <a:rPr lang="en-US" dirty="0" err="1"/>
+              <a:t>han</a:t>
+            </a:r>
+            <a:r>
+              <a:rPr lang="en-US" dirty="0"/>
+              <a:t> </a:t>
+            </a:r>
+            <a:r>
+              <a:rPr lang="en-US" dirty="0" err="1"/>
+              <a:t>solicitado</a:t>
+            </a:r>
+            <a:r>
+              <a:rPr lang="en-US" dirty="0"/>
+              <a:t> los </a:t>
+            </a:r>
+            <a:r>
+              <a:rPr lang="en-US" dirty="0" err="1"/>
+              <a:t>productos</a:t>
+            </a:r>
+            <a:r>
+              <a:rPr lang="en-US" dirty="0"/>
+              <a:t> (csv).</a:t>
+            </a:r>
+          </a:p>
+          <a:p>
+            <a:pPr lvl="2" algn="just"/>
+            <a:r>
+              <a:rPr lang="en-US" dirty="0" err="1"/>
+              <a:t>Revisión</a:t>
+            </a:r>
+            <a:r>
+              <a:rPr lang="en-US" dirty="0"/>
+              <a:t> de los </a:t>
+            </a:r>
+            <a:r>
+              <a:rPr lang="en-US" dirty="0" err="1"/>
+              <a:t>valores</a:t>
+            </a:r>
+            <a:r>
+              <a:rPr lang="en-US" dirty="0"/>
+              <a:t> de los </a:t>
+            </a:r>
+            <a:r>
+              <a:rPr lang="en-US" dirty="0" err="1"/>
+              <a:t>clientes</a:t>
+            </a:r>
+            <a:r>
+              <a:rPr lang="en-US" dirty="0"/>
+              <a:t> y </a:t>
+            </a:r>
+            <a:r>
+              <a:rPr lang="en-US" dirty="0" err="1"/>
+              <a:t>su</a:t>
+            </a:r>
+            <a:r>
+              <a:rPr lang="en-US" dirty="0"/>
+              <a:t> </a:t>
+            </a:r>
+            <a:r>
+              <a:rPr lang="en-US" dirty="0" err="1"/>
+              <a:t>coherencia</a:t>
+            </a:r>
+            <a:r>
+              <a:rPr lang="en-US" dirty="0"/>
+              <a:t>.</a:t>
+            </a:r>
+          </a:p>
+          <a:p>
+            <a:pPr lvl="1" algn="just"/>
+            <a:r>
+              <a:rPr lang="en-US" b="1" dirty="0">
+                <a:solidFill>
+                  <a:srgbClr val="00B050"/>
+                </a:solidFill>
+              </a:rPr>
+              <a:t>Insights: </a:t>
+            </a:r>
+          </a:p>
+          <a:p>
+            <a:pPr lvl="2" algn="just"/>
+            <a:r>
+              <a:rPr lang="en-US" dirty="0" err="1"/>
+              <a:t>Serán</a:t>
+            </a:r>
+            <a:r>
+              <a:rPr lang="en-US" dirty="0"/>
+              <a:t> </a:t>
+            </a:r>
+            <a:r>
+              <a:rPr lang="en-US" dirty="0" err="1"/>
+              <a:t>producto</a:t>
+            </a:r>
+            <a:r>
+              <a:rPr lang="en-US" dirty="0"/>
+              <a:t> del </a:t>
+            </a:r>
+            <a:r>
+              <a:rPr lang="en-US" dirty="0" err="1"/>
+              <a:t>estudio</a:t>
+            </a:r>
+            <a:r>
+              <a:rPr lang="en-US" dirty="0"/>
+              <a:t> </a:t>
+            </a:r>
+            <a:r>
+              <a:rPr lang="en-US" dirty="0" err="1"/>
+              <a:t>realizado</a:t>
+            </a:r>
+            <a:r>
+              <a:rPr lang="en-US" dirty="0"/>
+              <a:t>. </a:t>
+            </a:r>
+            <a:r>
+              <a:rPr lang="en-US" dirty="0" err="1"/>
+              <a:t>Resultado</a:t>
+            </a:r>
+            <a:r>
+              <a:rPr lang="en-US" dirty="0"/>
+              <a:t> de la </a:t>
+            </a:r>
+            <a:r>
+              <a:rPr lang="en-US" dirty="0" err="1"/>
+              <a:t>prueba</a:t>
+            </a:r>
+            <a:r>
+              <a:rPr lang="en-US" dirty="0"/>
+              <a:t> de </a:t>
+            </a:r>
+            <a:r>
+              <a:rPr lang="en-US" dirty="0" err="1"/>
+              <a:t>hipótesis</a:t>
+            </a:r>
+            <a:r>
+              <a:rPr lang="en-US" dirty="0"/>
+              <a:t> y de los </a:t>
+            </a:r>
+            <a:r>
+              <a:rPr lang="en-US" dirty="0" err="1"/>
+              <a:t>modelos</a:t>
+            </a:r>
+            <a:r>
+              <a:rPr lang="en-US" dirty="0"/>
+              <a:t>.</a:t>
+            </a:r>
+          </a:p>
+          <a:p>
+            <a:pPr lvl="1" algn="just"/>
+            <a:r>
+              <a:rPr lang="en-US" b="1" dirty="0">
+                <a:solidFill>
+                  <a:srgbClr val="00B050"/>
+                </a:solidFill>
+              </a:rPr>
+              <a:t>Recommendations</a:t>
+            </a:r>
+          </a:p>
+          <a:p>
+            <a:pPr marL="914400" lvl="2" indent="0" algn="just">
+              <a:buNone/>
+            </a:pPr>
+            <a:endParaRPr lang="en-US" dirty="0"/>
+          </a:p>
+          <a:p>
+            <a:pPr marL="914400" lvl="2" indent="0" algn="just">
+              <a:buNone/>
+            </a:pPr>
+            <a:endParaRPr lang="en-US" dirty="0"/>
           </a:p>
         </p:txBody>
       </p:sp>
@@ -8913,27 +13581,11 @@
             <a:pPr algn="just"/>
             <a:r>
               <a:rPr lang="en-US" sz="2000" dirty="0"/>
-              <a:t>El </a:t>
+              <a:t>Data </a:t>
             </a:r>
             <a:r>
               <a:rPr lang="en-US" sz="2000" dirty="0" err="1"/>
-              <a:t>objetivo</a:t>
-            </a:r>
-            <a:r>
-              <a:rPr lang="en-US" sz="2000" dirty="0"/>
-              <a:t>  es </a:t>
-            </a:r>
-            <a:r>
-              <a:rPr lang="en-US" sz="2000" dirty="0" err="1"/>
-              <a:t>investigar</a:t>
-            </a:r>
-            <a:r>
-              <a:rPr lang="en-US" sz="2000" dirty="0"/>
-              <a:t> la </a:t>
-            </a:r>
-            <a:r>
-              <a:rPr lang="en-US" sz="2000" dirty="0" err="1"/>
-              <a:t>posibilidad</a:t>
+              <a:t>histórica</a:t>
             </a:r>
             <a:r>
               <a:rPr lang="en-US" sz="2000" dirty="0"/>
@@ -8941,79 +13593,7 @@
             </a:r>
             <a:r>
               <a:rPr lang="en-US" sz="2000" dirty="0" err="1"/>
-              <a:t>desarrollar</a:t>
-            </a:r>
-            <a:r>
-              <a:rPr lang="en-US" sz="2000" dirty="0"/>
-              <a:t> un Sistema para </a:t>
-            </a:r>
-            <a:r>
-              <a:rPr lang="en-US" sz="2000" dirty="0" err="1"/>
-              <a:t>determinar</a:t>
-            </a:r>
-            <a:r>
-              <a:rPr lang="en-US" sz="2000" dirty="0"/>
-              <a:t> la </a:t>
-            </a:r>
-            <a:r>
-              <a:rPr lang="en-US" sz="2000" dirty="0" err="1"/>
-              <a:t>posición</a:t>
-            </a:r>
-            <a:r>
-              <a:rPr lang="en-US" sz="2000" dirty="0"/>
-              <a:t> de una persona dentro de </a:t>
-            </a:r>
-            <a:r>
-              <a:rPr lang="en-US" sz="2000" dirty="0" err="1"/>
-              <a:t>espacios</a:t>
-            </a:r>
-            <a:r>
-              <a:rPr lang="en-US" sz="2000" dirty="0"/>
-              <a:t> </a:t>
-            </a:r>
-            <a:r>
-              <a:rPr lang="en-US" sz="2000" dirty="0" err="1"/>
-              <a:t>cerrados</a:t>
-            </a:r>
-            <a:r>
-              <a:rPr lang="en-US" sz="2000" dirty="0"/>
-              <a:t> </a:t>
-            </a:r>
-            <a:r>
-              <a:rPr lang="en-US" sz="2000" dirty="0" err="1"/>
-              <a:t>como</a:t>
-            </a:r>
-            <a:r>
-              <a:rPr lang="en-US" sz="2000" dirty="0"/>
-              <a:t> </a:t>
-            </a:r>
-            <a:r>
-              <a:rPr lang="en-US" sz="2000" dirty="0" err="1"/>
-              <a:t>edificios</a:t>
-            </a:r>
-            <a:r>
-              <a:rPr lang="en-US" sz="2000" dirty="0"/>
-              <a:t>, por medio de las </a:t>
-            </a:r>
-            <a:r>
-              <a:rPr lang="en-US" sz="2000" dirty="0" err="1"/>
-              <a:t>señales</a:t>
-            </a:r>
-            <a:r>
-              <a:rPr lang="en-US" sz="2000" dirty="0"/>
-              <a:t> </a:t>
-            </a:r>
-            <a:r>
-              <a:rPr lang="en-US" sz="2000" dirty="0" err="1"/>
-              <a:t>wifi</a:t>
-            </a:r>
-            <a:r>
-              <a:rPr lang="en-US" sz="2000" dirty="0"/>
-              <a:t> de las </a:t>
-            </a:r>
-            <a:r>
-              <a:rPr lang="en-US" sz="2000" dirty="0" err="1"/>
-              <a:t>construcciones</a:t>
+              <a:t>aprobaciones</a:t>
             </a:r>
             <a:r>
               <a:rPr lang="en-US" sz="2000" dirty="0"/>
@@ -9024,47 +13604,49 @@
             <a:pPr lvl="1" algn="just"/>
             <a:r>
               <a:rPr lang="en-US" sz="1800" dirty="0" err="1"/>
-              <a:t>Esto</a:t>
+              <a:t>Formato</a:t>
             </a:r>
             <a:r>
               <a:rPr lang="en-US" sz="1800" dirty="0"/>
-              <a:t> se </a:t>
-            </a:r>
+              <a:t> .csv.</a:t>
+            </a:r>
+          </a:p>
+          <a:p>
+            <a:pPr lvl="1" algn="just"/>
             <a:r>
               <a:rPr lang="en-US" sz="1800" dirty="0" err="1"/>
-              <a:t>hará</a:t>
+              <a:t>Muestra</a:t>
             </a:r>
             <a:r>
               <a:rPr lang="en-US" sz="1800" dirty="0"/>
-              <a:t> por medio de </a:t>
+              <a:t> de 30.000 </a:t>
             </a:r>
             <a:r>
               <a:rPr lang="en-US" sz="1800" dirty="0" err="1"/>
-              <a:t>diversos</a:t>
+              <a:t>clientes</a:t>
             </a:r>
             <a:r>
               <a:rPr lang="en-US" sz="1800" dirty="0"/>
-              <a:t> </a:t>
+              <a:t>.</a:t>
+            </a:r>
+          </a:p>
+          <a:p>
+            <a:pPr lvl="1" algn="just"/>
+            <a:r>
+              <a:rPr lang="en-US" sz="1800" dirty="0"/>
+              <a:t>24 variables: </a:t>
             </a:r>
             <a:r>
               <a:rPr lang="en-US" sz="1800" dirty="0" err="1"/>
-              <a:t>modelos</a:t>
+              <a:t>Sociodemográficas</a:t>
             </a:r>
             <a:r>
               <a:rPr lang="en-US" sz="1800" dirty="0"/>
-              <a:t> de machine learning que </a:t>
+              <a:t> y de </a:t>
             </a:r>
             <a:r>
               <a:rPr lang="en-US" sz="1800" dirty="0" err="1"/>
-              <a:t>logren</a:t>
-            </a:r>
-            <a:r>
-              <a:rPr lang="en-US" sz="1800" dirty="0"/>
-              <a:t> la mayor </a:t>
-            </a:r>
-            <a:r>
-              <a:rPr lang="en-US" sz="1800" dirty="0" err="1"/>
-              <a:t>precisión</a:t>
+              <a:t>comportamiento</a:t>
             </a:r>
             <a:r>
               <a:rPr lang="en-US" sz="1800" dirty="0"/>
@@ -9161,7 +13743,7 @@
         <p:spPr>
           <a:xfrm>
             <a:off x="1563757" y="1233080"/>
-            <a:ext cx="9621078" cy="3911042"/>
+            <a:ext cx="8872148" cy="3911042"/>
           </a:xfrm>
         </p:spPr>
         <p:txBody>
@@ -9179,59 +13761,43 @@
             <a:pPr algn="just"/>
             <a:r>
               <a:rPr lang="en-US" sz="2000" dirty="0"/>
-              <a:t>El </a:t>
+              <a:t>La </a:t>
             </a:r>
             <a:r>
               <a:rPr lang="en-US" sz="2000" dirty="0" err="1"/>
-              <a:t>objetivo</a:t>
+              <a:t>manipulación</a:t>
             </a:r>
             <a:r>
               <a:rPr lang="en-US" sz="2000" dirty="0"/>
-              <a:t>  es </a:t>
+              <a:t> de la data, </a:t>
             </a:r>
             <a:r>
               <a:rPr lang="en-US" sz="2000" dirty="0" err="1"/>
-              <a:t>investigar</a:t>
+              <a:t>limpieza</a:t>
             </a:r>
             <a:r>
               <a:rPr lang="en-US" sz="2000" dirty="0"/>
-              <a:t> la </a:t>
+              <a:t>, </a:t>
             </a:r>
             <a:r>
               <a:rPr lang="en-US" sz="2000" dirty="0" err="1"/>
-              <a:t>posibilidad</a:t>
+              <a:t>creación</a:t>
             </a:r>
             <a:r>
               <a:rPr lang="en-US" sz="2000" dirty="0"/>
-              <a:t> de </a:t>
+              <a:t> y </a:t>
             </a:r>
             <a:r>
               <a:rPr lang="en-US" sz="2000" dirty="0" err="1"/>
-              <a:t>desarrollar</a:t>
+              <a:t>prueba</a:t>
             </a:r>
             <a:r>
               <a:rPr lang="en-US" sz="2000" dirty="0"/>
-              <a:t> un Sistema para </a:t>
+              <a:t> de los </a:t>
             </a:r>
             <a:r>
               <a:rPr lang="en-US" sz="2000" dirty="0" err="1"/>
-              <a:t>determinar</a:t>
-            </a:r>
-            <a:r>
-              <a:rPr lang="en-US" sz="2000" dirty="0"/>
-              <a:t> la </a:t>
-            </a:r>
-            <a:r>
-              <a:rPr lang="en-US" sz="2000" dirty="0" err="1"/>
-              <a:t>posición</a:t>
-            </a:r>
-            <a:r>
-              <a:rPr lang="en-US" sz="2000" dirty="0"/>
-              <a:t> de una persona dentro de </a:t>
-            </a:r>
-            <a:r>
-              <a:rPr lang="en-US" sz="2000" dirty="0" err="1"/>
-              <a:t>espacios</a:t>
+              <a:t>modelos</a:t>
             </a:r>
             <a:r>
               <a:rPr lang="en-US" sz="2000" dirty="0"/>
@@ -9239,47 +13805,97 @@
             </a:r>
             <a:r>
               <a:rPr lang="en-US" sz="2000" dirty="0" err="1"/>
-              <a:t>cerrados</a:t>
+              <a:t>predictivos</a:t>
+            </a:r>
+            <a:r>
+              <a:rPr lang="en-US" sz="2000" dirty="0"/>
+              <a:t> se </a:t>
+            </a:r>
+            <a:r>
+              <a:rPr lang="en-US" sz="2000" dirty="0" err="1"/>
+              <a:t>realizarán</a:t>
+            </a:r>
+            <a:r>
+              <a:rPr lang="en-US" sz="2000" dirty="0"/>
+              <a:t> con </a:t>
+            </a:r>
+            <a:r>
+              <a:rPr lang="en-US" sz="2000" b="1" dirty="0"/>
+              <a:t>Python</a:t>
+            </a:r>
+            <a:r>
+              <a:rPr lang="en-US" sz="2000" dirty="0"/>
+              <a:t>.</a:t>
+            </a:r>
+          </a:p>
+          <a:p>
+            <a:pPr algn="just"/>
+            <a:r>
+              <a:rPr lang="en-US" sz="2000" dirty="0"/>
+              <a:t>El script se </a:t>
+            </a:r>
+            <a:r>
+              <a:rPr lang="en-US" sz="2000" dirty="0" err="1"/>
+              <a:t>trabajará</a:t>
+            </a:r>
+            <a:r>
+              <a:rPr lang="en-US" sz="2000" dirty="0"/>
+              <a:t> por medio de </a:t>
+            </a:r>
+            <a:r>
+              <a:rPr lang="en-US" sz="2000" b="1" dirty="0" err="1"/>
+              <a:t>Jupyter</a:t>
+            </a:r>
+            <a:r>
+              <a:rPr lang="en-US" sz="2000" b="1" dirty="0"/>
+              <a:t> Notebook</a:t>
+            </a:r>
+            <a:r>
+              <a:rPr lang="en-US" sz="2000" dirty="0"/>
+              <a:t>.</a:t>
+            </a:r>
+          </a:p>
+          <a:p>
+            <a:pPr algn="just"/>
+            <a:r>
+              <a:rPr lang="en-US" sz="2000" dirty="0"/>
+              <a:t>Para </a:t>
+            </a:r>
+            <a:r>
+              <a:rPr lang="en-US" sz="2000" dirty="0" err="1"/>
+              <a:t>compartir</a:t>
+            </a:r>
+            <a:r>
+              <a:rPr lang="en-US" sz="2000" dirty="0"/>
+              <a:t> los </a:t>
+            </a:r>
+            <a:r>
+              <a:rPr lang="en-US" sz="2000" dirty="0" err="1"/>
+              <a:t>avances</a:t>
+            </a:r>
+            <a:r>
+              <a:rPr lang="en-US" sz="2000" dirty="0"/>
+              <a:t> y el resto de la </a:t>
+            </a:r>
+            <a:r>
+              <a:rPr lang="en-US" sz="2000" dirty="0" err="1"/>
+              <a:t>información</a:t>
+            </a:r>
+            <a:r>
+              <a:rPr lang="en-US" sz="2000" dirty="0"/>
+              <a:t> se </a:t>
+            </a:r>
+            <a:r>
+              <a:rPr lang="en-US" sz="2000" dirty="0" err="1"/>
+              <a:t>utilizará</a:t>
             </a:r>
             <a:r>
               <a:rPr lang="en-US" sz="2000" dirty="0"/>
               <a:t> </a:t>
             </a:r>
             <a:r>
-              <a:rPr lang="en-US" sz="2000" dirty="0" err="1"/>
-              <a:t>como</a:t>
-            </a:r>
-            <a:r>
-              <a:rPr lang="en-US" sz="2000" dirty="0"/>
-              <a:t> </a:t>
-            </a:r>
-            <a:r>
-              <a:rPr lang="en-US" sz="2000" dirty="0" err="1"/>
-              <a:t>edificios</a:t>
-            </a:r>
-            <a:r>
-              <a:rPr lang="en-US" sz="2000" dirty="0"/>
-              <a:t>, por medio de las </a:t>
-            </a:r>
-            <a:r>
-              <a:rPr lang="en-US" sz="2000" dirty="0" err="1"/>
-              <a:t>señales</a:t>
-            </a:r>
-            <a:r>
-              <a:rPr lang="en-US" sz="2000" dirty="0"/>
-              <a:t> </a:t>
-            </a:r>
-            <a:r>
-              <a:rPr lang="en-US" sz="2000" dirty="0" err="1"/>
-              <a:t>wifi</a:t>
-            </a:r>
-            <a:r>
-              <a:rPr lang="en-US" sz="2000" dirty="0"/>
-              <a:t> de las </a:t>
-            </a:r>
-            <a:r>
-              <a:rPr lang="en-US" sz="2000" dirty="0" err="1"/>
-              <a:t>construcciones</a:t>
+              <a:rPr lang="en-US" sz="2000" b="1" dirty="0" err="1"/>
+              <a:t>Github</a:t>
             </a:r>
             <a:r>
               <a:rPr lang="en-US" sz="2000" dirty="0"/>
@@ -9287,58 +13903,9 @@
             </a:r>
           </a:p>
           <a:p>
-            <a:pPr lvl="1" algn="just"/>
-            <a:r>
-              <a:rPr lang="en-US" sz="1800" dirty="0" err="1"/>
-              <a:t>Esto</a:t>
-            </a:r>
-            <a:r>
-              <a:rPr lang="en-US" sz="1800" dirty="0"/>
-              <a:t> se </a:t>
-            </a:r>
-            <a:r>
-              <a:rPr lang="en-US" sz="1800" dirty="0" err="1"/>
-              <a:t>hará</a:t>
-            </a:r>
-            <a:r>
-              <a:rPr lang="en-US" sz="1800" dirty="0"/>
-              <a:t> por medio de </a:t>
-            </a:r>
-            <a:r>
-              <a:rPr lang="en-US" sz="1800" dirty="0" err="1"/>
-              <a:t>diversos</a:t>
-            </a:r>
-            <a:r>
-              <a:rPr lang="en-US" sz="1800" dirty="0"/>
-              <a:t> </a:t>
-            </a:r>
-            <a:r>
-              <a:rPr lang="en-US" sz="1800" dirty="0" err="1"/>
-              <a:t>modelos</a:t>
-            </a:r>
-            <a:r>
-              <a:rPr lang="en-US" sz="1800" dirty="0"/>
-              <a:t> de machine learning que </a:t>
-            </a:r>
-            <a:r>
-              <a:rPr lang="en-US" sz="1800" dirty="0" err="1"/>
-              <a:t>logren</a:t>
-            </a:r>
-            <a:r>
-              <a:rPr lang="en-US" sz="1800" dirty="0"/>
-              <a:t> la mayor </a:t>
-            </a:r>
-            <a:r>
-              <a:rPr lang="en-US" sz="1800" dirty="0" err="1"/>
-              <a:t>precisión</a:t>
-            </a:r>
-            <a:r>
-              <a:rPr lang="en-US" sz="1800" dirty="0"/>
-              <a:t>.</a:t>
-            </a:r>
-          </a:p>
-          <a:p>
-            <a:pPr lvl="1" algn="just"/>
+            <a:pPr marL="0" indent="0" algn="just">
+              <a:buNone/>
+            </a:pPr>
             <a:endParaRPr lang="en-US" sz="1800" dirty="0"/>
           </a:p>
         </p:txBody>
@@ -9427,12 +13994,12 @@
         <p:spPr>
           <a:xfrm>
             <a:off x="1563757" y="1233080"/>
-            <a:ext cx="9621078" cy="3911042"/>
+            <a:ext cx="9621078" cy="4119096"/>
           </a:xfrm>
         </p:spPr>
         <p:txBody>
           <a:bodyPr>
-            <a:normAutofit/>
+            <a:normAutofit lnSpcReduction="10000"/>
           </a:bodyPr>
           <a:lstStyle/>
           <a:p>
@@ -9445,167 +14012,497 @@
             <a:pPr algn="just"/>
             <a:r>
               <a:rPr lang="en-US" sz="2000" dirty="0"/>
-              <a:t>El </a:t>
+              <a:t>Dentro de las </a:t>
             </a:r>
             <a:r>
               <a:rPr lang="en-US" sz="2000" dirty="0" err="1"/>
-              <a:t>objetivo</a:t>
+              <a:t>limitaciones</a:t>
             </a:r>
             <a:r>
               <a:rPr lang="en-US" sz="2000" dirty="0"/>
-              <a:t>  es </a:t>
+              <a:t> se </a:t>
             </a:r>
             <a:r>
               <a:rPr lang="en-US" sz="2000" dirty="0" err="1"/>
-              <a:t>investigar</a:t>
+              <a:t>tiene</a:t>
             </a:r>
             <a:r>
               <a:rPr lang="en-US" sz="2000" dirty="0"/>
-              <a:t> la </a:t>
+              <a:t> las </a:t>
             </a:r>
             <a:r>
               <a:rPr lang="en-US" sz="2000" dirty="0" err="1"/>
-              <a:t>posibilidad</a:t>
+              <a:t>siguientes</a:t>
             </a:r>
             <a:r>
               <a:rPr lang="en-US" sz="2000" dirty="0"/>
+              <a:t>:</a:t>
+            </a:r>
+          </a:p>
+          <a:p>
+            <a:pPr lvl="1" algn="just"/>
+            <a:r>
+              <a:rPr lang="en-US" dirty="0" err="1"/>
+              <a:t>Cantidad</a:t>
+            </a:r>
+            <a:r>
+              <a:rPr lang="en-US" dirty="0"/>
+              <a:t> de variables </a:t>
+            </a:r>
+            <a:r>
+              <a:rPr lang="en-US" dirty="0" err="1"/>
+              <a:t>demográficas</a:t>
+            </a:r>
+            <a:r>
+              <a:rPr lang="en-US" dirty="0"/>
+              <a:t>: solo se </a:t>
+            </a:r>
+            <a:r>
+              <a:rPr lang="en-US" dirty="0" err="1"/>
+              <a:t>tienen</a:t>
+            </a:r>
+            <a:r>
+              <a:rPr lang="en-US" dirty="0"/>
+              <a:t> 4 (</a:t>
+            </a:r>
+            <a:r>
+              <a:rPr lang="en-US" dirty="0" err="1"/>
+              <a:t>sexo</a:t>
+            </a:r>
+            <a:r>
+              <a:rPr lang="en-US" dirty="0"/>
+              <a:t>, </a:t>
+            </a:r>
+            <a:r>
+              <a:rPr lang="en-US" dirty="0" err="1"/>
+              <a:t>educación</a:t>
+            </a:r>
+            <a:r>
+              <a:rPr lang="en-US" dirty="0"/>
+              <a:t>, </a:t>
+            </a:r>
+            <a:r>
+              <a:rPr lang="en-US" dirty="0" err="1"/>
+              <a:t>estado</a:t>
+            </a:r>
+            <a:r>
+              <a:rPr lang="en-US" dirty="0"/>
+              <a:t> civil y </a:t>
+            </a:r>
+            <a:r>
+              <a:rPr lang="en-US" dirty="0" err="1"/>
+              <a:t>edad</a:t>
+            </a:r>
+            <a:r>
+              <a:rPr lang="en-US" dirty="0"/>
+              <a:t>). </a:t>
+            </a:r>
+          </a:p>
+          <a:p>
+            <a:pPr lvl="1" algn="just"/>
+            <a:r>
+              <a:rPr lang="en-US" dirty="0"/>
+              <a:t>Variables de </a:t>
+            </a:r>
+            <a:r>
+              <a:rPr lang="en-US" dirty="0" err="1"/>
+              <a:t>comportamiento</a:t>
+            </a:r>
+            <a:r>
+              <a:rPr lang="en-US" dirty="0"/>
+              <a:t>: solo se </a:t>
+            </a:r>
+            <a:r>
+              <a:rPr lang="en-US" dirty="0" err="1"/>
+              <a:t>tienen</a:t>
+            </a:r>
+            <a:r>
+              <a:rPr lang="en-US" dirty="0"/>
+              <a:t> 6 </a:t>
+            </a:r>
+            <a:r>
+              <a:rPr lang="en-US" dirty="0" err="1"/>
+              <a:t>meses</a:t>
+            </a:r>
+            <a:r>
+              <a:rPr lang="en-US" dirty="0"/>
               <a:t> de </a:t>
             </a:r>
             <a:r>
-              <a:rPr lang="en-US" sz="2000" dirty="0" err="1"/>
-              <a:t>desarrollar</a:t>
-            </a:r>
-            <a:r>
-              <a:rPr lang="en-US" sz="2000" dirty="0"/>
-              <a:t> un Sistema para </a:t>
-            </a:r>
-            <a:r>
-              <a:rPr lang="en-US" sz="2000" dirty="0" err="1"/>
-              <a:t>determinar</a:t>
-            </a:r>
-            <a:r>
-              <a:rPr lang="en-US" sz="2000" dirty="0"/>
-              <a:t> la </a:t>
-            </a:r>
-            <a:r>
-              <a:rPr lang="en-US" sz="2000" dirty="0" err="1"/>
-              <a:t>posición</a:t>
-            </a:r>
-            <a:r>
-              <a:rPr lang="en-US" sz="2000" dirty="0"/>
-              <a:t> de una persona dentro de </a:t>
-            </a:r>
-            <a:r>
-              <a:rPr lang="en-US" sz="2000" dirty="0" err="1"/>
-              <a:t>espacios</a:t>
-            </a:r>
-            <a:r>
-              <a:rPr lang="en-US" sz="2000" dirty="0"/>
+              <a:rPr lang="en-US" dirty="0" err="1"/>
+              <a:t>comportamiento</a:t>
+            </a:r>
+            <a:r>
+              <a:rPr lang="en-US" dirty="0"/>
+              <a:t> y con </a:t>
+            </a:r>
+            <a:r>
+              <a:rPr lang="en-US" dirty="0" err="1"/>
+              <a:t>ellos</a:t>
+            </a:r>
+            <a:r>
+              <a:rPr lang="en-US" dirty="0"/>
+              <a:t> se </a:t>
+            </a:r>
+            <a:r>
+              <a:rPr lang="en-US" dirty="0" err="1"/>
+              <a:t>está</a:t>
+            </a:r>
+            <a:r>
+              <a:rPr lang="en-US" dirty="0"/>
               <a:t> </a:t>
             </a:r>
             <a:r>
-              <a:rPr lang="en-US" sz="2000" dirty="0" err="1"/>
-              <a:t>cerrados</a:t>
-            </a:r>
-            <a:r>
-              <a:rPr lang="en-US" sz="2000" dirty="0"/>
+              <a:rPr lang="en-US" dirty="0" err="1"/>
+              <a:t>definiendo</a:t>
+            </a:r>
+            <a:r>
+              <a:rPr lang="en-US" dirty="0"/>
+              <a:t> los default.</a:t>
+            </a:r>
+          </a:p>
+          <a:p>
+            <a:pPr lvl="1" algn="just"/>
+            <a:r>
+              <a:rPr lang="en-US" dirty="0"/>
+              <a:t>No se </a:t>
+            </a:r>
+            <a:r>
+              <a:rPr lang="en-US" dirty="0" err="1"/>
+              <a:t>tiene</a:t>
+            </a:r>
+            <a:r>
+              <a:rPr lang="en-US" dirty="0"/>
+              <a:t> claro los </a:t>
+            </a:r>
+            <a:r>
+              <a:rPr lang="en-US" dirty="0" err="1"/>
+              <a:t>criterios</a:t>
+            </a:r>
+            <a:r>
+              <a:rPr lang="en-US" dirty="0"/>
+              <a:t> para </a:t>
+            </a:r>
+            <a:r>
+              <a:rPr lang="en-US" dirty="0" err="1"/>
+              <a:t>decidir</a:t>
+            </a:r>
+            <a:r>
+              <a:rPr lang="en-US" dirty="0"/>
               <a:t> </a:t>
             </a:r>
             <a:r>
-              <a:rPr lang="en-US" sz="2000" dirty="0" err="1"/>
+              <a:rPr lang="en-US" dirty="0" err="1"/>
+              <a:t>si</a:t>
+            </a:r>
+            <a:r>
+              <a:rPr lang="en-US" dirty="0"/>
+              <a:t> un </a:t>
+            </a:r>
+            <a:r>
+              <a:rPr lang="en-US" dirty="0" err="1"/>
+              <a:t>cliente</a:t>
+            </a:r>
+            <a:r>
+              <a:rPr lang="en-US" dirty="0"/>
+              <a:t> </a:t>
+            </a:r>
+            <a:r>
+              <a:rPr lang="en-US" dirty="0" err="1"/>
+              <a:t>cayó</a:t>
+            </a:r>
+            <a:r>
+              <a:rPr lang="en-US" dirty="0"/>
+              <a:t> </a:t>
+            </a:r>
+            <a:r>
+              <a:rPr lang="en-US" dirty="0" err="1"/>
+              <a:t>en</a:t>
+            </a:r>
+            <a:r>
+              <a:rPr lang="en-US" dirty="0"/>
+              <a:t> default.</a:t>
+            </a:r>
+          </a:p>
+          <a:p>
+            <a:pPr lvl="1" algn="just"/>
+            <a:r>
+              <a:rPr lang="en-US" dirty="0"/>
+              <a:t>Se </a:t>
+            </a:r>
+            <a:r>
+              <a:rPr lang="en-US" dirty="0" err="1"/>
+              <a:t>tiene</a:t>
+            </a:r>
+            <a:r>
+              <a:rPr lang="en-US" dirty="0"/>
+              <a:t> una </a:t>
+            </a:r>
+            <a:r>
+              <a:rPr lang="en-US" dirty="0" err="1"/>
+              <a:t>muestra</a:t>
+            </a:r>
+            <a:r>
+              <a:rPr lang="en-US" dirty="0"/>
+              <a:t> de 30 mil </a:t>
+            </a:r>
+            <a:r>
+              <a:rPr lang="en-US" dirty="0" err="1"/>
+              <a:t>clientes</a:t>
+            </a:r>
+            <a:r>
+              <a:rPr lang="en-US" dirty="0"/>
+              <a:t>, los </a:t>
+            </a:r>
+            <a:r>
+              <a:rPr lang="en-US" dirty="0" err="1"/>
+              <a:t>cuales</a:t>
+            </a:r>
+            <a:r>
+              <a:rPr lang="en-US" dirty="0"/>
+              <a:t> no se </a:t>
+            </a:r>
+            <a:r>
+              <a:rPr lang="en-US" dirty="0" err="1"/>
+              <a:t>tiene</a:t>
+            </a:r>
+            <a:r>
+              <a:rPr lang="en-US" dirty="0"/>
+              <a:t> claro de </a:t>
+            </a:r>
+            <a:r>
+              <a:rPr lang="en-US" dirty="0" err="1"/>
+              <a:t>qué</a:t>
+            </a:r>
+            <a:r>
+              <a:rPr lang="en-US" dirty="0"/>
+              <a:t> </a:t>
+            </a:r>
+            <a:r>
+              <a:rPr lang="en-US" dirty="0" err="1"/>
+              <a:t>empresa</a:t>
+            </a:r>
+            <a:r>
+              <a:rPr lang="en-US" dirty="0"/>
+              <a:t> son y de </a:t>
+            </a:r>
+            <a:r>
+              <a:rPr lang="en-US" dirty="0" err="1"/>
+              <a:t>qué</a:t>
+            </a:r>
+            <a:r>
+              <a:rPr lang="en-US" dirty="0"/>
+              <a:t> </a:t>
+            </a:r>
+            <a:r>
+              <a:rPr lang="en-US" dirty="0" err="1"/>
+              <a:t>tipo</a:t>
+            </a:r>
+            <a:r>
+              <a:rPr lang="en-US" dirty="0"/>
+              <a:t> de product (</a:t>
+            </a:r>
+            <a:r>
+              <a:rPr lang="en-US" dirty="0" err="1"/>
+              <a:t>tarjetas</a:t>
+            </a:r>
+            <a:r>
+              <a:rPr lang="en-US" dirty="0"/>
+              <a:t> de </a:t>
+            </a:r>
+            <a:r>
+              <a:rPr lang="en-US" dirty="0" err="1"/>
+              <a:t>crédito</a:t>
+            </a:r>
+            <a:r>
+              <a:rPr lang="en-US" dirty="0"/>
+              <a:t>, </a:t>
+            </a:r>
+            <a:r>
+              <a:rPr lang="en-US" dirty="0" err="1"/>
+              <a:t>créditos</a:t>
+            </a:r>
+            <a:r>
+              <a:rPr lang="en-US" dirty="0"/>
+              <a:t> </a:t>
+            </a:r>
+            <a:r>
+              <a:rPr lang="en-US" dirty="0" err="1"/>
+              <a:t>personales</a:t>
+            </a:r>
+            <a:r>
+              <a:rPr lang="en-US" dirty="0"/>
+              <a:t>, </a:t>
+            </a:r>
+            <a:r>
+              <a:rPr lang="en-US" dirty="0" err="1"/>
+              <a:t>primas</a:t>
+            </a:r>
+            <a:r>
+              <a:rPr lang="en-US" dirty="0"/>
+              <a:t> </a:t>
+            </a:r>
+            <a:r>
+              <a:rPr lang="en-US" dirty="0" err="1"/>
+              <a:t>automóviles</a:t>
+            </a:r>
+            <a:r>
+              <a:rPr lang="en-US" dirty="0"/>
+              <a:t>, </a:t>
+            </a:r>
+            <a:r>
+              <a:rPr lang="en-US" dirty="0" err="1"/>
+              <a:t>etc</a:t>
+            </a:r>
+            <a:r>
+              <a:rPr lang="en-US" dirty="0"/>
+              <a:t>).</a:t>
+            </a:r>
+          </a:p>
+          <a:p>
+            <a:pPr marL="457200" lvl="1" indent="0" algn="just">
+              <a:buNone/>
+            </a:pPr>
+            <a:r>
+              <a:rPr lang="en-US" dirty="0"/>
+              <a:t>Dadas las </a:t>
+            </a:r>
+            <a:r>
+              <a:rPr lang="en-US" dirty="0" err="1"/>
+              <a:t>limitaciones</a:t>
+            </a:r>
+            <a:r>
+              <a:rPr lang="en-US" dirty="0"/>
+              <a:t> </a:t>
+            </a:r>
+            <a:r>
+              <a:rPr lang="en-US" dirty="0" err="1"/>
+              <a:t>mencionadas</a:t>
+            </a:r>
+            <a:r>
+              <a:rPr lang="en-US" dirty="0"/>
+              <a:t> es </a:t>
+            </a:r>
+            <a:r>
+              <a:rPr lang="en-US" dirty="0" err="1"/>
+              <a:t>muy</a:t>
+            </a:r>
+            <a:r>
+              <a:rPr lang="en-US" dirty="0"/>
+              <a:t> </a:t>
+            </a:r>
+            <a:r>
+              <a:rPr lang="en-US" dirty="0" err="1"/>
+              <a:t>importante</a:t>
+            </a:r>
+            <a:r>
+              <a:rPr lang="en-US" dirty="0"/>
+              <a:t> </a:t>
+            </a:r>
+            <a:r>
+              <a:rPr lang="en-US" dirty="0" err="1"/>
+              <a:t>probar</a:t>
+            </a:r>
+            <a:r>
+              <a:rPr lang="en-US" dirty="0"/>
+              <a:t> los </a:t>
+            </a:r>
+            <a:r>
+              <a:rPr lang="en-US" dirty="0" err="1"/>
+              <a:t>modelos</a:t>
+            </a:r>
+            <a:r>
+              <a:rPr lang="en-US" dirty="0"/>
+              <a:t> </a:t>
+            </a:r>
+            <a:r>
+              <a:rPr lang="en-US" dirty="0" err="1"/>
+              <a:t>predictivos</a:t>
+            </a:r>
+            <a:r>
+              <a:rPr lang="en-US" dirty="0"/>
+              <a:t> tanto </a:t>
+            </a:r>
+            <a:r>
+              <a:rPr lang="en-US" dirty="0" err="1"/>
+              <a:t>en</a:t>
+            </a:r>
+            <a:r>
+              <a:rPr lang="en-US" dirty="0"/>
+              <a:t> </a:t>
+            </a:r>
+            <a:r>
+              <a:rPr lang="en-US" dirty="0" err="1"/>
+              <a:t>muestras</a:t>
+            </a:r>
+            <a:r>
+              <a:rPr lang="en-US" dirty="0"/>
+              <a:t> de </a:t>
+            </a:r>
+            <a:r>
+              <a:rPr lang="en-US" dirty="0" err="1"/>
+              <a:t>entrenamiento</a:t>
+            </a:r>
+            <a:r>
+              <a:rPr lang="en-US" dirty="0"/>
+              <a:t> </a:t>
+            </a:r>
+            <a:r>
+              <a:rPr lang="en-US" dirty="0" err="1"/>
               <a:t>como</a:t>
             </a:r>
             <a:r>
-              <a:rPr lang="en-US" sz="2000" dirty="0"/>
+              <a:rPr lang="en-US" dirty="0"/>
+              <a:t> de testing </a:t>
+            </a:r>
+            <a:r>
+              <a:rPr lang="en-US" dirty="0" err="1"/>
+              <a:t>pues</a:t>
+            </a:r>
+            <a:r>
+              <a:rPr lang="en-US" dirty="0"/>
+              <a:t> no se </a:t>
+            </a:r>
+            <a:r>
+              <a:rPr lang="en-US" dirty="0" err="1"/>
+              <a:t>puede</a:t>
+            </a:r>
+            <a:r>
+              <a:rPr lang="en-US" dirty="0"/>
               <a:t> </a:t>
             </a:r>
             <a:r>
-              <a:rPr lang="en-US" sz="2000" dirty="0" err="1"/>
-              <a:t>edificios</a:t>
-            </a:r>
-            <a:r>
-              <a:rPr lang="en-US" sz="2000" dirty="0"/>
-              <a:t>, por medio de las </a:t>
-            </a:r>
-            <a:r>
-              <a:rPr lang="en-US" sz="2000" dirty="0" err="1"/>
-              <a:t>señales</a:t>
-            </a:r>
-            <a:r>
-              <a:rPr lang="en-US" sz="2000" dirty="0"/>
-              <a:t> </a:t>
-            </a:r>
-            <a:r>
-              <a:rPr lang="en-US" sz="2000" dirty="0" err="1"/>
-              <a:t>wifi</a:t>
-            </a:r>
-            <a:r>
-              <a:rPr lang="en-US" sz="2000" dirty="0"/>
-              <a:t> de las </a:t>
-            </a:r>
-            <a:r>
-              <a:rPr lang="en-US" sz="2000" dirty="0" err="1"/>
-              <a:t>construcciones</a:t>
-            </a:r>
-            <a:r>
-              <a:rPr lang="en-US" sz="2000" dirty="0"/>
-              <a:t>.</a:t>
-            </a:r>
-          </a:p>
-          <a:p>
-            <a:pPr lvl="1" algn="just"/>
-            <a:r>
-              <a:rPr lang="en-US" sz="1800" dirty="0" err="1"/>
-              <a:t>Esto</a:t>
-            </a:r>
-            <a:r>
-              <a:rPr lang="en-US" sz="1800" dirty="0"/>
-              <a:t> se </a:t>
-            </a:r>
-            <a:r>
-              <a:rPr lang="en-US" sz="1800" dirty="0" err="1"/>
-              <a:t>hará</a:t>
-            </a:r>
-            <a:r>
-              <a:rPr lang="en-US" sz="1800" dirty="0"/>
-              <a:t> por medio de </a:t>
-            </a:r>
-            <a:r>
-              <a:rPr lang="en-US" sz="1800" dirty="0" err="1"/>
-              <a:t>diversos</a:t>
-            </a:r>
-            <a:r>
-              <a:rPr lang="en-US" sz="1800" dirty="0"/>
-              <a:t> </a:t>
-            </a:r>
-            <a:r>
-              <a:rPr lang="en-US" sz="1800" dirty="0" err="1"/>
-              <a:t>modelos</a:t>
-            </a:r>
-            <a:r>
-              <a:rPr lang="en-US" sz="1800" dirty="0"/>
-              <a:t> de machine learning que </a:t>
-            </a:r>
-            <a:r>
-              <a:rPr lang="en-US" sz="1800" dirty="0" err="1"/>
-              <a:t>logren</a:t>
-            </a:r>
-            <a:r>
-              <a:rPr lang="en-US" sz="1800" dirty="0"/>
-              <a:t> la mayor </a:t>
-            </a:r>
-            <a:r>
-              <a:rPr lang="en-US" sz="1800" dirty="0" err="1"/>
-              <a:t>precisión</a:t>
-            </a:r>
-            <a:r>
-              <a:rPr lang="en-US" sz="1800" dirty="0"/>
-              <a:t>.</a:t>
-            </a:r>
-          </a:p>
-          <a:p>
-            <a:pPr lvl="1" algn="just"/>
-            <a:endParaRPr lang="en-US" sz="1800" dirty="0"/>
+              <a:rPr lang="en-US" dirty="0" err="1"/>
+              <a:t>permitir</a:t>
+            </a:r>
+            <a:r>
+              <a:rPr lang="en-US" dirty="0"/>
+              <a:t> que se </a:t>
+            </a:r>
+            <a:r>
+              <a:rPr lang="en-US" dirty="0" err="1"/>
+              <a:t>adpaten</a:t>
+            </a:r>
+            <a:r>
+              <a:rPr lang="en-US" dirty="0"/>
+              <a:t> a un solo un </a:t>
+            </a:r>
+            <a:r>
+              <a:rPr lang="en-US" dirty="0" err="1"/>
+              <a:t>tipo</a:t>
+            </a:r>
+            <a:r>
+              <a:rPr lang="en-US" dirty="0"/>
+              <a:t> de </a:t>
+            </a:r>
+            <a:r>
+              <a:rPr lang="en-US" dirty="0" err="1"/>
+              <a:t>cliente</a:t>
+            </a:r>
+            <a:r>
+              <a:rPr lang="en-US" dirty="0"/>
+              <a:t>. </a:t>
+            </a:r>
           </a:p>
         </p:txBody>
       </p:sp>
@@ -9657,8 +14554,8 @@
         </p:nvSpPr>
         <p:spPr>
           <a:xfrm>
-            <a:off x="1669774" y="624110"/>
-            <a:ext cx="9965635" cy="1085420"/>
+            <a:off x="1669774" y="456330"/>
+            <a:ext cx="9965635" cy="776851"/>
           </a:xfrm>
         </p:spPr>
         <p:txBody>
@@ -9708,173 +14605,39 @@
             <a:endParaRPr lang="es-CR" sz="3200" dirty="0"/>
           </a:p>
           <a:p>
-            <a:pPr algn="just"/>
-            <a:r>
-              <a:rPr lang="en-US" sz="2000" dirty="0"/>
-              <a:t>El </a:t>
-            </a:r>
-            <a:r>
-              <a:rPr lang="en-US" sz="2000" dirty="0" err="1"/>
-              <a:t>objetivo</a:t>
-            </a:r>
-            <a:r>
-              <a:rPr lang="en-US" sz="2000" dirty="0"/>
-              <a:t>  es </a:t>
-            </a:r>
-            <a:r>
-              <a:rPr lang="en-US" sz="2000" dirty="0" err="1"/>
-              <a:t>investigar</a:t>
-            </a:r>
-            <a:r>
-              <a:rPr lang="en-US" sz="2000" dirty="0"/>
-              <a:t> la </a:t>
-            </a:r>
-            <a:r>
-              <a:rPr lang="en-US" sz="2000" dirty="0" err="1"/>
-              <a:t>posibilidad</a:t>
-            </a:r>
-            <a:r>
-              <a:rPr lang="en-US" sz="2000" dirty="0"/>
-              <a:t> de </a:t>
-            </a:r>
-            <a:r>
-              <a:rPr lang="en-US" sz="2000" dirty="0" err="1"/>
-              <a:t>desarrollar</a:t>
-            </a:r>
-            <a:r>
-              <a:rPr lang="en-US" sz="2000" dirty="0"/>
-              <a:t> un Sistema para </a:t>
-            </a:r>
-            <a:r>
-              <a:rPr lang="en-US" sz="2000" dirty="0" err="1"/>
-              <a:t>determinar</a:t>
-            </a:r>
-            <a:r>
-              <a:rPr lang="en-US" sz="2000" dirty="0"/>
-              <a:t> la </a:t>
-            </a:r>
-            <a:r>
-              <a:rPr lang="en-US" sz="2000" dirty="0" err="1"/>
-              <a:t>posición</a:t>
-            </a:r>
-            <a:r>
-              <a:rPr lang="en-US" sz="2000" dirty="0"/>
-              <a:t> de una persona dentro de </a:t>
-            </a:r>
-            <a:r>
-              <a:rPr lang="en-US" sz="2000" dirty="0" err="1"/>
-              <a:t>espacios</a:t>
-            </a:r>
-            <a:r>
-              <a:rPr lang="en-US" sz="2000" dirty="0"/>
-              <a:t> </a:t>
-            </a:r>
-            <a:r>
-              <a:rPr lang="en-US" sz="2000" dirty="0" err="1"/>
-              <a:t>cerrados</a:t>
-            </a:r>
-            <a:r>
-              <a:rPr lang="en-US" sz="2000" dirty="0"/>
-              <a:t> </a:t>
-            </a:r>
-            <a:r>
-              <a:rPr lang="en-US" sz="2000" dirty="0" err="1"/>
-              <a:t>como</a:t>
-            </a:r>
-            <a:r>
-              <a:rPr lang="en-US" sz="2000" dirty="0"/>
-              <a:t> </a:t>
-            </a:r>
-            <a:r>
-              <a:rPr lang="en-US" sz="2000" dirty="0" err="1"/>
-              <a:t>edificios</a:t>
-            </a:r>
-            <a:r>
-              <a:rPr lang="en-US" sz="2000" dirty="0"/>
-              <a:t>, por medio de las </a:t>
-            </a:r>
-            <a:r>
-              <a:rPr lang="en-US" sz="2000" dirty="0" err="1"/>
-              <a:t>señales</a:t>
-            </a:r>
-            <a:r>
-              <a:rPr lang="en-US" sz="2000" dirty="0"/>
-              <a:t> </a:t>
-            </a:r>
-            <a:r>
-              <a:rPr lang="en-US" sz="2000" dirty="0" err="1"/>
-              <a:t>wifi</a:t>
-            </a:r>
-            <a:r>
-              <a:rPr lang="en-US" sz="2000" dirty="0"/>
-              <a:t> de las </a:t>
-            </a:r>
-            <a:r>
-              <a:rPr lang="en-US" sz="2000" dirty="0" err="1"/>
-              <a:t>construcciones</a:t>
-            </a:r>
-            <a:r>
-              <a:rPr lang="en-US" sz="2000" dirty="0"/>
-              <a:t>.</a:t>
-            </a:r>
-          </a:p>
-          <a:p>
-            <a:pPr lvl="1" algn="just"/>
-            <a:r>
-              <a:rPr lang="en-US" sz="1800" dirty="0" err="1"/>
-              <a:t>Esto</a:t>
-            </a:r>
-            <a:r>
-              <a:rPr lang="en-US" sz="1800" dirty="0"/>
-              <a:t> se </a:t>
-            </a:r>
-            <a:r>
-              <a:rPr lang="en-US" sz="1800" dirty="0" err="1"/>
-              <a:t>hará</a:t>
-            </a:r>
-            <a:r>
-              <a:rPr lang="en-US" sz="1800" dirty="0"/>
-              <a:t> por medio de </a:t>
-            </a:r>
-            <a:r>
-              <a:rPr lang="en-US" sz="1800" dirty="0" err="1"/>
-              <a:t>diversos</a:t>
-            </a:r>
-            <a:r>
-              <a:rPr lang="en-US" sz="1800" dirty="0"/>
-              <a:t> </a:t>
-            </a:r>
-            <a:r>
-              <a:rPr lang="en-US" sz="1800" dirty="0" err="1"/>
-              <a:t>modelos</a:t>
-            </a:r>
-            <a:r>
-              <a:rPr lang="en-US" sz="1800" dirty="0"/>
-              <a:t> de machine learning que </a:t>
-            </a:r>
-            <a:r>
-              <a:rPr lang="en-US" sz="1800" dirty="0" err="1"/>
-              <a:t>logren</a:t>
-            </a:r>
-            <a:r>
-              <a:rPr lang="en-US" sz="1800" dirty="0"/>
-              <a:t> la mayor </a:t>
-            </a:r>
-            <a:r>
-              <a:rPr lang="en-US" sz="1800" dirty="0" err="1"/>
-              <a:t>precisión</a:t>
-            </a:r>
-            <a:r>
-              <a:rPr lang="en-US" sz="1800" dirty="0"/>
-              <a:t>.</a:t>
-            </a:r>
-          </a:p>
-          <a:p>
             <a:pPr lvl="1" algn="just"/>
             <a:endParaRPr lang="en-US" sz="1800" dirty="0"/>
           </a:p>
         </p:txBody>
       </p:sp>
+      <p:graphicFrame>
+        <p:nvGraphicFramePr>
+          <p:cNvPr id="3" name="Diagrama 2">
+            <a:extLst>
+              <a:ext uri="{FF2B5EF4-FFF2-40B4-BE49-F238E27FC236}">
+                <a16:creationId xmlns:a16="http://schemas.microsoft.com/office/drawing/2014/main" id="{3C673820-D401-49D7-8757-258E4DF95AB3}"/>
+              </a:ext>
+            </a:extLst>
+          </p:cNvPr>
+          <p:cNvGraphicFramePr/>
+          <p:nvPr>
+            <p:extLst>
+              <p:ext uri="{D42A27DB-BD31-4B8C-83A1-F6EECF244321}">
+                <p14:modId xmlns:p14="http://schemas.microsoft.com/office/powerpoint/2010/main" val="2731806826"/>
+              </p:ext>
+            </p:extLst>
+          </p:nvPr>
+        </p:nvGraphicFramePr>
+        <p:xfrm>
+          <a:off x="2174613" y="1233080"/>
+          <a:ext cx="8128000" cy="5249202"/>
+        </p:xfrm>
+        <a:graphic>
+          <a:graphicData uri="http://schemas.openxmlformats.org/drawingml/2006/diagram">
+            <dgm:relIds xmlns:dgm="http://schemas.openxmlformats.org/drawingml/2006/diagram" xmlns:r="http://schemas.openxmlformats.org/officeDocument/2006/relationships" r:dm="rId2" r:lo="rId3" r:qs="rId4" r:cs="rId5"/>
+          </a:graphicData>
+        </a:graphic>
+      </p:graphicFrame>
     </p:spTree>
     <p:extLst>
       <p:ext uri="{BB962C8B-B14F-4D97-AF65-F5344CB8AC3E}">
@@ -9937,7 +14700,10 @@
               <a:rPr lang="es-CR" dirty="0" err="1"/>
               <a:t>Insights</a:t>
             </a:r>
-            <a:endParaRPr lang="es-CR" dirty="0"/>
+            <a:r>
+              <a:rPr lang="es-CR" dirty="0"/>
+              <a:t> preliminares</a:t>
+            </a:r>
           </a:p>
         </p:txBody>
       </p:sp>
@@ -9977,60 +14743,24 @@
           <a:p>
             <a:pPr algn="just"/>
             <a:r>
+              <a:rPr lang="en-US" sz="2000" dirty="0" err="1"/>
+              <a:t>Muestra</a:t>
+            </a:r>
+            <a:r>
               <a:rPr lang="en-US" sz="2000" dirty="0"/>
-              <a:t>El </a:t>
+              <a:t> 30 mil </a:t>
             </a:r>
             <a:r>
               <a:rPr lang="en-US" sz="2000" dirty="0" err="1"/>
-              <a:t>objetivo</a:t>
+              <a:t>clientes</a:t>
             </a:r>
             <a:r>
               <a:rPr lang="en-US" sz="2000" dirty="0"/>
-              <a:t>  es </a:t>
+              <a:t>: 22% </a:t>
             </a:r>
             <a:r>
               <a:rPr lang="en-US" sz="2000" dirty="0" err="1"/>
-              <a:t>investigar</a:t>
-            </a:r>
-            <a:r>
-              <a:rPr lang="en-US" sz="2000" dirty="0"/>
-              <a:t> la </a:t>
-            </a:r>
-            <a:r>
-              <a:rPr lang="en-US" sz="2000" dirty="0" err="1"/>
-              <a:t>posibilidad</a:t>
-            </a:r>
-            <a:r>
-              <a:rPr lang="en-US" sz="2000" dirty="0"/>
-              <a:t> de </a:t>
-            </a:r>
-            <a:r>
-              <a:rPr lang="en-US" sz="2000" dirty="0" err="1"/>
-              <a:t>desarrollar</a:t>
-            </a:r>
-            <a:r>
-              <a:rPr lang="en-US" sz="2000" dirty="0"/>
-              <a:t> un Sistema para </a:t>
-            </a:r>
-            <a:r>
-              <a:rPr lang="en-US" sz="2000" dirty="0" err="1"/>
-              <a:t>determinar</a:t>
-            </a:r>
-            <a:r>
-              <a:rPr lang="en-US" sz="2000" dirty="0"/>
-              <a:t> la </a:t>
-            </a:r>
-            <a:r>
-              <a:rPr lang="en-US" sz="2000" dirty="0" err="1"/>
-              <a:t>posición</a:t>
-            </a:r>
-            <a:r>
-              <a:rPr lang="en-US" sz="2000" dirty="0"/>
-              <a:t> de una persona dentro de </a:t>
-            </a:r>
-            <a:r>
-              <a:rPr lang="en-US" sz="2000" dirty="0" err="1"/>
-              <a:t>espacios</a:t>
+              <a:t>caen</a:t>
             </a:r>
             <a:r>
               <a:rPr lang="en-US" sz="2000" dirty="0"/>
@@ -10038,7 +14768,29 @@
             </a:r>
             <a:r>
               <a:rPr lang="en-US" sz="2000" dirty="0" err="1"/>
-              <a:t>cerrados</a:t>
+              <a:t>en</a:t>
+            </a:r>
+            <a:r>
+              <a:rPr lang="en-US" sz="2000" dirty="0"/>
+              <a:t> default.</a:t>
+            </a:r>
+          </a:p>
+          <a:p>
+            <a:pPr algn="just"/>
+            <a:r>
+              <a:rPr lang="en-US" sz="2000" dirty="0"/>
+              <a:t>El 60% son hombres.</a:t>
+            </a:r>
+          </a:p>
+          <a:p>
+            <a:pPr algn="just"/>
+            <a:r>
+              <a:rPr lang="en-US" sz="2000" dirty="0"/>
+              <a:t>El 72% </a:t>
+            </a:r>
+            <a:r>
+              <a:rPr lang="en-US" sz="2000" dirty="0" err="1"/>
+              <a:t>tiene</a:t>
             </a:r>
             <a:r>
               <a:rPr lang="en-US" sz="2000" dirty="0"/>
@@ -10046,39 +14798,15 @@
             </a:r>
             <a:r>
               <a:rPr lang="en-US" sz="2000" dirty="0" err="1"/>
-              <a:t>como</a:t>
+              <a:t>menos</a:t>
             </a:r>
             <a:r>
               <a:rPr lang="en-US" sz="2000" dirty="0"/>
-              <a:t> </a:t>
+              <a:t> de 40 </a:t>
             </a:r>
             <a:r>
               <a:rPr lang="en-US" sz="2000" dirty="0" err="1"/>
-              <a:t>edificios</a:t>
-            </a:r>
-            <a:r>
-              <a:rPr lang="en-US" sz="2000" dirty="0"/>
-              <a:t>, por medio de las </a:t>
-            </a:r>
-            <a:r>
-              <a:rPr lang="en-US" sz="2000" dirty="0" err="1"/>
-              <a:t>señales</a:t>
-            </a:r>
-            <a:r>
-              <a:rPr lang="en-US" sz="2000" dirty="0"/>
-              <a:t> </a:t>
-            </a:r>
-            <a:r>
-              <a:rPr lang="en-US" sz="2000" dirty="0" err="1"/>
-              <a:t>wifi</a:t>
-            </a:r>
-            <a:r>
-              <a:rPr lang="en-US" sz="2000" dirty="0"/>
-              <a:t> de las </a:t>
-            </a:r>
-            <a:r>
-              <a:rPr lang="en-US" sz="2000" dirty="0" err="1"/>
-              <a:t>construcciones</a:t>
+              <a:t>años</a:t>
             </a:r>
             <a:r>
               <a:rPr lang="en-US" sz="2000" dirty="0"/>
@@ -10086,58 +14814,111 @@
             </a:r>
           </a:p>
           <a:p>
-            <a:pPr lvl="1" algn="just"/>
-            <a:r>
-              <a:rPr lang="en-US" sz="1800" dirty="0" err="1"/>
-              <a:t>Esto</a:t>
-            </a:r>
-            <a:r>
-              <a:rPr lang="en-US" sz="1800" dirty="0"/>
+            <a:pPr algn="just"/>
+            <a:r>
+              <a:rPr lang="en-US" dirty="0" err="1"/>
+              <a:t>Conforme</a:t>
+            </a:r>
+            <a:r>
+              <a:rPr lang="en-US" dirty="0"/>
               <a:t> se </a:t>
             </a:r>
             <a:r>
-              <a:rPr lang="en-US" sz="1800" dirty="0" err="1"/>
-              <a:t>hará</a:t>
-            </a:r>
-            <a:r>
-              <a:rPr lang="en-US" sz="1800" dirty="0"/>
-              <a:t> por medio de </a:t>
-            </a:r>
-            <a:r>
-              <a:rPr lang="en-US" sz="1800" dirty="0" err="1"/>
-              <a:t>diversos</a:t>
-            </a:r>
-            <a:r>
-              <a:rPr lang="en-US" sz="1800" dirty="0"/>
+              <a:rPr lang="en-US" dirty="0" err="1"/>
+              <a:t>avance</a:t>
+            </a:r>
+            <a:r>
+              <a:rPr lang="en-US" dirty="0"/>
               <a:t> </a:t>
             </a:r>
             <a:r>
-              <a:rPr lang="en-US" sz="1800" dirty="0" err="1"/>
-              <a:t>modelos</a:t>
-            </a:r>
-            <a:r>
-              <a:rPr lang="en-US" sz="1800" dirty="0"/>
-              <a:t> de machine learning que </a:t>
-            </a:r>
-            <a:r>
-              <a:rPr lang="en-US" sz="1800" dirty="0" err="1"/>
-              <a:t>logren</a:t>
-            </a:r>
-            <a:r>
-              <a:rPr lang="en-US" sz="1800" dirty="0"/>
-              <a:t> la mayor </a:t>
-            </a:r>
-            <a:r>
-              <a:rPr lang="en-US" sz="1800" dirty="0" err="1"/>
-              <a:t>precisión</a:t>
-            </a:r>
-            <a:r>
-              <a:rPr lang="en-US" sz="1800" dirty="0"/>
+              <a:rPr lang="en-US" dirty="0" err="1"/>
+              <a:t>en</a:t>
+            </a:r>
+            <a:r>
+              <a:rPr lang="en-US" dirty="0"/>
+              <a:t> el </a:t>
+            </a:r>
+            <a:r>
+              <a:rPr lang="en-US" dirty="0" err="1"/>
+              <a:t>análisis</a:t>
+            </a:r>
+            <a:r>
+              <a:rPr lang="en-US" dirty="0"/>
+              <a:t> de la data </a:t>
+            </a:r>
+            <a:r>
+              <a:rPr lang="en-US" dirty="0" err="1"/>
+              <a:t>será</a:t>
+            </a:r>
+            <a:r>
+              <a:rPr lang="en-US" dirty="0"/>
+              <a:t> </a:t>
+            </a:r>
+            <a:r>
+              <a:rPr lang="en-US" dirty="0" err="1"/>
+              <a:t>más</a:t>
+            </a:r>
+            <a:r>
+              <a:rPr lang="en-US" dirty="0"/>
+              <a:t> claro el </a:t>
+            </a:r>
+            <a:r>
+              <a:rPr lang="en-US" dirty="0" err="1"/>
+              <a:t>perfil</a:t>
+            </a:r>
+            <a:r>
+              <a:rPr lang="en-US" dirty="0"/>
+              <a:t> de los </a:t>
+            </a:r>
+            <a:r>
+              <a:rPr lang="en-US" dirty="0" err="1"/>
+              <a:t>clientes</a:t>
+            </a:r>
+            <a:r>
+              <a:rPr lang="en-US" dirty="0"/>
+              <a:t> que son </a:t>
+            </a:r>
+            <a:r>
+              <a:rPr lang="en-US" dirty="0" err="1"/>
+              <a:t>parte</a:t>
+            </a:r>
+            <a:r>
+              <a:rPr lang="en-US" dirty="0"/>
+              <a:t> de la </a:t>
+            </a:r>
+            <a:r>
+              <a:rPr lang="en-US" dirty="0" err="1"/>
+              <a:t>muestra</a:t>
+            </a:r>
+            <a:r>
+              <a:rPr lang="en-US" dirty="0"/>
+              <a:t> y </a:t>
+            </a:r>
+            <a:r>
+              <a:rPr lang="en-US" dirty="0" err="1"/>
+              <a:t>qué</a:t>
+            </a:r>
+            <a:r>
+              <a:rPr lang="en-US" dirty="0"/>
+              <a:t> </a:t>
+            </a:r>
+            <a:r>
+              <a:rPr lang="en-US" dirty="0" err="1"/>
+              <a:t>diferencia</a:t>
+            </a:r>
+            <a:r>
+              <a:rPr lang="en-US" dirty="0"/>
+              <a:t> a los </a:t>
+            </a:r>
+            <a:r>
+              <a:rPr lang="en-US" dirty="0" err="1"/>
+              <a:t>morosos</a:t>
+            </a:r>
+            <a:r>
+              <a:rPr lang="en-US"/>
               <a:t>.</a:t>
             </a:r>
-          </a:p>
-          <a:p>
-            <a:pPr lvl="1" algn="just"/>
             <a:endParaRPr lang="en-US" sz="1800" dirty="0"/>
           </a:p>
         </p:txBody>
